--- a/CSS LevelUp.pptx
+++ b/CSS LevelUp.pptx
@@ -2,12 +2,24 @@
 <file path=ppt/presentation.xml><?xml version="1.0" encoding="utf-8"?>
 <p:presentation xmlns:a="http://schemas.openxmlformats.org/drawingml/2006/main" xmlns:r="http://schemas.openxmlformats.org/officeDocument/2006/relationships" xmlns:p="http://schemas.openxmlformats.org/presentationml/2006/main" saveSubsetFonts="1">
   <p:sldMasterIdLst>
-    <p:sldMasterId id="2147483648" r:id="rId1"/>
+    <p:sldMasterId id="2147483660" r:id="rId1"/>
   </p:sldMasterIdLst>
   <p:sldIdLst>
     <p:sldId id="256" r:id="rId2"/>
     <p:sldId id="257" r:id="rId3"/>
     <p:sldId id="258" r:id="rId4"/>
+    <p:sldId id="259" r:id="rId5"/>
+    <p:sldId id="261" r:id="rId6"/>
+    <p:sldId id="262" r:id="rId7"/>
+    <p:sldId id="264" r:id="rId8"/>
+    <p:sldId id="266" r:id="rId9"/>
+    <p:sldId id="265" r:id="rId10"/>
+    <p:sldId id="267" r:id="rId11"/>
+    <p:sldId id="269" r:id="rId12"/>
+    <p:sldId id="270" r:id="rId13"/>
+    <p:sldId id="271" r:id="rId14"/>
+    <p:sldId id="263" r:id="rId15"/>
+    <p:sldId id="260" r:id="rId16"/>
   </p:sldIdLst>
   <p:sldSz cx="12192000" cy="6858000"/>
   <p:notesSz cx="6858000" cy="9144000"/>
@@ -15,7 +27,7 @@
     <a:defPPr>
       <a:defRPr lang="en-US"/>
     </a:defPPr>
-    <a:lvl1pPr marL="0" algn="l" defTabSz="914400" rtl="0" eaLnBrk="1" latinLnBrk="0" hangingPunct="1">
+    <a:lvl1pPr marL="0" algn="l" defTabSz="457200" rtl="0" eaLnBrk="1" latinLnBrk="0" hangingPunct="1">
       <a:defRPr sz="1800" kern="1200">
         <a:solidFill>
           <a:schemeClr val="tx1"/>
@@ -25,7 +37,7 @@
         <a:cs typeface="+mn-cs"/>
       </a:defRPr>
     </a:lvl1pPr>
-    <a:lvl2pPr marL="457200" algn="l" defTabSz="914400" rtl="0" eaLnBrk="1" latinLnBrk="0" hangingPunct="1">
+    <a:lvl2pPr marL="457200" algn="l" defTabSz="457200" rtl="0" eaLnBrk="1" latinLnBrk="0" hangingPunct="1">
       <a:defRPr sz="1800" kern="1200">
         <a:solidFill>
           <a:schemeClr val="tx1"/>
@@ -35,7 +47,7 @@
         <a:cs typeface="+mn-cs"/>
       </a:defRPr>
     </a:lvl2pPr>
-    <a:lvl3pPr marL="914400" algn="l" defTabSz="914400" rtl="0" eaLnBrk="1" latinLnBrk="0" hangingPunct="1">
+    <a:lvl3pPr marL="914400" algn="l" defTabSz="457200" rtl="0" eaLnBrk="1" latinLnBrk="0" hangingPunct="1">
       <a:defRPr sz="1800" kern="1200">
         <a:solidFill>
           <a:schemeClr val="tx1"/>
@@ -45,7 +57,7 @@
         <a:cs typeface="+mn-cs"/>
       </a:defRPr>
     </a:lvl3pPr>
-    <a:lvl4pPr marL="1371600" algn="l" defTabSz="914400" rtl="0" eaLnBrk="1" latinLnBrk="0" hangingPunct="1">
+    <a:lvl4pPr marL="1371600" algn="l" defTabSz="457200" rtl="0" eaLnBrk="1" latinLnBrk="0" hangingPunct="1">
       <a:defRPr sz="1800" kern="1200">
         <a:solidFill>
           <a:schemeClr val="tx1"/>
@@ -55,7 +67,7 @@
         <a:cs typeface="+mn-cs"/>
       </a:defRPr>
     </a:lvl4pPr>
-    <a:lvl5pPr marL="1828800" algn="l" defTabSz="914400" rtl="0" eaLnBrk="1" latinLnBrk="0" hangingPunct="1">
+    <a:lvl5pPr marL="1828800" algn="l" defTabSz="457200" rtl="0" eaLnBrk="1" latinLnBrk="0" hangingPunct="1">
       <a:defRPr sz="1800" kern="1200">
         <a:solidFill>
           <a:schemeClr val="tx1"/>
@@ -65,7 +77,7 @@
         <a:cs typeface="+mn-cs"/>
       </a:defRPr>
     </a:lvl5pPr>
-    <a:lvl6pPr marL="2286000" algn="l" defTabSz="914400" rtl="0" eaLnBrk="1" latinLnBrk="0" hangingPunct="1">
+    <a:lvl6pPr marL="2286000" algn="l" defTabSz="457200" rtl="0" eaLnBrk="1" latinLnBrk="0" hangingPunct="1">
       <a:defRPr sz="1800" kern="1200">
         <a:solidFill>
           <a:schemeClr val="tx1"/>
@@ -75,7 +87,7 @@
         <a:cs typeface="+mn-cs"/>
       </a:defRPr>
     </a:lvl6pPr>
-    <a:lvl7pPr marL="2743200" algn="l" defTabSz="914400" rtl="0" eaLnBrk="1" latinLnBrk="0" hangingPunct="1">
+    <a:lvl7pPr marL="2743200" algn="l" defTabSz="457200" rtl="0" eaLnBrk="1" latinLnBrk="0" hangingPunct="1">
       <a:defRPr sz="1800" kern="1200">
         <a:solidFill>
           <a:schemeClr val="tx1"/>
@@ -85,7 +97,7 @@
         <a:cs typeface="+mn-cs"/>
       </a:defRPr>
     </a:lvl7pPr>
-    <a:lvl8pPr marL="3200400" algn="l" defTabSz="914400" rtl="0" eaLnBrk="1" latinLnBrk="0" hangingPunct="1">
+    <a:lvl8pPr marL="3200400" algn="l" defTabSz="457200" rtl="0" eaLnBrk="1" latinLnBrk="0" hangingPunct="1">
       <a:defRPr sz="1800" kern="1200">
         <a:solidFill>
           <a:schemeClr val="tx1"/>
@@ -95,7 +107,7 @@
         <a:cs typeface="+mn-cs"/>
       </a:defRPr>
     </a:lvl8pPr>
-    <a:lvl9pPr marL="3657600" algn="l" defTabSz="914400" rtl="0" eaLnBrk="1" latinLnBrk="0" hangingPunct="1">
+    <a:lvl9pPr marL="3657600" algn="l" defTabSz="457200" rtl="0" eaLnBrk="1" latinLnBrk="0" hangingPunct="1">
       <a:defRPr sz="1800" kern="1200">
         <a:solidFill>
           <a:schemeClr val="tx1"/>
@@ -106,6 +118,11 @@
       </a:defRPr>
     </a:lvl9pPr>
   </p:defaultTextStyle>
+  <p:extLst>
+    <p:ext uri="{EFAFB233-063F-42B5-8137-9DF3F51BA10A}">
+      <p15:sldGuideLst xmlns:p15="http://schemas.microsoft.com/office/powerpoint/2012/main"/>
+    </p:ext>
+  </p:extLst>
 </p:presentation>
 </file>
 
@@ -128,13 +145,7 @@
       </p:grpSpPr>
       <p:sp>
         <p:nvSpPr>
-          <p:cNvPr id="2" name="Title 1">
-            <a:extLst>
-              <a:ext uri="{FF2B5EF4-FFF2-40B4-BE49-F238E27FC236}">
-                <a16:creationId xmlns:a16="http://schemas.microsoft.com/office/drawing/2014/main" id="{F3B16519-5D76-40CE-A040-17B307C32D34}"/>
-              </a:ext>
-            </a:extLst>
-          </p:cNvPr>
+          <p:cNvPr id="2" name="Title 1"/>
           <p:cNvSpPr>
             <a:spLocks noGrp="1"/>
           </p:cNvSpPr>
@@ -144,15 +155,15 @@
         </p:nvSpPr>
         <p:spPr>
           <a:xfrm>
-            <a:off x="1524000" y="1122363"/>
-            <a:ext cx="9144000" cy="2387600"/>
+            <a:off x="1154955" y="1447800"/>
+            <a:ext cx="8825658" cy="3329581"/>
           </a:xfrm>
         </p:spPr>
         <p:txBody>
           <a:bodyPr anchor="b"/>
           <a:lstStyle>
-            <a:lvl1pPr algn="ctr">
-              <a:defRPr sz="6000"/>
+            <a:lvl1pPr>
+              <a:defRPr sz="7200"/>
             </a:lvl1pPr>
           </a:lstStyle>
           <a:p>
@@ -160,18 +171,13 @@
               <a:rPr lang="en-US"/>
               <a:t>Click to edit Master title style</a:t>
             </a:r>
-          </a:p>
-        </p:txBody>
-      </p:sp>
-      <p:sp>
-        <p:nvSpPr>
-          <p:cNvPr id="3" name="Subtitle 2">
-            <a:extLst>
-              <a:ext uri="{FF2B5EF4-FFF2-40B4-BE49-F238E27FC236}">
-                <a16:creationId xmlns:a16="http://schemas.microsoft.com/office/drawing/2014/main" id="{A8C04559-BF27-4286-AF73-3F91DDEDCBA2}"/>
-              </a:ext>
-            </a:extLst>
-          </p:cNvPr>
+            <a:endParaRPr lang="en-US" dirty="0"/>
+          </a:p>
+        </p:txBody>
+      </p:sp>
+      <p:sp>
+        <p:nvSpPr>
+          <p:cNvPr id="3" name="Subtitle 2"/>
           <p:cNvSpPr>
             <a:spLocks noGrp="1"/>
           </p:cNvSpPr>
@@ -181,48 +187,103 @@
         </p:nvSpPr>
         <p:spPr>
           <a:xfrm>
-            <a:off x="1524000" y="3602038"/>
-            <a:ext cx="9144000" cy="1655762"/>
+            <a:off x="1154955" y="4777380"/>
+            <a:ext cx="8825658" cy="861420"/>
           </a:xfrm>
         </p:spPr>
         <p:txBody>
-          <a:bodyPr/>
+          <a:bodyPr anchor="t"/>
           <a:lstStyle>
-            <a:lvl1pPr marL="0" indent="0" algn="ctr">
-              <a:buNone/>
-              <a:defRPr sz="2400"/>
+            <a:lvl1pPr marL="0" indent="0" algn="l">
+              <a:buNone/>
+              <a:defRPr cap="all">
+                <a:solidFill>
+                  <a:schemeClr val="bg2">
+                    <a:lumMod val="40000"/>
+                    <a:lumOff val="60000"/>
+                  </a:schemeClr>
+                </a:solidFill>
+              </a:defRPr>
             </a:lvl1pPr>
             <a:lvl2pPr marL="457200" indent="0" algn="ctr">
               <a:buNone/>
-              <a:defRPr sz="2000"/>
+              <a:defRPr>
+                <a:solidFill>
+                  <a:schemeClr val="tx1">
+                    <a:tint val="75000"/>
+                  </a:schemeClr>
+                </a:solidFill>
+              </a:defRPr>
             </a:lvl2pPr>
             <a:lvl3pPr marL="914400" indent="0" algn="ctr">
               <a:buNone/>
-              <a:defRPr sz="1800"/>
+              <a:defRPr>
+                <a:solidFill>
+                  <a:schemeClr val="tx1">
+                    <a:tint val="75000"/>
+                  </a:schemeClr>
+                </a:solidFill>
+              </a:defRPr>
             </a:lvl3pPr>
             <a:lvl4pPr marL="1371600" indent="0" algn="ctr">
               <a:buNone/>
-              <a:defRPr sz="1600"/>
+              <a:defRPr>
+                <a:solidFill>
+                  <a:schemeClr val="tx1">
+                    <a:tint val="75000"/>
+                  </a:schemeClr>
+                </a:solidFill>
+              </a:defRPr>
             </a:lvl4pPr>
             <a:lvl5pPr marL="1828800" indent="0" algn="ctr">
               <a:buNone/>
-              <a:defRPr sz="1600"/>
+              <a:defRPr>
+                <a:solidFill>
+                  <a:schemeClr val="tx1">
+                    <a:tint val="75000"/>
+                  </a:schemeClr>
+                </a:solidFill>
+              </a:defRPr>
             </a:lvl5pPr>
             <a:lvl6pPr marL="2286000" indent="0" algn="ctr">
               <a:buNone/>
-              <a:defRPr sz="1600"/>
+              <a:defRPr>
+                <a:solidFill>
+                  <a:schemeClr val="tx1">
+                    <a:tint val="75000"/>
+                  </a:schemeClr>
+                </a:solidFill>
+              </a:defRPr>
             </a:lvl6pPr>
             <a:lvl7pPr marL="2743200" indent="0" algn="ctr">
               <a:buNone/>
-              <a:defRPr sz="1600"/>
+              <a:defRPr>
+                <a:solidFill>
+                  <a:schemeClr val="tx1">
+                    <a:tint val="75000"/>
+                  </a:schemeClr>
+                </a:solidFill>
+              </a:defRPr>
             </a:lvl7pPr>
             <a:lvl8pPr marL="3200400" indent="0" algn="ctr">
               <a:buNone/>
-              <a:defRPr sz="1600"/>
+              <a:defRPr>
+                <a:solidFill>
+                  <a:schemeClr val="tx1">
+                    <a:tint val="75000"/>
+                  </a:schemeClr>
+                </a:solidFill>
+              </a:defRPr>
             </a:lvl8pPr>
             <a:lvl9pPr marL="3657600" indent="0" algn="ctr">
               <a:buNone/>
-              <a:defRPr sz="1600"/>
+              <a:defRPr>
+                <a:solidFill>
+                  <a:schemeClr val="tx1">
+                    <a:tint val="75000"/>
+                  </a:schemeClr>
+                </a:solidFill>
+              </a:defRPr>
             </a:lvl9pPr>
           </a:lstStyle>
           <a:p>
@@ -230,18 +291,13 @@
               <a:rPr lang="en-US"/>
               <a:t>Click to edit Master subtitle style</a:t>
             </a:r>
-          </a:p>
-        </p:txBody>
-      </p:sp>
-      <p:sp>
-        <p:nvSpPr>
-          <p:cNvPr id="4" name="Date Placeholder 3">
-            <a:extLst>
-              <a:ext uri="{FF2B5EF4-FFF2-40B4-BE49-F238E27FC236}">
-                <a16:creationId xmlns:a16="http://schemas.microsoft.com/office/drawing/2014/main" id="{37375227-9EE1-4318-A06C-49333AA3EBB3}"/>
-              </a:ext>
-            </a:extLst>
-          </p:cNvPr>
+            <a:endParaRPr lang="en-US" dirty="0"/>
+          </a:p>
+        </p:txBody>
+      </p:sp>
+      <p:sp>
+        <p:nvSpPr>
+          <p:cNvPr id="4" name="Date Placeholder 3"/>
           <p:cNvSpPr>
             <a:spLocks noGrp="1"/>
           </p:cNvSpPr>
@@ -256,7 +312,7 @@
           <a:p>
             <a:fld id="{AED1D2E7-AC9D-42CB-81DF-0C53EE097FA4}" type="datetimeFigureOut">
               <a:rPr lang="en-US" smtClean="0"/>
-              <a:t>2/26/2018</a:t>
+              <a:t>4/9/2018</a:t>
             </a:fld>
             <a:endParaRPr lang="en-US"/>
           </a:p>
@@ -264,13 +320,7 @@
       </p:sp>
       <p:sp>
         <p:nvSpPr>
-          <p:cNvPr id="5" name="Footer Placeholder 4">
-            <a:extLst>
-              <a:ext uri="{FF2B5EF4-FFF2-40B4-BE49-F238E27FC236}">
-                <a16:creationId xmlns:a16="http://schemas.microsoft.com/office/drawing/2014/main" id="{44ADA420-17BB-47D4-B787-D7D7E75C58CC}"/>
-              </a:ext>
-            </a:extLst>
-          </p:cNvPr>
+          <p:cNvPr id="5" name="Footer Placeholder 4"/>
           <p:cNvSpPr>
             <a:spLocks noGrp="1"/>
           </p:cNvSpPr>
@@ -289,13 +339,7 @@
       </p:sp>
       <p:sp>
         <p:nvSpPr>
-          <p:cNvPr id="6" name="Slide Number Placeholder 5">
-            <a:extLst>
-              <a:ext uri="{FF2B5EF4-FFF2-40B4-BE49-F238E27FC236}">
-                <a16:creationId xmlns:a16="http://schemas.microsoft.com/office/drawing/2014/main" id="{6EFC0C51-4374-4419-9E03-4C9ADD190FA4}"/>
-              </a:ext>
-            </a:extLst>
-          </p:cNvPr>
+          <p:cNvPr id="6" name="Slide Number Placeholder 5"/>
           <p:cNvSpPr>
             <a:spLocks noGrp="1"/>
           </p:cNvSpPr>
@@ -319,7 +363,7 @@
     </p:spTree>
     <p:extLst>
       <p:ext uri="{BB962C8B-B14F-4D97-AF65-F5344CB8AC3E}">
-        <p14:creationId xmlns:p14="http://schemas.microsoft.com/office/powerpoint/2010/main" val="2120742215"/>
+        <p14:creationId xmlns:p14="http://schemas.microsoft.com/office/powerpoint/2010/main" val="2816433606"/>
       </p:ext>
     </p:extLst>
   </p:cSld>
@@ -330,6 +374,2572 @@
 </file>
 
 <file path=ppt/slideLayouts/slideLayout10.xml><?xml version="1.0" encoding="utf-8"?>
+<p:sldLayout xmlns:a="http://schemas.openxmlformats.org/drawingml/2006/main" xmlns:r="http://schemas.openxmlformats.org/officeDocument/2006/relationships" xmlns:p="http://schemas.openxmlformats.org/presentationml/2006/main" preserve="1">
+  <p:cSld name="Panoramic Picture with Caption">
+    <p:spTree>
+      <p:nvGrpSpPr>
+        <p:cNvPr id="1" name=""/>
+        <p:cNvGrpSpPr/>
+        <p:nvPr/>
+      </p:nvGrpSpPr>
+      <p:grpSpPr>
+        <a:xfrm>
+          <a:off x="0" y="0"/>
+          <a:ext cx="0" cy="0"/>
+          <a:chOff x="0" y="0"/>
+          <a:chExt cx="0" cy="0"/>
+        </a:xfrm>
+      </p:grpSpPr>
+      <p:sp>
+        <p:nvSpPr>
+          <p:cNvPr id="2" name="Title 1"/>
+          <p:cNvSpPr>
+            <a:spLocks noGrp="1"/>
+          </p:cNvSpPr>
+          <p:nvPr>
+            <p:ph type="title"/>
+          </p:nvPr>
+        </p:nvSpPr>
+        <p:spPr>
+          <a:xfrm>
+            <a:off x="1154956" y="4800587"/>
+            <a:ext cx="8825657" cy="566738"/>
+          </a:xfrm>
+        </p:spPr>
+        <p:txBody>
+          <a:bodyPr anchor="b">
+            <a:normAutofit/>
+          </a:bodyPr>
+          <a:lstStyle>
+            <a:lvl1pPr algn="l">
+              <a:defRPr sz="2400" b="0"/>
+            </a:lvl1pPr>
+          </a:lstStyle>
+          <a:p>
+            <a:r>
+              <a:rPr lang="en-US"/>
+              <a:t>Click to edit Master title style</a:t>
+            </a:r>
+            <a:endParaRPr lang="en-US" dirty="0"/>
+          </a:p>
+        </p:txBody>
+      </p:sp>
+      <p:sp>
+        <p:nvSpPr>
+          <p:cNvPr id="3" name="Picture Placeholder 2"/>
+          <p:cNvSpPr>
+            <a:spLocks noGrp="1" noChangeAspect="1"/>
+          </p:cNvSpPr>
+          <p:nvPr>
+            <p:ph type="pic" idx="1"/>
+          </p:nvPr>
+        </p:nvSpPr>
+        <p:spPr>
+          <a:xfrm>
+            <a:off x="1154955" y="685800"/>
+            <a:ext cx="8825658" cy="3640666"/>
+          </a:xfrm>
+          <a:prstGeom prst="roundRect">
+            <a:avLst>
+              <a:gd name="adj" fmla="val 1858"/>
+            </a:avLst>
+          </a:prstGeom>
+          <a:effectLst>
+            <a:outerShdw blurRad="50800" dist="50800" dir="5400000" algn="tl" rotWithShape="0">
+              <a:srgbClr val="000000">
+                <a:alpha val="43000"/>
+              </a:srgbClr>
+            </a:outerShdw>
+          </a:effectLst>
+        </p:spPr>
+        <p:txBody>
+          <a:bodyPr anchor="t">
+            <a:normAutofit/>
+          </a:bodyPr>
+          <a:lstStyle>
+            <a:lvl1pPr marL="0" indent="0" algn="ctr">
+              <a:buNone/>
+              <a:defRPr sz="1600"/>
+            </a:lvl1pPr>
+            <a:lvl2pPr marL="457200" indent="0">
+              <a:buNone/>
+              <a:defRPr sz="1600"/>
+            </a:lvl2pPr>
+            <a:lvl3pPr marL="914400" indent="0">
+              <a:buNone/>
+              <a:defRPr sz="1600"/>
+            </a:lvl3pPr>
+            <a:lvl4pPr marL="1371600" indent="0">
+              <a:buNone/>
+              <a:defRPr sz="1600"/>
+            </a:lvl4pPr>
+            <a:lvl5pPr marL="1828800" indent="0">
+              <a:buNone/>
+              <a:defRPr sz="1600"/>
+            </a:lvl5pPr>
+            <a:lvl6pPr marL="2286000" indent="0">
+              <a:buNone/>
+              <a:defRPr sz="1600"/>
+            </a:lvl6pPr>
+            <a:lvl7pPr marL="2743200" indent="0">
+              <a:buNone/>
+              <a:defRPr sz="1600"/>
+            </a:lvl7pPr>
+            <a:lvl8pPr marL="3200400" indent="0">
+              <a:buNone/>
+              <a:defRPr sz="1600"/>
+            </a:lvl8pPr>
+            <a:lvl9pPr marL="3657600" indent="0">
+              <a:buNone/>
+              <a:defRPr sz="1600"/>
+            </a:lvl9pPr>
+          </a:lstStyle>
+          <a:p>
+            <a:r>
+              <a:rPr lang="en-US"/>
+              <a:t>Click icon to add picture</a:t>
+            </a:r>
+            <a:endParaRPr lang="en-US" dirty="0"/>
+          </a:p>
+        </p:txBody>
+      </p:sp>
+      <p:sp>
+        <p:nvSpPr>
+          <p:cNvPr id="4" name="Text Placeholder 3"/>
+          <p:cNvSpPr>
+            <a:spLocks noGrp="1"/>
+          </p:cNvSpPr>
+          <p:nvPr>
+            <p:ph type="body" sz="half" idx="2"/>
+          </p:nvPr>
+        </p:nvSpPr>
+        <p:spPr>
+          <a:xfrm>
+            <a:off x="1154956" y="5367325"/>
+            <a:ext cx="8825656" cy="493712"/>
+          </a:xfrm>
+        </p:spPr>
+        <p:txBody>
+          <a:bodyPr>
+            <a:normAutofit/>
+          </a:bodyPr>
+          <a:lstStyle>
+            <a:lvl1pPr marL="0" indent="0">
+              <a:buNone/>
+              <a:defRPr sz="1200"/>
+            </a:lvl1pPr>
+            <a:lvl2pPr marL="457200" indent="0">
+              <a:buNone/>
+              <a:defRPr sz="1200"/>
+            </a:lvl2pPr>
+            <a:lvl3pPr marL="914400" indent="0">
+              <a:buNone/>
+              <a:defRPr sz="1000"/>
+            </a:lvl3pPr>
+            <a:lvl4pPr marL="1371600" indent="0">
+              <a:buNone/>
+              <a:defRPr sz="900"/>
+            </a:lvl4pPr>
+            <a:lvl5pPr marL="1828800" indent="0">
+              <a:buNone/>
+              <a:defRPr sz="900"/>
+            </a:lvl5pPr>
+            <a:lvl6pPr marL="2286000" indent="0">
+              <a:buNone/>
+              <a:defRPr sz="900"/>
+            </a:lvl6pPr>
+            <a:lvl7pPr marL="2743200" indent="0">
+              <a:buNone/>
+              <a:defRPr sz="900"/>
+            </a:lvl7pPr>
+            <a:lvl8pPr marL="3200400" indent="0">
+              <a:buNone/>
+              <a:defRPr sz="900"/>
+            </a:lvl8pPr>
+            <a:lvl9pPr marL="3657600" indent="0">
+              <a:buNone/>
+              <a:defRPr sz="900"/>
+            </a:lvl9pPr>
+          </a:lstStyle>
+          <a:p>
+            <a:pPr lvl="0"/>
+            <a:r>
+              <a:rPr lang="en-US"/>
+              <a:t>Edit Master text styles</a:t>
+            </a:r>
+          </a:p>
+        </p:txBody>
+      </p:sp>
+      <p:sp>
+        <p:nvSpPr>
+          <p:cNvPr id="5" name="Date Placeholder 4"/>
+          <p:cNvSpPr>
+            <a:spLocks noGrp="1"/>
+          </p:cNvSpPr>
+          <p:nvPr>
+            <p:ph type="dt" sz="half" idx="10"/>
+          </p:nvPr>
+        </p:nvSpPr>
+        <p:spPr/>
+        <p:txBody>
+          <a:bodyPr/>
+          <a:lstStyle/>
+          <a:p>
+            <a:fld id="{AED1D2E7-AC9D-42CB-81DF-0C53EE097FA4}" type="datetimeFigureOut">
+              <a:rPr lang="en-US" smtClean="0"/>
+              <a:t>4/9/2018</a:t>
+            </a:fld>
+            <a:endParaRPr lang="en-US"/>
+          </a:p>
+        </p:txBody>
+      </p:sp>
+      <p:sp>
+        <p:nvSpPr>
+          <p:cNvPr id="6" name="Footer Placeholder 5"/>
+          <p:cNvSpPr>
+            <a:spLocks noGrp="1"/>
+          </p:cNvSpPr>
+          <p:nvPr>
+            <p:ph type="ftr" sz="quarter" idx="11"/>
+          </p:nvPr>
+        </p:nvSpPr>
+        <p:spPr/>
+        <p:txBody>
+          <a:bodyPr/>
+          <a:lstStyle/>
+          <a:p>
+            <a:endParaRPr lang="en-US"/>
+          </a:p>
+        </p:txBody>
+      </p:sp>
+      <p:sp>
+        <p:nvSpPr>
+          <p:cNvPr id="7" name="Slide Number Placeholder 6"/>
+          <p:cNvSpPr>
+            <a:spLocks noGrp="1"/>
+          </p:cNvSpPr>
+          <p:nvPr>
+            <p:ph type="sldNum" sz="quarter" idx="12"/>
+          </p:nvPr>
+        </p:nvSpPr>
+        <p:spPr/>
+        <p:txBody>
+          <a:bodyPr/>
+          <a:lstStyle/>
+          <a:p>
+            <a:fld id="{11B37FE4-AD18-4CE5-AF60-8B1E60BD4E57}" type="slidenum">
+              <a:rPr lang="en-US" smtClean="0"/>
+              <a:t>‹#›</a:t>
+            </a:fld>
+            <a:endParaRPr lang="en-US"/>
+          </a:p>
+        </p:txBody>
+      </p:sp>
+    </p:spTree>
+    <p:extLst>
+      <p:ext uri="{BB962C8B-B14F-4D97-AF65-F5344CB8AC3E}">
+        <p14:creationId xmlns:p14="http://schemas.microsoft.com/office/powerpoint/2010/main" val="786341540"/>
+      </p:ext>
+    </p:extLst>
+  </p:cSld>
+  <p:clrMapOvr>
+    <a:masterClrMapping/>
+  </p:clrMapOvr>
+</p:sldLayout>
+</file>
+
+<file path=ppt/slideLayouts/slideLayout11.xml><?xml version="1.0" encoding="utf-8"?>
+<p:sldLayout xmlns:a="http://schemas.openxmlformats.org/drawingml/2006/main" xmlns:r="http://schemas.openxmlformats.org/officeDocument/2006/relationships" xmlns:p="http://schemas.openxmlformats.org/presentationml/2006/main" preserve="1">
+  <p:cSld name="Title and Caption">
+    <p:spTree>
+      <p:nvGrpSpPr>
+        <p:cNvPr id="1" name=""/>
+        <p:cNvGrpSpPr/>
+        <p:nvPr/>
+      </p:nvGrpSpPr>
+      <p:grpSpPr>
+        <a:xfrm>
+          <a:off x="0" y="0"/>
+          <a:ext cx="0" cy="0"/>
+          <a:chOff x="0" y="0"/>
+          <a:chExt cx="0" cy="0"/>
+        </a:xfrm>
+      </p:grpSpPr>
+      <p:sp>
+        <p:nvSpPr>
+          <p:cNvPr id="2" name="Title 1"/>
+          <p:cNvSpPr>
+            <a:spLocks noGrp="1"/>
+          </p:cNvSpPr>
+          <p:nvPr>
+            <p:ph type="title"/>
+          </p:nvPr>
+        </p:nvSpPr>
+        <p:spPr>
+          <a:xfrm>
+            <a:off x="1154954" y="1447800"/>
+            <a:ext cx="8825659" cy="1981200"/>
+          </a:xfrm>
+        </p:spPr>
+        <p:txBody>
+          <a:bodyPr/>
+          <a:lstStyle>
+            <a:lvl1pPr>
+              <a:defRPr sz="4800"/>
+            </a:lvl1pPr>
+          </a:lstStyle>
+          <a:p>
+            <a:r>
+              <a:rPr lang="en-US"/>
+              <a:t>Click to edit Master title style</a:t>
+            </a:r>
+            <a:endParaRPr lang="en-US" dirty="0"/>
+          </a:p>
+        </p:txBody>
+      </p:sp>
+      <p:sp>
+        <p:nvSpPr>
+          <p:cNvPr id="8" name="Text Placeholder 3"/>
+          <p:cNvSpPr>
+            <a:spLocks noGrp="1"/>
+          </p:cNvSpPr>
+          <p:nvPr>
+            <p:ph type="body" sz="half" idx="2"/>
+          </p:nvPr>
+        </p:nvSpPr>
+        <p:spPr>
+          <a:xfrm>
+            <a:off x="1154954" y="3657600"/>
+            <a:ext cx="8825659" cy="2362200"/>
+          </a:xfrm>
+        </p:spPr>
+        <p:txBody>
+          <a:bodyPr anchor="ctr">
+            <a:normAutofit/>
+          </a:bodyPr>
+          <a:lstStyle>
+            <a:lvl1pPr marL="0" indent="0">
+              <a:buNone/>
+              <a:defRPr sz="1800"/>
+            </a:lvl1pPr>
+            <a:lvl2pPr marL="457200" indent="0">
+              <a:buNone/>
+              <a:defRPr sz="1200"/>
+            </a:lvl2pPr>
+            <a:lvl3pPr marL="914400" indent="0">
+              <a:buNone/>
+              <a:defRPr sz="1000"/>
+            </a:lvl3pPr>
+            <a:lvl4pPr marL="1371600" indent="0">
+              <a:buNone/>
+              <a:defRPr sz="900"/>
+            </a:lvl4pPr>
+            <a:lvl5pPr marL="1828800" indent="0">
+              <a:buNone/>
+              <a:defRPr sz="900"/>
+            </a:lvl5pPr>
+            <a:lvl6pPr marL="2286000" indent="0">
+              <a:buNone/>
+              <a:defRPr sz="900"/>
+            </a:lvl6pPr>
+            <a:lvl7pPr marL="2743200" indent="0">
+              <a:buNone/>
+              <a:defRPr sz="900"/>
+            </a:lvl7pPr>
+            <a:lvl8pPr marL="3200400" indent="0">
+              <a:buNone/>
+              <a:defRPr sz="900"/>
+            </a:lvl8pPr>
+            <a:lvl9pPr marL="3657600" indent="0">
+              <a:buNone/>
+              <a:defRPr sz="900"/>
+            </a:lvl9pPr>
+          </a:lstStyle>
+          <a:p>
+            <a:pPr lvl="0"/>
+            <a:r>
+              <a:rPr lang="en-US"/>
+              <a:t>Edit Master text styles</a:t>
+            </a:r>
+          </a:p>
+        </p:txBody>
+      </p:sp>
+      <p:sp>
+        <p:nvSpPr>
+          <p:cNvPr id="4" name="Date Placeholder 3"/>
+          <p:cNvSpPr>
+            <a:spLocks noGrp="1"/>
+          </p:cNvSpPr>
+          <p:nvPr>
+            <p:ph type="dt" sz="half" idx="10"/>
+          </p:nvPr>
+        </p:nvSpPr>
+        <p:spPr/>
+        <p:txBody>
+          <a:bodyPr/>
+          <a:lstStyle/>
+          <a:p>
+            <a:fld id="{AED1D2E7-AC9D-42CB-81DF-0C53EE097FA4}" type="datetimeFigureOut">
+              <a:rPr lang="en-US" smtClean="0"/>
+              <a:t>4/9/2018</a:t>
+            </a:fld>
+            <a:endParaRPr lang="en-US"/>
+          </a:p>
+        </p:txBody>
+      </p:sp>
+      <p:sp>
+        <p:nvSpPr>
+          <p:cNvPr id="5" name="Footer Placeholder 4"/>
+          <p:cNvSpPr>
+            <a:spLocks noGrp="1"/>
+          </p:cNvSpPr>
+          <p:nvPr>
+            <p:ph type="ftr" sz="quarter" idx="11"/>
+          </p:nvPr>
+        </p:nvSpPr>
+        <p:spPr/>
+        <p:txBody>
+          <a:bodyPr/>
+          <a:lstStyle/>
+          <a:p>
+            <a:endParaRPr lang="en-US"/>
+          </a:p>
+        </p:txBody>
+      </p:sp>
+      <p:sp>
+        <p:nvSpPr>
+          <p:cNvPr id="6" name="Slide Number Placeholder 5"/>
+          <p:cNvSpPr>
+            <a:spLocks noGrp="1"/>
+          </p:cNvSpPr>
+          <p:nvPr>
+            <p:ph type="sldNum" sz="quarter" idx="12"/>
+          </p:nvPr>
+        </p:nvSpPr>
+        <p:spPr/>
+        <p:txBody>
+          <a:bodyPr/>
+          <a:lstStyle/>
+          <a:p>
+            <a:fld id="{11B37FE4-AD18-4CE5-AF60-8B1E60BD4E57}" type="slidenum">
+              <a:rPr lang="en-US" smtClean="0"/>
+              <a:t>‹#›</a:t>
+            </a:fld>
+            <a:endParaRPr lang="en-US"/>
+          </a:p>
+        </p:txBody>
+      </p:sp>
+    </p:spTree>
+    <p:extLst>
+      <p:ext uri="{BB962C8B-B14F-4D97-AF65-F5344CB8AC3E}">
+        <p14:creationId xmlns:p14="http://schemas.microsoft.com/office/powerpoint/2010/main" val="1267487661"/>
+      </p:ext>
+    </p:extLst>
+  </p:cSld>
+  <p:clrMapOvr>
+    <a:masterClrMapping/>
+  </p:clrMapOvr>
+</p:sldLayout>
+</file>
+
+<file path=ppt/slideLayouts/slideLayout12.xml><?xml version="1.0" encoding="utf-8"?>
+<p:sldLayout xmlns:a="http://schemas.openxmlformats.org/drawingml/2006/main" xmlns:r="http://schemas.openxmlformats.org/officeDocument/2006/relationships" xmlns:p="http://schemas.openxmlformats.org/presentationml/2006/main" preserve="1">
+  <p:cSld name="Quote with Caption">
+    <p:spTree>
+      <p:nvGrpSpPr>
+        <p:cNvPr id="1" name=""/>
+        <p:cNvGrpSpPr/>
+        <p:nvPr/>
+      </p:nvGrpSpPr>
+      <p:grpSpPr>
+        <a:xfrm>
+          <a:off x="0" y="0"/>
+          <a:ext cx="0" cy="0"/>
+          <a:chOff x="0" y="0"/>
+          <a:chExt cx="0" cy="0"/>
+        </a:xfrm>
+      </p:grpSpPr>
+      <p:sp>
+        <p:nvSpPr>
+          <p:cNvPr id="2" name="Title 1"/>
+          <p:cNvSpPr>
+            <a:spLocks noGrp="1"/>
+          </p:cNvSpPr>
+          <p:nvPr>
+            <p:ph type="title"/>
+          </p:nvPr>
+        </p:nvSpPr>
+        <p:spPr>
+          <a:xfrm>
+            <a:off x="1574801" y="1447800"/>
+            <a:ext cx="7999315" cy="2323374"/>
+          </a:xfrm>
+        </p:spPr>
+        <p:txBody>
+          <a:bodyPr/>
+          <a:lstStyle>
+            <a:lvl1pPr>
+              <a:defRPr sz="4800"/>
+            </a:lvl1pPr>
+          </a:lstStyle>
+          <a:p>
+            <a:r>
+              <a:rPr lang="en-US"/>
+              <a:t>Click to edit Master title style</a:t>
+            </a:r>
+            <a:endParaRPr lang="en-US" dirty="0"/>
+          </a:p>
+        </p:txBody>
+      </p:sp>
+      <p:sp>
+        <p:nvSpPr>
+          <p:cNvPr id="11" name="Text Placeholder 3"/>
+          <p:cNvSpPr>
+            <a:spLocks noGrp="1"/>
+          </p:cNvSpPr>
+          <p:nvPr>
+            <p:ph type="body" sz="half" idx="14"/>
+          </p:nvPr>
+        </p:nvSpPr>
+        <p:spPr>
+          <a:xfrm>
+            <a:off x="1930400" y="3771174"/>
+            <a:ext cx="7279649" cy="342174"/>
+          </a:xfrm>
+        </p:spPr>
+        <p:txBody>
+          <a:bodyPr vert="horz" lIns="91440" tIns="45720" rIns="91440" bIns="45720" rtlCol="0" anchor="t">
+            <a:normAutofit/>
+          </a:bodyPr>
+          <a:lstStyle>
+            <a:lvl1pPr marL="0" indent="0">
+              <a:buNone/>
+              <a:defRPr lang="en-US" sz="1400" b="0" i="0" kern="1200" cap="small" dirty="0">
+                <a:solidFill>
+                  <a:schemeClr val="bg2">
+                    <a:lumMod val="40000"/>
+                    <a:lumOff val="60000"/>
+                  </a:schemeClr>
+                </a:solidFill>
+                <a:latin typeface="+mj-lt"/>
+                <a:ea typeface="+mj-ea"/>
+                <a:cs typeface="+mj-cs"/>
+              </a:defRPr>
+            </a:lvl1pPr>
+            <a:lvl2pPr marL="457200" indent="0">
+              <a:buNone/>
+              <a:defRPr sz="1200"/>
+            </a:lvl2pPr>
+            <a:lvl3pPr marL="914400" indent="0">
+              <a:buNone/>
+              <a:defRPr sz="1000"/>
+            </a:lvl3pPr>
+            <a:lvl4pPr marL="1371600" indent="0">
+              <a:buNone/>
+              <a:defRPr sz="900"/>
+            </a:lvl4pPr>
+            <a:lvl5pPr marL="1828800" indent="0">
+              <a:buNone/>
+              <a:defRPr sz="900"/>
+            </a:lvl5pPr>
+            <a:lvl6pPr marL="2286000" indent="0">
+              <a:buNone/>
+              <a:defRPr sz="900"/>
+            </a:lvl6pPr>
+            <a:lvl7pPr marL="2743200" indent="0">
+              <a:buNone/>
+              <a:defRPr sz="900"/>
+            </a:lvl7pPr>
+            <a:lvl8pPr marL="3200400" indent="0">
+              <a:buNone/>
+              <a:defRPr sz="900"/>
+            </a:lvl8pPr>
+            <a:lvl9pPr marL="3657600" indent="0">
+              <a:buNone/>
+              <a:defRPr sz="900"/>
+            </a:lvl9pPr>
+          </a:lstStyle>
+          <a:p>
+            <a:pPr marL="0" lvl="0" indent="0">
+              <a:buNone/>
+            </a:pPr>
+            <a:r>
+              <a:rPr lang="en-US"/>
+              <a:t>Edit Master text styles</a:t>
+            </a:r>
+          </a:p>
+        </p:txBody>
+      </p:sp>
+      <p:sp>
+        <p:nvSpPr>
+          <p:cNvPr id="10" name="Text Placeholder 3"/>
+          <p:cNvSpPr>
+            <a:spLocks noGrp="1"/>
+          </p:cNvSpPr>
+          <p:nvPr>
+            <p:ph type="body" sz="half" idx="2"/>
+          </p:nvPr>
+        </p:nvSpPr>
+        <p:spPr>
+          <a:xfrm>
+            <a:off x="1154954" y="4350657"/>
+            <a:ext cx="8825659" cy="1676400"/>
+          </a:xfrm>
+        </p:spPr>
+        <p:txBody>
+          <a:bodyPr anchor="ctr">
+            <a:normAutofit/>
+          </a:bodyPr>
+          <a:lstStyle>
+            <a:lvl1pPr marL="0" indent="0">
+              <a:buNone/>
+              <a:defRPr sz="1800"/>
+            </a:lvl1pPr>
+            <a:lvl2pPr marL="457200" indent="0">
+              <a:buNone/>
+              <a:defRPr sz="1200"/>
+            </a:lvl2pPr>
+            <a:lvl3pPr marL="914400" indent="0">
+              <a:buNone/>
+              <a:defRPr sz="1000"/>
+            </a:lvl3pPr>
+            <a:lvl4pPr marL="1371600" indent="0">
+              <a:buNone/>
+              <a:defRPr sz="900"/>
+            </a:lvl4pPr>
+            <a:lvl5pPr marL="1828800" indent="0">
+              <a:buNone/>
+              <a:defRPr sz="900"/>
+            </a:lvl5pPr>
+            <a:lvl6pPr marL="2286000" indent="0">
+              <a:buNone/>
+              <a:defRPr sz="900"/>
+            </a:lvl6pPr>
+            <a:lvl7pPr marL="2743200" indent="0">
+              <a:buNone/>
+              <a:defRPr sz="900"/>
+            </a:lvl7pPr>
+            <a:lvl8pPr marL="3200400" indent="0">
+              <a:buNone/>
+              <a:defRPr sz="900"/>
+            </a:lvl8pPr>
+            <a:lvl9pPr marL="3657600" indent="0">
+              <a:buNone/>
+              <a:defRPr sz="900"/>
+            </a:lvl9pPr>
+          </a:lstStyle>
+          <a:p>
+            <a:pPr lvl="0"/>
+            <a:r>
+              <a:rPr lang="en-US"/>
+              <a:t>Edit Master text styles</a:t>
+            </a:r>
+          </a:p>
+        </p:txBody>
+      </p:sp>
+      <p:sp>
+        <p:nvSpPr>
+          <p:cNvPr id="4" name="Date Placeholder 3"/>
+          <p:cNvSpPr>
+            <a:spLocks noGrp="1"/>
+          </p:cNvSpPr>
+          <p:nvPr>
+            <p:ph type="dt" sz="half" idx="10"/>
+          </p:nvPr>
+        </p:nvSpPr>
+        <p:spPr/>
+        <p:txBody>
+          <a:bodyPr/>
+          <a:lstStyle/>
+          <a:p>
+            <a:fld id="{AED1D2E7-AC9D-42CB-81DF-0C53EE097FA4}" type="datetimeFigureOut">
+              <a:rPr lang="en-US" smtClean="0"/>
+              <a:t>4/9/2018</a:t>
+            </a:fld>
+            <a:endParaRPr lang="en-US"/>
+          </a:p>
+        </p:txBody>
+      </p:sp>
+      <p:sp>
+        <p:nvSpPr>
+          <p:cNvPr id="5" name="Footer Placeholder 4"/>
+          <p:cNvSpPr>
+            <a:spLocks noGrp="1"/>
+          </p:cNvSpPr>
+          <p:nvPr>
+            <p:ph type="ftr" sz="quarter" idx="11"/>
+          </p:nvPr>
+        </p:nvSpPr>
+        <p:spPr/>
+        <p:txBody>
+          <a:bodyPr/>
+          <a:lstStyle/>
+          <a:p>
+            <a:endParaRPr lang="en-US"/>
+          </a:p>
+        </p:txBody>
+      </p:sp>
+      <p:sp>
+        <p:nvSpPr>
+          <p:cNvPr id="6" name="Slide Number Placeholder 5"/>
+          <p:cNvSpPr>
+            <a:spLocks noGrp="1"/>
+          </p:cNvSpPr>
+          <p:nvPr>
+            <p:ph type="sldNum" sz="quarter" idx="12"/>
+          </p:nvPr>
+        </p:nvSpPr>
+        <p:spPr/>
+        <p:txBody>
+          <a:bodyPr/>
+          <a:lstStyle/>
+          <a:p>
+            <a:fld id="{11B37FE4-AD18-4CE5-AF60-8B1E60BD4E57}" type="slidenum">
+              <a:rPr lang="en-US" smtClean="0"/>
+              <a:t>‹#›</a:t>
+            </a:fld>
+            <a:endParaRPr lang="en-US"/>
+          </a:p>
+        </p:txBody>
+      </p:sp>
+      <p:sp>
+        <p:nvSpPr>
+          <p:cNvPr id="12" name="TextBox 11"/>
+          <p:cNvSpPr txBox="1"/>
+          <p:nvPr/>
+        </p:nvSpPr>
+        <p:spPr>
+          <a:xfrm>
+            <a:off x="898295" y="971253"/>
+            <a:ext cx="801912" cy="1969770"/>
+          </a:xfrm>
+          <a:prstGeom prst="rect">
+            <a:avLst/>
+          </a:prstGeom>
+          <a:noFill/>
+        </p:spPr>
+        <p:txBody>
+          <a:bodyPr wrap="square" rtlCol="0">
+            <a:spAutoFit/>
+          </a:bodyPr>
+          <a:lstStyle>
+            <a:defPPr>
+              <a:defRPr lang="en-US"/>
+            </a:defPPr>
+            <a:lvl1pPr algn="r">
+              <a:defRPr sz="12200" b="0" i="0">
+                <a:solidFill>
+                  <a:schemeClr val="bg2">
+                    <a:lumMod val="40000"/>
+                    <a:lumOff val="60000"/>
+                  </a:schemeClr>
+                </a:solidFill>
+                <a:latin typeface="Arial"/>
+                <a:ea typeface="+mj-ea"/>
+                <a:cs typeface="+mj-cs"/>
+              </a:defRPr>
+            </a:lvl1pPr>
+          </a:lstStyle>
+          <a:p>
+            <a:pPr lvl="0"/>
+            <a:r>
+              <a:rPr lang="en-US" dirty="0"/>
+              <a:t>“</a:t>
+            </a:r>
+          </a:p>
+        </p:txBody>
+      </p:sp>
+      <p:sp>
+        <p:nvSpPr>
+          <p:cNvPr id="15" name="TextBox 14"/>
+          <p:cNvSpPr txBox="1"/>
+          <p:nvPr/>
+        </p:nvSpPr>
+        <p:spPr>
+          <a:xfrm>
+            <a:off x="9330490" y="2613787"/>
+            <a:ext cx="801912" cy="1969770"/>
+          </a:xfrm>
+          <a:prstGeom prst="rect">
+            <a:avLst/>
+          </a:prstGeom>
+          <a:noFill/>
+        </p:spPr>
+        <p:txBody>
+          <a:bodyPr wrap="square" rtlCol="0">
+            <a:spAutoFit/>
+          </a:bodyPr>
+          <a:lstStyle>
+            <a:defPPr>
+              <a:defRPr lang="en-US"/>
+            </a:defPPr>
+            <a:lvl1pPr algn="r">
+              <a:defRPr sz="12200" b="0" i="0">
+                <a:solidFill>
+                  <a:schemeClr val="bg2">
+                    <a:lumMod val="40000"/>
+                    <a:lumOff val="60000"/>
+                  </a:schemeClr>
+                </a:solidFill>
+                <a:latin typeface="Arial"/>
+                <a:ea typeface="+mj-ea"/>
+                <a:cs typeface="+mj-cs"/>
+              </a:defRPr>
+            </a:lvl1pPr>
+          </a:lstStyle>
+          <a:p>
+            <a:pPr lvl="0"/>
+            <a:r>
+              <a:rPr lang="en-US" dirty="0"/>
+              <a:t>”</a:t>
+            </a:r>
+          </a:p>
+        </p:txBody>
+      </p:sp>
+    </p:spTree>
+    <p:extLst>
+      <p:ext uri="{BB962C8B-B14F-4D97-AF65-F5344CB8AC3E}">
+        <p14:creationId xmlns:p14="http://schemas.microsoft.com/office/powerpoint/2010/main" val="1126222515"/>
+      </p:ext>
+    </p:extLst>
+  </p:cSld>
+  <p:clrMapOvr>
+    <a:masterClrMapping/>
+  </p:clrMapOvr>
+</p:sldLayout>
+</file>
+
+<file path=ppt/slideLayouts/slideLayout13.xml><?xml version="1.0" encoding="utf-8"?>
+<p:sldLayout xmlns:a="http://schemas.openxmlformats.org/drawingml/2006/main" xmlns:r="http://schemas.openxmlformats.org/officeDocument/2006/relationships" xmlns:p="http://schemas.openxmlformats.org/presentationml/2006/main" preserve="1">
+  <p:cSld name="Name Card">
+    <p:spTree>
+      <p:nvGrpSpPr>
+        <p:cNvPr id="1" name=""/>
+        <p:cNvGrpSpPr/>
+        <p:nvPr/>
+      </p:nvGrpSpPr>
+      <p:grpSpPr>
+        <a:xfrm>
+          <a:off x="0" y="0"/>
+          <a:ext cx="0" cy="0"/>
+          <a:chOff x="0" y="0"/>
+          <a:chExt cx="0" cy="0"/>
+        </a:xfrm>
+      </p:grpSpPr>
+      <p:sp>
+        <p:nvSpPr>
+          <p:cNvPr id="2" name="Title 1"/>
+          <p:cNvSpPr>
+            <a:spLocks noGrp="1"/>
+          </p:cNvSpPr>
+          <p:nvPr>
+            <p:ph type="title"/>
+          </p:nvPr>
+        </p:nvSpPr>
+        <p:spPr>
+          <a:xfrm>
+            <a:off x="1154954" y="3124201"/>
+            <a:ext cx="8825660" cy="1653180"/>
+          </a:xfrm>
+        </p:spPr>
+        <p:txBody>
+          <a:bodyPr anchor="b"/>
+          <a:lstStyle>
+            <a:lvl1pPr algn="l">
+              <a:defRPr sz="4000" b="0" cap="none"/>
+            </a:lvl1pPr>
+          </a:lstStyle>
+          <a:p>
+            <a:r>
+              <a:rPr lang="en-US"/>
+              <a:t>Click to edit Master title style</a:t>
+            </a:r>
+            <a:endParaRPr lang="en-US" dirty="0"/>
+          </a:p>
+        </p:txBody>
+      </p:sp>
+      <p:sp>
+        <p:nvSpPr>
+          <p:cNvPr id="3" name="Text Placeholder 2"/>
+          <p:cNvSpPr>
+            <a:spLocks noGrp="1"/>
+          </p:cNvSpPr>
+          <p:nvPr>
+            <p:ph type="body" idx="1"/>
+          </p:nvPr>
+        </p:nvSpPr>
+        <p:spPr>
+          <a:xfrm>
+            <a:off x="1154954" y="4777381"/>
+            <a:ext cx="8825659" cy="860400"/>
+          </a:xfrm>
+        </p:spPr>
+        <p:txBody>
+          <a:bodyPr anchor="t"/>
+          <a:lstStyle>
+            <a:lvl1pPr marL="0" indent="0" algn="l">
+              <a:buNone/>
+              <a:defRPr sz="2000" cap="none">
+                <a:solidFill>
+                  <a:schemeClr val="bg2">
+                    <a:lumMod val="40000"/>
+                    <a:lumOff val="60000"/>
+                  </a:schemeClr>
+                </a:solidFill>
+              </a:defRPr>
+            </a:lvl1pPr>
+            <a:lvl2pPr marL="457200" indent="0">
+              <a:buNone/>
+              <a:defRPr sz="1800">
+                <a:solidFill>
+                  <a:schemeClr val="tx1">
+                    <a:tint val="75000"/>
+                  </a:schemeClr>
+                </a:solidFill>
+              </a:defRPr>
+            </a:lvl2pPr>
+            <a:lvl3pPr marL="914400" indent="0">
+              <a:buNone/>
+              <a:defRPr sz="1600">
+                <a:solidFill>
+                  <a:schemeClr val="tx1">
+                    <a:tint val="75000"/>
+                  </a:schemeClr>
+                </a:solidFill>
+              </a:defRPr>
+            </a:lvl3pPr>
+            <a:lvl4pPr marL="1371600" indent="0">
+              <a:buNone/>
+              <a:defRPr sz="1400">
+                <a:solidFill>
+                  <a:schemeClr val="tx1">
+                    <a:tint val="75000"/>
+                  </a:schemeClr>
+                </a:solidFill>
+              </a:defRPr>
+            </a:lvl4pPr>
+            <a:lvl5pPr marL="1828800" indent="0">
+              <a:buNone/>
+              <a:defRPr sz="1400">
+                <a:solidFill>
+                  <a:schemeClr val="tx1">
+                    <a:tint val="75000"/>
+                  </a:schemeClr>
+                </a:solidFill>
+              </a:defRPr>
+            </a:lvl5pPr>
+            <a:lvl6pPr marL="2286000" indent="0">
+              <a:buNone/>
+              <a:defRPr sz="1400">
+                <a:solidFill>
+                  <a:schemeClr val="tx1">
+                    <a:tint val="75000"/>
+                  </a:schemeClr>
+                </a:solidFill>
+              </a:defRPr>
+            </a:lvl6pPr>
+            <a:lvl7pPr marL="2743200" indent="0">
+              <a:buNone/>
+              <a:defRPr sz="1400">
+                <a:solidFill>
+                  <a:schemeClr val="tx1">
+                    <a:tint val="75000"/>
+                  </a:schemeClr>
+                </a:solidFill>
+              </a:defRPr>
+            </a:lvl7pPr>
+            <a:lvl8pPr marL="3200400" indent="0">
+              <a:buNone/>
+              <a:defRPr sz="1400">
+                <a:solidFill>
+                  <a:schemeClr val="tx1">
+                    <a:tint val="75000"/>
+                  </a:schemeClr>
+                </a:solidFill>
+              </a:defRPr>
+            </a:lvl8pPr>
+            <a:lvl9pPr marL="3657600" indent="0">
+              <a:buNone/>
+              <a:defRPr sz="1400">
+                <a:solidFill>
+                  <a:schemeClr val="tx1">
+                    <a:tint val="75000"/>
+                  </a:schemeClr>
+                </a:solidFill>
+              </a:defRPr>
+            </a:lvl9pPr>
+          </a:lstStyle>
+          <a:p>
+            <a:pPr lvl="0"/>
+            <a:r>
+              <a:rPr lang="en-US"/>
+              <a:t>Edit Master text styles</a:t>
+            </a:r>
+          </a:p>
+        </p:txBody>
+      </p:sp>
+      <p:sp>
+        <p:nvSpPr>
+          <p:cNvPr id="4" name="Date Placeholder 3"/>
+          <p:cNvSpPr>
+            <a:spLocks noGrp="1"/>
+          </p:cNvSpPr>
+          <p:nvPr>
+            <p:ph type="dt" sz="half" idx="10"/>
+          </p:nvPr>
+        </p:nvSpPr>
+        <p:spPr/>
+        <p:txBody>
+          <a:bodyPr/>
+          <a:lstStyle/>
+          <a:p>
+            <a:fld id="{AED1D2E7-AC9D-42CB-81DF-0C53EE097FA4}" type="datetimeFigureOut">
+              <a:rPr lang="en-US" smtClean="0"/>
+              <a:t>4/9/2018</a:t>
+            </a:fld>
+            <a:endParaRPr lang="en-US"/>
+          </a:p>
+        </p:txBody>
+      </p:sp>
+      <p:sp>
+        <p:nvSpPr>
+          <p:cNvPr id="5" name="Footer Placeholder 4"/>
+          <p:cNvSpPr>
+            <a:spLocks noGrp="1"/>
+          </p:cNvSpPr>
+          <p:nvPr>
+            <p:ph type="ftr" sz="quarter" idx="11"/>
+          </p:nvPr>
+        </p:nvSpPr>
+        <p:spPr/>
+        <p:txBody>
+          <a:bodyPr/>
+          <a:lstStyle/>
+          <a:p>
+            <a:endParaRPr lang="en-US"/>
+          </a:p>
+        </p:txBody>
+      </p:sp>
+      <p:sp>
+        <p:nvSpPr>
+          <p:cNvPr id="6" name="Slide Number Placeholder 5"/>
+          <p:cNvSpPr>
+            <a:spLocks noGrp="1"/>
+          </p:cNvSpPr>
+          <p:nvPr>
+            <p:ph type="sldNum" sz="quarter" idx="12"/>
+          </p:nvPr>
+        </p:nvSpPr>
+        <p:spPr/>
+        <p:txBody>
+          <a:bodyPr/>
+          <a:lstStyle/>
+          <a:p>
+            <a:fld id="{11B37FE4-AD18-4CE5-AF60-8B1E60BD4E57}" type="slidenum">
+              <a:rPr lang="en-US" smtClean="0"/>
+              <a:t>‹#›</a:t>
+            </a:fld>
+            <a:endParaRPr lang="en-US"/>
+          </a:p>
+        </p:txBody>
+      </p:sp>
+    </p:spTree>
+    <p:extLst>
+      <p:ext uri="{BB962C8B-B14F-4D97-AF65-F5344CB8AC3E}">
+        <p14:creationId xmlns:p14="http://schemas.microsoft.com/office/powerpoint/2010/main" val="278124736"/>
+      </p:ext>
+    </p:extLst>
+  </p:cSld>
+  <p:clrMapOvr>
+    <a:masterClrMapping/>
+  </p:clrMapOvr>
+</p:sldLayout>
+</file>
+
+<file path=ppt/slideLayouts/slideLayout14.xml><?xml version="1.0" encoding="utf-8"?>
+<p:sldLayout xmlns:a="http://schemas.openxmlformats.org/drawingml/2006/main" xmlns:r="http://schemas.openxmlformats.org/officeDocument/2006/relationships" xmlns:p="http://schemas.openxmlformats.org/presentationml/2006/main" preserve="1">
+  <p:cSld name="3 Column">
+    <p:spTree>
+      <p:nvGrpSpPr>
+        <p:cNvPr id="1" name=""/>
+        <p:cNvGrpSpPr/>
+        <p:nvPr/>
+      </p:nvGrpSpPr>
+      <p:grpSpPr>
+        <a:xfrm>
+          <a:off x="0" y="0"/>
+          <a:ext cx="0" cy="0"/>
+          <a:chOff x="0" y="0"/>
+          <a:chExt cx="0" cy="0"/>
+        </a:xfrm>
+      </p:grpSpPr>
+      <p:sp>
+        <p:nvSpPr>
+          <p:cNvPr id="2" name="Title 1"/>
+          <p:cNvSpPr>
+            <a:spLocks noGrp="1"/>
+          </p:cNvSpPr>
+          <p:nvPr>
+            <p:ph type="title"/>
+          </p:nvPr>
+        </p:nvSpPr>
+        <p:spPr/>
+        <p:txBody>
+          <a:bodyPr/>
+          <a:lstStyle>
+            <a:lvl1pPr>
+              <a:defRPr sz="4200"/>
+            </a:lvl1pPr>
+          </a:lstStyle>
+          <a:p>
+            <a:r>
+              <a:rPr lang="en-US"/>
+              <a:t>Click to edit Master title style</a:t>
+            </a:r>
+            <a:endParaRPr lang="en-US" dirty="0"/>
+          </a:p>
+        </p:txBody>
+      </p:sp>
+      <p:sp>
+        <p:nvSpPr>
+          <p:cNvPr id="3" name="Text Placeholder 2"/>
+          <p:cNvSpPr>
+            <a:spLocks noGrp="1"/>
+          </p:cNvSpPr>
+          <p:nvPr>
+            <p:ph type="body" idx="1"/>
+          </p:nvPr>
+        </p:nvSpPr>
+        <p:spPr>
+          <a:xfrm>
+            <a:off x="632947" y="1981200"/>
+            <a:ext cx="2946866" cy="576262"/>
+          </a:xfrm>
+        </p:spPr>
+        <p:txBody>
+          <a:bodyPr anchor="b">
+            <a:noAutofit/>
+          </a:bodyPr>
+          <a:lstStyle>
+            <a:lvl1pPr marL="0" indent="0">
+              <a:buNone/>
+              <a:defRPr sz="2400" b="0">
+                <a:solidFill>
+                  <a:schemeClr val="bg2">
+                    <a:lumMod val="40000"/>
+                    <a:lumOff val="60000"/>
+                  </a:schemeClr>
+                </a:solidFill>
+              </a:defRPr>
+            </a:lvl1pPr>
+            <a:lvl2pPr marL="457200" indent="0">
+              <a:buNone/>
+              <a:defRPr sz="2000" b="1"/>
+            </a:lvl2pPr>
+            <a:lvl3pPr marL="914400" indent="0">
+              <a:buNone/>
+              <a:defRPr sz="1800" b="1"/>
+            </a:lvl3pPr>
+            <a:lvl4pPr marL="1371600" indent="0">
+              <a:buNone/>
+              <a:defRPr sz="1600" b="1"/>
+            </a:lvl4pPr>
+            <a:lvl5pPr marL="1828800" indent="0">
+              <a:buNone/>
+              <a:defRPr sz="1600" b="1"/>
+            </a:lvl5pPr>
+            <a:lvl6pPr marL="2286000" indent="0">
+              <a:buNone/>
+              <a:defRPr sz="1600" b="1"/>
+            </a:lvl6pPr>
+            <a:lvl7pPr marL="2743200" indent="0">
+              <a:buNone/>
+              <a:defRPr sz="1600" b="1"/>
+            </a:lvl7pPr>
+            <a:lvl8pPr marL="3200400" indent="0">
+              <a:buNone/>
+              <a:defRPr sz="1600" b="1"/>
+            </a:lvl8pPr>
+            <a:lvl9pPr marL="3657600" indent="0">
+              <a:buNone/>
+              <a:defRPr sz="1600" b="1"/>
+            </a:lvl9pPr>
+          </a:lstStyle>
+          <a:p>
+            <a:pPr lvl="0"/>
+            <a:r>
+              <a:rPr lang="en-US"/>
+              <a:t>Edit Master text styles</a:t>
+            </a:r>
+          </a:p>
+        </p:txBody>
+      </p:sp>
+      <p:sp>
+        <p:nvSpPr>
+          <p:cNvPr id="16" name="Text Placeholder 3"/>
+          <p:cNvSpPr>
+            <a:spLocks noGrp="1"/>
+          </p:cNvSpPr>
+          <p:nvPr>
+            <p:ph type="body" sz="half" idx="15"/>
+          </p:nvPr>
+        </p:nvSpPr>
+        <p:spPr>
+          <a:xfrm>
+            <a:off x="652463" y="2667000"/>
+            <a:ext cx="2927350" cy="3589338"/>
+          </a:xfrm>
+        </p:spPr>
+        <p:txBody>
+          <a:bodyPr anchor="t">
+            <a:normAutofit/>
+          </a:bodyPr>
+          <a:lstStyle>
+            <a:lvl1pPr marL="0" indent="0">
+              <a:buNone/>
+              <a:defRPr sz="1400"/>
+            </a:lvl1pPr>
+            <a:lvl2pPr marL="457200" indent="0">
+              <a:buNone/>
+              <a:defRPr sz="1200"/>
+            </a:lvl2pPr>
+            <a:lvl3pPr marL="914400" indent="0">
+              <a:buNone/>
+              <a:defRPr sz="1000"/>
+            </a:lvl3pPr>
+            <a:lvl4pPr marL="1371600" indent="0">
+              <a:buNone/>
+              <a:defRPr sz="900"/>
+            </a:lvl4pPr>
+            <a:lvl5pPr marL="1828800" indent="0">
+              <a:buNone/>
+              <a:defRPr sz="900"/>
+            </a:lvl5pPr>
+            <a:lvl6pPr marL="2286000" indent="0">
+              <a:buNone/>
+              <a:defRPr sz="900"/>
+            </a:lvl6pPr>
+            <a:lvl7pPr marL="2743200" indent="0">
+              <a:buNone/>
+              <a:defRPr sz="900"/>
+            </a:lvl7pPr>
+            <a:lvl8pPr marL="3200400" indent="0">
+              <a:buNone/>
+              <a:defRPr sz="900"/>
+            </a:lvl8pPr>
+            <a:lvl9pPr marL="3657600" indent="0">
+              <a:buNone/>
+              <a:defRPr sz="900"/>
+            </a:lvl9pPr>
+          </a:lstStyle>
+          <a:p>
+            <a:pPr lvl="0"/>
+            <a:r>
+              <a:rPr lang="en-US"/>
+              <a:t>Edit Master text styles</a:t>
+            </a:r>
+          </a:p>
+        </p:txBody>
+      </p:sp>
+      <p:sp>
+        <p:nvSpPr>
+          <p:cNvPr id="5" name="Text Placeholder 4"/>
+          <p:cNvSpPr>
+            <a:spLocks noGrp="1"/>
+          </p:cNvSpPr>
+          <p:nvPr>
+            <p:ph type="body" sz="quarter" idx="3"/>
+          </p:nvPr>
+        </p:nvSpPr>
+        <p:spPr>
+          <a:xfrm>
+            <a:off x="3883659" y="1981200"/>
+            <a:ext cx="2936241" cy="576262"/>
+          </a:xfrm>
+        </p:spPr>
+        <p:txBody>
+          <a:bodyPr anchor="b">
+            <a:noAutofit/>
+          </a:bodyPr>
+          <a:lstStyle>
+            <a:lvl1pPr marL="0" indent="0">
+              <a:buNone/>
+              <a:defRPr sz="2400" b="0">
+                <a:solidFill>
+                  <a:schemeClr val="bg2">
+                    <a:lumMod val="40000"/>
+                    <a:lumOff val="60000"/>
+                  </a:schemeClr>
+                </a:solidFill>
+              </a:defRPr>
+            </a:lvl1pPr>
+            <a:lvl2pPr marL="457200" indent="0">
+              <a:buNone/>
+              <a:defRPr sz="2000" b="1"/>
+            </a:lvl2pPr>
+            <a:lvl3pPr marL="914400" indent="0">
+              <a:buNone/>
+              <a:defRPr sz="1800" b="1"/>
+            </a:lvl3pPr>
+            <a:lvl4pPr marL="1371600" indent="0">
+              <a:buNone/>
+              <a:defRPr sz="1600" b="1"/>
+            </a:lvl4pPr>
+            <a:lvl5pPr marL="1828800" indent="0">
+              <a:buNone/>
+              <a:defRPr sz="1600" b="1"/>
+            </a:lvl5pPr>
+            <a:lvl6pPr marL="2286000" indent="0">
+              <a:buNone/>
+              <a:defRPr sz="1600" b="1"/>
+            </a:lvl6pPr>
+            <a:lvl7pPr marL="2743200" indent="0">
+              <a:buNone/>
+              <a:defRPr sz="1600" b="1"/>
+            </a:lvl7pPr>
+            <a:lvl8pPr marL="3200400" indent="0">
+              <a:buNone/>
+              <a:defRPr sz="1600" b="1"/>
+            </a:lvl8pPr>
+            <a:lvl9pPr marL="3657600" indent="0">
+              <a:buNone/>
+              <a:defRPr sz="1600" b="1"/>
+            </a:lvl9pPr>
+          </a:lstStyle>
+          <a:p>
+            <a:pPr lvl="0"/>
+            <a:r>
+              <a:rPr lang="en-US"/>
+              <a:t>Edit Master text styles</a:t>
+            </a:r>
+          </a:p>
+        </p:txBody>
+      </p:sp>
+      <p:sp>
+        <p:nvSpPr>
+          <p:cNvPr id="19" name="Text Placeholder 3"/>
+          <p:cNvSpPr>
+            <a:spLocks noGrp="1"/>
+          </p:cNvSpPr>
+          <p:nvPr>
+            <p:ph type="body" sz="half" idx="16"/>
+          </p:nvPr>
+        </p:nvSpPr>
+        <p:spPr>
+          <a:xfrm>
+            <a:off x="3873106" y="2667000"/>
+            <a:ext cx="2946794" cy="3589338"/>
+          </a:xfrm>
+        </p:spPr>
+        <p:txBody>
+          <a:bodyPr anchor="t">
+            <a:normAutofit/>
+          </a:bodyPr>
+          <a:lstStyle>
+            <a:lvl1pPr marL="0" indent="0">
+              <a:buNone/>
+              <a:defRPr sz="1400"/>
+            </a:lvl1pPr>
+            <a:lvl2pPr marL="457200" indent="0">
+              <a:buNone/>
+              <a:defRPr sz="1200"/>
+            </a:lvl2pPr>
+            <a:lvl3pPr marL="914400" indent="0">
+              <a:buNone/>
+              <a:defRPr sz="1000"/>
+            </a:lvl3pPr>
+            <a:lvl4pPr marL="1371600" indent="0">
+              <a:buNone/>
+              <a:defRPr sz="900"/>
+            </a:lvl4pPr>
+            <a:lvl5pPr marL="1828800" indent="0">
+              <a:buNone/>
+              <a:defRPr sz="900"/>
+            </a:lvl5pPr>
+            <a:lvl6pPr marL="2286000" indent="0">
+              <a:buNone/>
+              <a:defRPr sz="900"/>
+            </a:lvl6pPr>
+            <a:lvl7pPr marL="2743200" indent="0">
+              <a:buNone/>
+              <a:defRPr sz="900"/>
+            </a:lvl7pPr>
+            <a:lvl8pPr marL="3200400" indent="0">
+              <a:buNone/>
+              <a:defRPr sz="900"/>
+            </a:lvl8pPr>
+            <a:lvl9pPr marL="3657600" indent="0">
+              <a:buNone/>
+              <a:defRPr sz="900"/>
+            </a:lvl9pPr>
+          </a:lstStyle>
+          <a:p>
+            <a:pPr lvl="0"/>
+            <a:r>
+              <a:rPr lang="en-US"/>
+              <a:t>Edit Master text styles</a:t>
+            </a:r>
+          </a:p>
+        </p:txBody>
+      </p:sp>
+      <p:sp>
+        <p:nvSpPr>
+          <p:cNvPr id="14" name="Text Placeholder 4"/>
+          <p:cNvSpPr>
+            <a:spLocks noGrp="1"/>
+          </p:cNvSpPr>
+          <p:nvPr>
+            <p:ph type="body" sz="quarter" idx="13"/>
+          </p:nvPr>
+        </p:nvSpPr>
+        <p:spPr>
+          <a:xfrm>
+            <a:off x="7124700" y="1981200"/>
+            <a:ext cx="2932113" cy="576262"/>
+          </a:xfrm>
+        </p:spPr>
+        <p:txBody>
+          <a:bodyPr anchor="b">
+            <a:noAutofit/>
+          </a:bodyPr>
+          <a:lstStyle>
+            <a:lvl1pPr marL="0" indent="0">
+              <a:buNone/>
+              <a:defRPr sz="2400" b="0">
+                <a:solidFill>
+                  <a:schemeClr val="bg2">
+                    <a:lumMod val="40000"/>
+                    <a:lumOff val="60000"/>
+                  </a:schemeClr>
+                </a:solidFill>
+              </a:defRPr>
+            </a:lvl1pPr>
+            <a:lvl2pPr marL="457200" indent="0">
+              <a:buNone/>
+              <a:defRPr sz="2000" b="1"/>
+            </a:lvl2pPr>
+            <a:lvl3pPr marL="914400" indent="0">
+              <a:buNone/>
+              <a:defRPr sz="1800" b="1"/>
+            </a:lvl3pPr>
+            <a:lvl4pPr marL="1371600" indent="0">
+              <a:buNone/>
+              <a:defRPr sz="1600" b="1"/>
+            </a:lvl4pPr>
+            <a:lvl5pPr marL="1828800" indent="0">
+              <a:buNone/>
+              <a:defRPr sz="1600" b="1"/>
+            </a:lvl5pPr>
+            <a:lvl6pPr marL="2286000" indent="0">
+              <a:buNone/>
+              <a:defRPr sz="1600" b="1"/>
+            </a:lvl6pPr>
+            <a:lvl7pPr marL="2743200" indent="0">
+              <a:buNone/>
+              <a:defRPr sz="1600" b="1"/>
+            </a:lvl7pPr>
+            <a:lvl8pPr marL="3200400" indent="0">
+              <a:buNone/>
+              <a:defRPr sz="1600" b="1"/>
+            </a:lvl8pPr>
+            <a:lvl9pPr marL="3657600" indent="0">
+              <a:buNone/>
+              <a:defRPr sz="1600" b="1"/>
+            </a:lvl9pPr>
+          </a:lstStyle>
+          <a:p>
+            <a:pPr lvl="0"/>
+            <a:r>
+              <a:rPr lang="en-US"/>
+              <a:t>Edit Master text styles</a:t>
+            </a:r>
+          </a:p>
+        </p:txBody>
+      </p:sp>
+      <p:sp>
+        <p:nvSpPr>
+          <p:cNvPr id="20" name="Text Placeholder 3"/>
+          <p:cNvSpPr>
+            <a:spLocks noGrp="1"/>
+          </p:cNvSpPr>
+          <p:nvPr>
+            <p:ph type="body" sz="half" idx="17"/>
+          </p:nvPr>
+        </p:nvSpPr>
+        <p:spPr>
+          <a:xfrm>
+            <a:off x="7124700" y="2667000"/>
+            <a:ext cx="2932113" cy="3589338"/>
+          </a:xfrm>
+        </p:spPr>
+        <p:txBody>
+          <a:bodyPr anchor="t">
+            <a:normAutofit/>
+          </a:bodyPr>
+          <a:lstStyle>
+            <a:lvl1pPr marL="0" indent="0">
+              <a:buNone/>
+              <a:defRPr sz="1400"/>
+            </a:lvl1pPr>
+            <a:lvl2pPr marL="457200" indent="0">
+              <a:buNone/>
+              <a:defRPr sz="1200"/>
+            </a:lvl2pPr>
+            <a:lvl3pPr marL="914400" indent="0">
+              <a:buNone/>
+              <a:defRPr sz="1000"/>
+            </a:lvl3pPr>
+            <a:lvl4pPr marL="1371600" indent="0">
+              <a:buNone/>
+              <a:defRPr sz="900"/>
+            </a:lvl4pPr>
+            <a:lvl5pPr marL="1828800" indent="0">
+              <a:buNone/>
+              <a:defRPr sz="900"/>
+            </a:lvl5pPr>
+            <a:lvl6pPr marL="2286000" indent="0">
+              <a:buNone/>
+              <a:defRPr sz="900"/>
+            </a:lvl6pPr>
+            <a:lvl7pPr marL="2743200" indent="0">
+              <a:buNone/>
+              <a:defRPr sz="900"/>
+            </a:lvl7pPr>
+            <a:lvl8pPr marL="3200400" indent="0">
+              <a:buNone/>
+              <a:defRPr sz="900"/>
+            </a:lvl8pPr>
+            <a:lvl9pPr marL="3657600" indent="0">
+              <a:buNone/>
+              <a:defRPr sz="900"/>
+            </a:lvl9pPr>
+          </a:lstStyle>
+          <a:p>
+            <a:pPr lvl="0"/>
+            <a:r>
+              <a:rPr lang="en-US"/>
+              <a:t>Edit Master text styles</a:t>
+            </a:r>
+          </a:p>
+        </p:txBody>
+      </p:sp>
+      <p:cxnSp>
+        <p:nvCxnSpPr>
+          <p:cNvPr id="17" name="Straight Connector 16"/>
+          <p:cNvCxnSpPr/>
+          <p:nvPr/>
+        </p:nvCxnSpPr>
+        <p:spPr>
+          <a:xfrm>
+            <a:off x="3726142" y="2133600"/>
+            <a:ext cx="0" cy="3962400"/>
+          </a:xfrm>
+          <a:prstGeom prst="line">
+            <a:avLst/>
+          </a:prstGeom>
+          <a:ln w="12700" cmpd="sng">
+            <a:solidFill>
+              <a:schemeClr val="bg2">
+                <a:lumMod val="40000"/>
+                <a:lumOff val="60000"/>
+                <a:alpha val="40000"/>
+              </a:schemeClr>
+            </a:solidFill>
+          </a:ln>
+        </p:spPr>
+        <p:style>
+          <a:lnRef idx="2">
+            <a:schemeClr val="accent1"/>
+          </a:lnRef>
+          <a:fillRef idx="0">
+            <a:schemeClr val="accent1"/>
+          </a:fillRef>
+          <a:effectRef idx="1">
+            <a:schemeClr val="accent1"/>
+          </a:effectRef>
+          <a:fontRef idx="minor">
+            <a:schemeClr val="tx1"/>
+          </a:fontRef>
+        </p:style>
+      </p:cxnSp>
+      <p:cxnSp>
+        <p:nvCxnSpPr>
+          <p:cNvPr id="18" name="Straight Connector 17"/>
+          <p:cNvCxnSpPr/>
+          <p:nvPr/>
+        </p:nvCxnSpPr>
+        <p:spPr>
+          <a:xfrm>
+            <a:off x="6962227" y="2133600"/>
+            <a:ext cx="0" cy="3966882"/>
+          </a:xfrm>
+          <a:prstGeom prst="line">
+            <a:avLst/>
+          </a:prstGeom>
+          <a:ln w="12700" cmpd="sng">
+            <a:solidFill>
+              <a:schemeClr val="bg2">
+                <a:lumMod val="40000"/>
+                <a:lumOff val="60000"/>
+                <a:alpha val="40000"/>
+              </a:schemeClr>
+            </a:solidFill>
+          </a:ln>
+        </p:spPr>
+        <p:style>
+          <a:lnRef idx="2">
+            <a:schemeClr val="accent1"/>
+          </a:lnRef>
+          <a:fillRef idx="0">
+            <a:schemeClr val="accent1"/>
+          </a:fillRef>
+          <a:effectRef idx="1">
+            <a:schemeClr val="accent1"/>
+          </a:effectRef>
+          <a:fontRef idx="minor">
+            <a:schemeClr val="tx1"/>
+          </a:fontRef>
+        </p:style>
+      </p:cxnSp>
+      <p:sp>
+        <p:nvSpPr>
+          <p:cNvPr id="7" name="Date Placeholder 3"/>
+          <p:cNvSpPr>
+            <a:spLocks noGrp="1"/>
+          </p:cNvSpPr>
+          <p:nvPr>
+            <p:ph type="dt" sz="half" idx="10"/>
+          </p:nvPr>
+        </p:nvSpPr>
+        <p:spPr/>
+        <p:txBody>
+          <a:bodyPr/>
+          <a:lstStyle/>
+          <a:p>
+            <a:fld id="{AED1D2E7-AC9D-42CB-81DF-0C53EE097FA4}" type="datetimeFigureOut">
+              <a:rPr lang="en-US" smtClean="0"/>
+              <a:t>4/9/2018</a:t>
+            </a:fld>
+            <a:endParaRPr lang="en-US"/>
+          </a:p>
+        </p:txBody>
+      </p:sp>
+      <p:sp>
+        <p:nvSpPr>
+          <p:cNvPr id="4" name="Footer Placeholder 4"/>
+          <p:cNvSpPr>
+            <a:spLocks noGrp="1"/>
+          </p:cNvSpPr>
+          <p:nvPr>
+            <p:ph type="ftr" sz="quarter" idx="11"/>
+          </p:nvPr>
+        </p:nvSpPr>
+        <p:spPr/>
+        <p:txBody>
+          <a:bodyPr/>
+          <a:lstStyle/>
+          <a:p>
+            <a:endParaRPr lang="en-US"/>
+          </a:p>
+        </p:txBody>
+      </p:sp>
+      <p:sp>
+        <p:nvSpPr>
+          <p:cNvPr id="6" name="Slide Number Placeholder 5"/>
+          <p:cNvSpPr>
+            <a:spLocks noGrp="1"/>
+          </p:cNvSpPr>
+          <p:nvPr>
+            <p:ph type="sldNum" sz="quarter" idx="12"/>
+          </p:nvPr>
+        </p:nvSpPr>
+        <p:spPr/>
+        <p:txBody>
+          <a:bodyPr/>
+          <a:lstStyle/>
+          <a:p>
+            <a:fld id="{11B37FE4-AD18-4CE5-AF60-8B1E60BD4E57}" type="slidenum">
+              <a:rPr lang="en-US" smtClean="0"/>
+              <a:t>‹#›</a:t>
+            </a:fld>
+            <a:endParaRPr lang="en-US"/>
+          </a:p>
+        </p:txBody>
+      </p:sp>
+    </p:spTree>
+    <p:extLst>
+      <p:ext uri="{BB962C8B-B14F-4D97-AF65-F5344CB8AC3E}">
+        <p14:creationId xmlns:p14="http://schemas.microsoft.com/office/powerpoint/2010/main" val="377829776"/>
+      </p:ext>
+    </p:extLst>
+  </p:cSld>
+  <p:clrMapOvr>
+    <a:masterClrMapping/>
+  </p:clrMapOvr>
+</p:sldLayout>
+</file>
+
+<file path=ppt/slideLayouts/slideLayout15.xml><?xml version="1.0" encoding="utf-8"?>
+<p:sldLayout xmlns:a="http://schemas.openxmlformats.org/drawingml/2006/main" xmlns:r="http://schemas.openxmlformats.org/officeDocument/2006/relationships" xmlns:p="http://schemas.openxmlformats.org/presentationml/2006/main" preserve="1">
+  <p:cSld name="3 Picture Column">
+    <p:spTree>
+      <p:nvGrpSpPr>
+        <p:cNvPr id="1" name=""/>
+        <p:cNvGrpSpPr/>
+        <p:nvPr/>
+      </p:nvGrpSpPr>
+      <p:grpSpPr>
+        <a:xfrm>
+          <a:off x="0" y="0"/>
+          <a:ext cx="0" cy="0"/>
+          <a:chOff x="0" y="0"/>
+          <a:chExt cx="0" cy="0"/>
+        </a:xfrm>
+      </p:grpSpPr>
+      <p:sp>
+        <p:nvSpPr>
+          <p:cNvPr id="2" name="Title 1"/>
+          <p:cNvSpPr>
+            <a:spLocks noGrp="1"/>
+          </p:cNvSpPr>
+          <p:nvPr>
+            <p:ph type="title"/>
+          </p:nvPr>
+        </p:nvSpPr>
+        <p:spPr/>
+        <p:txBody>
+          <a:bodyPr/>
+          <a:lstStyle>
+            <a:lvl1pPr>
+              <a:defRPr sz="4200"/>
+            </a:lvl1pPr>
+          </a:lstStyle>
+          <a:p>
+            <a:r>
+              <a:rPr lang="en-US"/>
+              <a:t>Click to edit Master title style</a:t>
+            </a:r>
+            <a:endParaRPr lang="en-US" dirty="0"/>
+          </a:p>
+        </p:txBody>
+      </p:sp>
+      <p:sp>
+        <p:nvSpPr>
+          <p:cNvPr id="3" name="Text Placeholder 2"/>
+          <p:cNvSpPr>
+            <a:spLocks noGrp="1"/>
+          </p:cNvSpPr>
+          <p:nvPr>
+            <p:ph type="body" idx="1"/>
+          </p:nvPr>
+        </p:nvSpPr>
+        <p:spPr>
+          <a:xfrm>
+            <a:off x="652463" y="4250949"/>
+            <a:ext cx="2940050" cy="576262"/>
+          </a:xfrm>
+        </p:spPr>
+        <p:txBody>
+          <a:bodyPr anchor="b">
+            <a:noAutofit/>
+          </a:bodyPr>
+          <a:lstStyle>
+            <a:lvl1pPr marL="0" indent="0">
+              <a:buNone/>
+              <a:defRPr sz="2400" b="0">
+                <a:solidFill>
+                  <a:schemeClr val="bg2">
+                    <a:lumMod val="40000"/>
+                    <a:lumOff val="60000"/>
+                  </a:schemeClr>
+                </a:solidFill>
+              </a:defRPr>
+            </a:lvl1pPr>
+            <a:lvl2pPr marL="457200" indent="0">
+              <a:buNone/>
+              <a:defRPr sz="2000" b="1"/>
+            </a:lvl2pPr>
+            <a:lvl3pPr marL="914400" indent="0">
+              <a:buNone/>
+              <a:defRPr sz="1800" b="1"/>
+            </a:lvl3pPr>
+            <a:lvl4pPr marL="1371600" indent="0">
+              <a:buNone/>
+              <a:defRPr sz="1600" b="1"/>
+            </a:lvl4pPr>
+            <a:lvl5pPr marL="1828800" indent="0">
+              <a:buNone/>
+              <a:defRPr sz="1600" b="1"/>
+            </a:lvl5pPr>
+            <a:lvl6pPr marL="2286000" indent="0">
+              <a:buNone/>
+              <a:defRPr sz="1600" b="1"/>
+            </a:lvl6pPr>
+            <a:lvl7pPr marL="2743200" indent="0">
+              <a:buNone/>
+              <a:defRPr sz="1600" b="1"/>
+            </a:lvl7pPr>
+            <a:lvl8pPr marL="3200400" indent="0">
+              <a:buNone/>
+              <a:defRPr sz="1600" b="1"/>
+            </a:lvl8pPr>
+            <a:lvl9pPr marL="3657600" indent="0">
+              <a:buNone/>
+              <a:defRPr sz="1600" b="1"/>
+            </a:lvl9pPr>
+          </a:lstStyle>
+          <a:p>
+            <a:pPr lvl="0"/>
+            <a:r>
+              <a:rPr lang="en-US"/>
+              <a:t>Edit Master text styles</a:t>
+            </a:r>
+          </a:p>
+        </p:txBody>
+      </p:sp>
+      <p:sp>
+        <p:nvSpPr>
+          <p:cNvPr id="29" name="Picture Placeholder 2"/>
+          <p:cNvSpPr>
+            <a:spLocks noGrp="1" noChangeAspect="1"/>
+          </p:cNvSpPr>
+          <p:nvPr>
+            <p:ph type="pic" idx="15"/>
+          </p:nvPr>
+        </p:nvSpPr>
+        <p:spPr>
+          <a:xfrm>
+            <a:off x="652463" y="2209800"/>
+            <a:ext cx="2940050" cy="1524000"/>
+          </a:xfrm>
+          <a:prstGeom prst="roundRect">
+            <a:avLst>
+              <a:gd name="adj" fmla="val 1858"/>
+            </a:avLst>
+          </a:prstGeom>
+          <a:effectLst>
+            <a:outerShdw blurRad="50800" dist="50800" dir="5400000" algn="tl" rotWithShape="0">
+              <a:srgbClr val="000000">
+                <a:alpha val="43000"/>
+              </a:srgbClr>
+            </a:outerShdw>
+          </a:effectLst>
+        </p:spPr>
+        <p:txBody>
+          <a:bodyPr anchor="t">
+            <a:normAutofit/>
+          </a:bodyPr>
+          <a:lstStyle>
+            <a:lvl1pPr marL="0" indent="0" algn="ctr">
+              <a:buNone/>
+              <a:defRPr sz="1600"/>
+            </a:lvl1pPr>
+            <a:lvl2pPr marL="457200" indent="0">
+              <a:buNone/>
+              <a:defRPr sz="1600"/>
+            </a:lvl2pPr>
+            <a:lvl3pPr marL="914400" indent="0">
+              <a:buNone/>
+              <a:defRPr sz="1600"/>
+            </a:lvl3pPr>
+            <a:lvl4pPr marL="1371600" indent="0">
+              <a:buNone/>
+              <a:defRPr sz="1600"/>
+            </a:lvl4pPr>
+            <a:lvl5pPr marL="1828800" indent="0">
+              <a:buNone/>
+              <a:defRPr sz="1600"/>
+            </a:lvl5pPr>
+            <a:lvl6pPr marL="2286000" indent="0">
+              <a:buNone/>
+              <a:defRPr sz="1600"/>
+            </a:lvl6pPr>
+            <a:lvl7pPr marL="2743200" indent="0">
+              <a:buNone/>
+              <a:defRPr sz="1600"/>
+            </a:lvl7pPr>
+            <a:lvl8pPr marL="3200400" indent="0">
+              <a:buNone/>
+              <a:defRPr sz="1600"/>
+            </a:lvl8pPr>
+            <a:lvl9pPr marL="3657600" indent="0">
+              <a:buNone/>
+              <a:defRPr sz="1600"/>
+            </a:lvl9pPr>
+          </a:lstStyle>
+          <a:p>
+            <a:r>
+              <a:rPr lang="en-US"/>
+              <a:t>Click icon to add picture</a:t>
+            </a:r>
+            <a:endParaRPr lang="en-US" dirty="0"/>
+          </a:p>
+        </p:txBody>
+      </p:sp>
+      <p:sp>
+        <p:nvSpPr>
+          <p:cNvPr id="22" name="Text Placeholder 3"/>
+          <p:cNvSpPr>
+            <a:spLocks noGrp="1"/>
+          </p:cNvSpPr>
+          <p:nvPr>
+            <p:ph type="body" sz="half" idx="18"/>
+          </p:nvPr>
+        </p:nvSpPr>
+        <p:spPr>
+          <a:xfrm>
+            <a:off x="652463" y="4827211"/>
+            <a:ext cx="2940050" cy="659189"/>
+          </a:xfrm>
+        </p:spPr>
+        <p:txBody>
+          <a:bodyPr anchor="t">
+            <a:normAutofit/>
+          </a:bodyPr>
+          <a:lstStyle>
+            <a:lvl1pPr marL="0" indent="0">
+              <a:buNone/>
+              <a:defRPr sz="1400"/>
+            </a:lvl1pPr>
+            <a:lvl2pPr marL="457200" indent="0">
+              <a:buNone/>
+              <a:defRPr sz="1200"/>
+            </a:lvl2pPr>
+            <a:lvl3pPr marL="914400" indent="0">
+              <a:buNone/>
+              <a:defRPr sz="1000"/>
+            </a:lvl3pPr>
+            <a:lvl4pPr marL="1371600" indent="0">
+              <a:buNone/>
+              <a:defRPr sz="900"/>
+            </a:lvl4pPr>
+            <a:lvl5pPr marL="1828800" indent="0">
+              <a:buNone/>
+              <a:defRPr sz="900"/>
+            </a:lvl5pPr>
+            <a:lvl6pPr marL="2286000" indent="0">
+              <a:buNone/>
+              <a:defRPr sz="900"/>
+            </a:lvl6pPr>
+            <a:lvl7pPr marL="2743200" indent="0">
+              <a:buNone/>
+              <a:defRPr sz="900"/>
+            </a:lvl7pPr>
+            <a:lvl8pPr marL="3200400" indent="0">
+              <a:buNone/>
+              <a:defRPr sz="900"/>
+            </a:lvl8pPr>
+            <a:lvl9pPr marL="3657600" indent="0">
+              <a:buNone/>
+              <a:defRPr sz="900"/>
+            </a:lvl9pPr>
+          </a:lstStyle>
+          <a:p>
+            <a:pPr lvl="0"/>
+            <a:r>
+              <a:rPr lang="en-US"/>
+              <a:t>Edit Master text styles</a:t>
+            </a:r>
+          </a:p>
+        </p:txBody>
+      </p:sp>
+      <p:sp>
+        <p:nvSpPr>
+          <p:cNvPr id="5" name="Text Placeholder 4"/>
+          <p:cNvSpPr>
+            <a:spLocks noGrp="1"/>
+          </p:cNvSpPr>
+          <p:nvPr>
+            <p:ph type="body" sz="quarter" idx="3"/>
+          </p:nvPr>
+        </p:nvSpPr>
+        <p:spPr>
+          <a:xfrm>
+            <a:off x="3889375" y="4250949"/>
+            <a:ext cx="2930525" cy="576262"/>
+          </a:xfrm>
+        </p:spPr>
+        <p:txBody>
+          <a:bodyPr anchor="b">
+            <a:noAutofit/>
+          </a:bodyPr>
+          <a:lstStyle>
+            <a:lvl1pPr marL="0" indent="0">
+              <a:buNone/>
+              <a:defRPr sz="2400" b="0">
+                <a:solidFill>
+                  <a:schemeClr val="bg2">
+                    <a:lumMod val="40000"/>
+                    <a:lumOff val="60000"/>
+                  </a:schemeClr>
+                </a:solidFill>
+              </a:defRPr>
+            </a:lvl1pPr>
+            <a:lvl2pPr marL="457200" indent="0">
+              <a:buNone/>
+              <a:defRPr sz="2000" b="1"/>
+            </a:lvl2pPr>
+            <a:lvl3pPr marL="914400" indent="0">
+              <a:buNone/>
+              <a:defRPr sz="1800" b="1"/>
+            </a:lvl3pPr>
+            <a:lvl4pPr marL="1371600" indent="0">
+              <a:buNone/>
+              <a:defRPr sz="1600" b="1"/>
+            </a:lvl4pPr>
+            <a:lvl5pPr marL="1828800" indent="0">
+              <a:buNone/>
+              <a:defRPr sz="1600" b="1"/>
+            </a:lvl5pPr>
+            <a:lvl6pPr marL="2286000" indent="0">
+              <a:buNone/>
+              <a:defRPr sz="1600" b="1"/>
+            </a:lvl6pPr>
+            <a:lvl7pPr marL="2743200" indent="0">
+              <a:buNone/>
+              <a:defRPr sz="1600" b="1"/>
+            </a:lvl7pPr>
+            <a:lvl8pPr marL="3200400" indent="0">
+              <a:buNone/>
+              <a:defRPr sz="1600" b="1"/>
+            </a:lvl8pPr>
+            <a:lvl9pPr marL="3657600" indent="0">
+              <a:buNone/>
+              <a:defRPr sz="1600" b="1"/>
+            </a:lvl9pPr>
+          </a:lstStyle>
+          <a:p>
+            <a:pPr lvl="0"/>
+            <a:r>
+              <a:rPr lang="en-US"/>
+              <a:t>Edit Master text styles</a:t>
+            </a:r>
+          </a:p>
+        </p:txBody>
+      </p:sp>
+      <p:sp>
+        <p:nvSpPr>
+          <p:cNvPr id="30" name="Picture Placeholder 2"/>
+          <p:cNvSpPr>
+            <a:spLocks noGrp="1" noChangeAspect="1"/>
+          </p:cNvSpPr>
+          <p:nvPr>
+            <p:ph type="pic" idx="21"/>
+          </p:nvPr>
+        </p:nvSpPr>
+        <p:spPr>
+          <a:xfrm>
+            <a:off x="3889374" y="2209800"/>
+            <a:ext cx="2930525" cy="1524000"/>
+          </a:xfrm>
+          <a:prstGeom prst="roundRect">
+            <a:avLst>
+              <a:gd name="adj" fmla="val 1858"/>
+            </a:avLst>
+          </a:prstGeom>
+          <a:effectLst>
+            <a:outerShdw blurRad="50800" dist="50800" dir="5400000" algn="tl" rotWithShape="0">
+              <a:srgbClr val="000000">
+                <a:alpha val="43000"/>
+              </a:srgbClr>
+            </a:outerShdw>
+          </a:effectLst>
+        </p:spPr>
+        <p:txBody>
+          <a:bodyPr anchor="t">
+            <a:normAutofit/>
+          </a:bodyPr>
+          <a:lstStyle>
+            <a:lvl1pPr marL="0" indent="0" algn="ctr">
+              <a:buNone/>
+              <a:defRPr sz="1600"/>
+            </a:lvl1pPr>
+            <a:lvl2pPr marL="457200" indent="0">
+              <a:buNone/>
+              <a:defRPr sz="1600"/>
+            </a:lvl2pPr>
+            <a:lvl3pPr marL="914400" indent="0">
+              <a:buNone/>
+              <a:defRPr sz="1600"/>
+            </a:lvl3pPr>
+            <a:lvl4pPr marL="1371600" indent="0">
+              <a:buNone/>
+              <a:defRPr sz="1600"/>
+            </a:lvl4pPr>
+            <a:lvl5pPr marL="1828800" indent="0">
+              <a:buNone/>
+              <a:defRPr sz="1600"/>
+            </a:lvl5pPr>
+            <a:lvl6pPr marL="2286000" indent="0">
+              <a:buNone/>
+              <a:defRPr sz="1600"/>
+            </a:lvl6pPr>
+            <a:lvl7pPr marL="2743200" indent="0">
+              <a:buNone/>
+              <a:defRPr sz="1600"/>
+            </a:lvl7pPr>
+            <a:lvl8pPr marL="3200400" indent="0">
+              <a:buNone/>
+              <a:defRPr sz="1600"/>
+            </a:lvl8pPr>
+            <a:lvl9pPr marL="3657600" indent="0">
+              <a:buNone/>
+              <a:defRPr sz="1600"/>
+            </a:lvl9pPr>
+          </a:lstStyle>
+          <a:p>
+            <a:r>
+              <a:rPr lang="en-US"/>
+              <a:t>Click icon to add picture</a:t>
+            </a:r>
+            <a:endParaRPr lang="en-US" dirty="0"/>
+          </a:p>
+        </p:txBody>
+      </p:sp>
+      <p:sp>
+        <p:nvSpPr>
+          <p:cNvPr id="23" name="Text Placeholder 3"/>
+          <p:cNvSpPr>
+            <a:spLocks noGrp="1"/>
+          </p:cNvSpPr>
+          <p:nvPr>
+            <p:ph type="body" sz="half" idx="19"/>
+          </p:nvPr>
+        </p:nvSpPr>
+        <p:spPr>
+          <a:xfrm>
+            <a:off x="3888022" y="4827210"/>
+            <a:ext cx="2934406" cy="659189"/>
+          </a:xfrm>
+        </p:spPr>
+        <p:txBody>
+          <a:bodyPr anchor="t">
+            <a:normAutofit/>
+          </a:bodyPr>
+          <a:lstStyle>
+            <a:lvl1pPr marL="0" indent="0">
+              <a:buNone/>
+              <a:defRPr sz="1400"/>
+            </a:lvl1pPr>
+            <a:lvl2pPr marL="457200" indent="0">
+              <a:buNone/>
+              <a:defRPr sz="1200"/>
+            </a:lvl2pPr>
+            <a:lvl3pPr marL="914400" indent="0">
+              <a:buNone/>
+              <a:defRPr sz="1000"/>
+            </a:lvl3pPr>
+            <a:lvl4pPr marL="1371600" indent="0">
+              <a:buNone/>
+              <a:defRPr sz="900"/>
+            </a:lvl4pPr>
+            <a:lvl5pPr marL="1828800" indent="0">
+              <a:buNone/>
+              <a:defRPr sz="900"/>
+            </a:lvl5pPr>
+            <a:lvl6pPr marL="2286000" indent="0">
+              <a:buNone/>
+              <a:defRPr sz="900"/>
+            </a:lvl6pPr>
+            <a:lvl7pPr marL="2743200" indent="0">
+              <a:buNone/>
+              <a:defRPr sz="900"/>
+            </a:lvl7pPr>
+            <a:lvl8pPr marL="3200400" indent="0">
+              <a:buNone/>
+              <a:defRPr sz="900"/>
+            </a:lvl8pPr>
+            <a:lvl9pPr marL="3657600" indent="0">
+              <a:buNone/>
+              <a:defRPr sz="900"/>
+            </a:lvl9pPr>
+          </a:lstStyle>
+          <a:p>
+            <a:pPr lvl="0"/>
+            <a:r>
+              <a:rPr lang="en-US"/>
+              <a:t>Edit Master text styles</a:t>
+            </a:r>
+          </a:p>
+        </p:txBody>
+      </p:sp>
+      <p:sp>
+        <p:nvSpPr>
+          <p:cNvPr id="14" name="Text Placeholder 4"/>
+          <p:cNvSpPr>
+            <a:spLocks noGrp="1"/>
+          </p:cNvSpPr>
+          <p:nvPr>
+            <p:ph type="body" sz="quarter" idx="13"/>
+          </p:nvPr>
+        </p:nvSpPr>
+        <p:spPr>
+          <a:xfrm>
+            <a:off x="7124700" y="4250949"/>
+            <a:ext cx="2932113" cy="576262"/>
+          </a:xfrm>
+        </p:spPr>
+        <p:txBody>
+          <a:bodyPr anchor="b">
+            <a:noAutofit/>
+          </a:bodyPr>
+          <a:lstStyle>
+            <a:lvl1pPr marL="0" indent="0">
+              <a:buNone/>
+              <a:defRPr sz="2400" b="0">
+                <a:solidFill>
+                  <a:schemeClr val="bg2">
+                    <a:lumMod val="40000"/>
+                    <a:lumOff val="60000"/>
+                  </a:schemeClr>
+                </a:solidFill>
+              </a:defRPr>
+            </a:lvl1pPr>
+            <a:lvl2pPr marL="457200" indent="0">
+              <a:buNone/>
+              <a:defRPr sz="2000" b="1"/>
+            </a:lvl2pPr>
+            <a:lvl3pPr marL="914400" indent="0">
+              <a:buNone/>
+              <a:defRPr sz="1800" b="1"/>
+            </a:lvl3pPr>
+            <a:lvl4pPr marL="1371600" indent="0">
+              <a:buNone/>
+              <a:defRPr sz="1600" b="1"/>
+            </a:lvl4pPr>
+            <a:lvl5pPr marL="1828800" indent="0">
+              <a:buNone/>
+              <a:defRPr sz="1600" b="1"/>
+            </a:lvl5pPr>
+            <a:lvl6pPr marL="2286000" indent="0">
+              <a:buNone/>
+              <a:defRPr sz="1600" b="1"/>
+            </a:lvl6pPr>
+            <a:lvl7pPr marL="2743200" indent="0">
+              <a:buNone/>
+              <a:defRPr sz="1600" b="1"/>
+            </a:lvl7pPr>
+            <a:lvl8pPr marL="3200400" indent="0">
+              <a:buNone/>
+              <a:defRPr sz="1600" b="1"/>
+            </a:lvl8pPr>
+            <a:lvl9pPr marL="3657600" indent="0">
+              <a:buNone/>
+              <a:defRPr sz="1600" b="1"/>
+            </a:lvl9pPr>
+          </a:lstStyle>
+          <a:p>
+            <a:pPr lvl="0"/>
+            <a:r>
+              <a:rPr lang="en-US"/>
+              <a:t>Edit Master text styles</a:t>
+            </a:r>
+          </a:p>
+        </p:txBody>
+      </p:sp>
+      <p:sp>
+        <p:nvSpPr>
+          <p:cNvPr id="31" name="Picture Placeholder 2"/>
+          <p:cNvSpPr>
+            <a:spLocks noGrp="1" noChangeAspect="1"/>
+          </p:cNvSpPr>
+          <p:nvPr>
+            <p:ph type="pic" idx="22"/>
+          </p:nvPr>
+        </p:nvSpPr>
+        <p:spPr>
+          <a:xfrm>
+            <a:off x="7124699" y="2209800"/>
+            <a:ext cx="2932113" cy="1524000"/>
+          </a:xfrm>
+          <a:prstGeom prst="roundRect">
+            <a:avLst>
+              <a:gd name="adj" fmla="val 1858"/>
+            </a:avLst>
+          </a:prstGeom>
+          <a:effectLst>
+            <a:outerShdw blurRad="50800" dist="50800" dir="5400000" algn="tl" rotWithShape="0">
+              <a:srgbClr val="000000">
+                <a:alpha val="43000"/>
+              </a:srgbClr>
+            </a:outerShdw>
+          </a:effectLst>
+        </p:spPr>
+        <p:txBody>
+          <a:bodyPr anchor="t">
+            <a:normAutofit/>
+          </a:bodyPr>
+          <a:lstStyle>
+            <a:lvl1pPr marL="0" indent="0" algn="ctr">
+              <a:buNone/>
+              <a:defRPr sz="1600"/>
+            </a:lvl1pPr>
+            <a:lvl2pPr marL="457200" indent="0">
+              <a:buNone/>
+              <a:defRPr sz="1600"/>
+            </a:lvl2pPr>
+            <a:lvl3pPr marL="914400" indent="0">
+              <a:buNone/>
+              <a:defRPr sz="1600"/>
+            </a:lvl3pPr>
+            <a:lvl4pPr marL="1371600" indent="0">
+              <a:buNone/>
+              <a:defRPr sz="1600"/>
+            </a:lvl4pPr>
+            <a:lvl5pPr marL="1828800" indent="0">
+              <a:buNone/>
+              <a:defRPr sz="1600"/>
+            </a:lvl5pPr>
+            <a:lvl6pPr marL="2286000" indent="0">
+              <a:buNone/>
+              <a:defRPr sz="1600"/>
+            </a:lvl6pPr>
+            <a:lvl7pPr marL="2743200" indent="0">
+              <a:buNone/>
+              <a:defRPr sz="1600"/>
+            </a:lvl7pPr>
+            <a:lvl8pPr marL="3200400" indent="0">
+              <a:buNone/>
+              <a:defRPr sz="1600"/>
+            </a:lvl8pPr>
+            <a:lvl9pPr marL="3657600" indent="0">
+              <a:buNone/>
+              <a:defRPr sz="1600"/>
+            </a:lvl9pPr>
+          </a:lstStyle>
+          <a:p>
+            <a:r>
+              <a:rPr lang="en-US"/>
+              <a:t>Click icon to add picture</a:t>
+            </a:r>
+            <a:endParaRPr lang="en-US" dirty="0"/>
+          </a:p>
+        </p:txBody>
+      </p:sp>
+      <p:sp>
+        <p:nvSpPr>
+          <p:cNvPr id="24" name="Text Placeholder 3"/>
+          <p:cNvSpPr>
+            <a:spLocks noGrp="1"/>
+          </p:cNvSpPr>
+          <p:nvPr>
+            <p:ph type="body" sz="half" idx="20"/>
+          </p:nvPr>
+        </p:nvSpPr>
+        <p:spPr>
+          <a:xfrm>
+            <a:off x="7124575" y="4827208"/>
+            <a:ext cx="2935997" cy="659189"/>
+          </a:xfrm>
+        </p:spPr>
+        <p:txBody>
+          <a:bodyPr anchor="t">
+            <a:normAutofit/>
+          </a:bodyPr>
+          <a:lstStyle>
+            <a:lvl1pPr marL="0" indent="0">
+              <a:buNone/>
+              <a:defRPr sz="1400"/>
+            </a:lvl1pPr>
+            <a:lvl2pPr marL="457200" indent="0">
+              <a:buNone/>
+              <a:defRPr sz="1200"/>
+            </a:lvl2pPr>
+            <a:lvl3pPr marL="914400" indent="0">
+              <a:buNone/>
+              <a:defRPr sz="1000"/>
+            </a:lvl3pPr>
+            <a:lvl4pPr marL="1371600" indent="0">
+              <a:buNone/>
+              <a:defRPr sz="900"/>
+            </a:lvl4pPr>
+            <a:lvl5pPr marL="1828800" indent="0">
+              <a:buNone/>
+              <a:defRPr sz="900"/>
+            </a:lvl5pPr>
+            <a:lvl6pPr marL="2286000" indent="0">
+              <a:buNone/>
+              <a:defRPr sz="900"/>
+            </a:lvl6pPr>
+            <a:lvl7pPr marL="2743200" indent="0">
+              <a:buNone/>
+              <a:defRPr sz="900"/>
+            </a:lvl7pPr>
+            <a:lvl8pPr marL="3200400" indent="0">
+              <a:buNone/>
+              <a:defRPr sz="900"/>
+            </a:lvl8pPr>
+            <a:lvl9pPr marL="3657600" indent="0">
+              <a:buNone/>
+              <a:defRPr sz="900"/>
+            </a:lvl9pPr>
+          </a:lstStyle>
+          <a:p>
+            <a:pPr lvl="0"/>
+            <a:r>
+              <a:rPr lang="en-US"/>
+              <a:t>Edit Master text styles</a:t>
+            </a:r>
+          </a:p>
+        </p:txBody>
+      </p:sp>
+      <p:cxnSp>
+        <p:nvCxnSpPr>
+          <p:cNvPr id="19" name="Straight Connector 18"/>
+          <p:cNvCxnSpPr/>
+          <p:nvPr/>
+        </p:nvCxnSpPr>
+        <p:spPr>
+          <a:xfrm>
+            <a:off x="3726142" y="2133600"/>
+            <a:ext cx="0" cy="3962400"/>
+          </a:xfrm>
+          <a:prstGeom prst="line">
+            <a:avLst/>
+          </a:prstGeom>
+          <a:ln w="12700" cmpd="sng">
+            <a:solidFill>
+              <a:schemeClr val="bg2">
+                <a:lumMod val="40000"/>
+                <a:lumOff val="60000"/>
+                <a:alpha val="40000"/>
+              </a:schemeClr>
+            </a:solidFill>
+          </a:ln>
+        </p:spPr>
+        <p:style>
+          <a:lnRef idx="2">
+            <a:schemeClr val="accent1"/>
+          </a:lnRef>
+          <a:fillRef idx="0">
+            <a:schemeClr val="accent1"/>
+          </a:fillRef>
+          <a:effectRef idx="1">
+            <a:schemeClr val="accent1"/>
+          </a:effectRef>
+          <a:fontRef idx="minor">
+            <a:schemeClr val="tx1"/>
+          </a:fontRef>
+        </p:style>
+      </p:cxnSp>
+      <p:cxnSp>
+        <p:nvCxnSpPr>
+          <p:cNvPr id="20" name="Straight Connector 19"/>
+          <p:cNvCxnSpPr/>
+          <p:nvPr/>
+        </p:nvCxnSpPr>
+        <p:spPr>
+          <a:xfrm>
+            <a:off x="6962227" y="2133600"/>
+            <a:ext cx="0" cy="3966882"/>
+          </a:xfrm>
+          <a:prstGeom prst="line">
+            <a:avLst/>
+          </a:prstGeom>
+          <a:ln w="12700" cmpd="sng">
+            <a:solidFill>
+              <a:schemeClr val="bg2">
+                <a:lumMod val="40000"/>
+                <a:lumOff val="60000"/>
+                <a:alpha val="40000"/>
+              </a:schemeClr>
+            </a:solidFill>
+          </a:ln>
+        </p:spPr>
+        <p:style>
+          <a:lnRef idx="2">
+            <a:schemeClr val="accent1"/>
+          </a:lnRef>
+          <a:fillRef idx="0">
+            <a:schemeClr val="accent1"/>
+          </a:fillRef>
+          <a:effectRef idx="1">
+            <a:schemeClr val="accent1"/>
+          </a:effectRef>
+          <a:fontRef idx="minor">
+            <a:schemeClr val="tx1"/>
+          </a:fontRef>
+        </p:style>
+      </p:cxnSp>
+      <p:sp>
+        <p:nvSpPr>
+          <p:cNvPr id="7" name="Date Placeholder 3"/>
+          <p:cNvSpPr>
+            <a:spLocks noGrp="1"/>
+          </p:cNvSpPr>
+          <p:nvPr>
+            <p:ph type="dt" sz="half" idx="10"/>
+          </p:nvPr>
+        </p:nvSpPr>
+        <p:spPr/>
+        <p:txBody>
+          <a:bodyPr/>
+          <a:lstStyle/>
+          <a:p>
+            <a:fld id="{AED1D2E7-AC9D-42CB-81DF-0C53EE097FA4}" type="datetimeFigureOut">
+              <a:rPr lang="en-US" smtClean="0"/>
+              <a:t>4/9/2018</a:t>
+            </a:fld>
+            <a:endParaRPr lang="en-US"/>
+          </a:p>
+        </p:txBody>
+      </p:sp>
+      <p:sp>
+        <p:nvSpPr>
+          <p:cNvPr id="4" name="Footer Placeholder 4"/>
+          <p:cNvSpPr>
+            <a:spLocks noGrp="1"/>
+          </p:cNvSpPr>
+          <p:nvPr>
+            <p:ph type="ftr" sz="quarter" idx="11"/>
+          </p:nvPr>
+        </p:nvSpPr>
+        <p:spPr/>
+        <p:txBody>
+          <a:bodyPr/>
+          <a:lstStyle/>
+          <a:p>
+            <a:endParaRPr lang="en-US"/>
+          </a:p>
+        </p:txBody>
+      </p:sp>
+      <p:sp>
+        <p:nvSpPr>
+          <p:cNvPr id="6" name="Slide Number Placeholder 5"/>
+          <p:cNvSpPr>
+            <a:spLocks noGrp="1"/>
+          </p:cNvSpPr>
+          <p:nvPr>
+            <p:ph type="sldNum" sz="quarter" idx="12"/>
+          </p:nvPr>
+        </p:nvSpPr>
+        <p:spPr/>
+        <p:txBody>
+          <a:bodyPr/>
+          <a:lstStyle/>
+          <a:p>
+            <a:fld id="{11B37FE4-AD18-4CE5-AF60-8B1E60BD4E57}" type="slidenum">
+              <a:rPr lang="en-US" smtClean="0"/>
+              <a:t>‹#›</a:t>
+            </a:fld>
+            <a:endParaRPr lang="en-US"/>
+          </a:p>
+        </p:txBody>
+      </p:sp>
+    </p:spTree>
+    <p:extLst>
+      <p:ext uri="{BB962C8B-B14F-4D97-AF65-F5344CB8AC3E}">
+        <p14:creationId xmlns:p14="http://schemas.microsoft.com/office/powerpoint/2010/main" val="287832687"/>
+      </p:ext>
+    </p:extLst>
+  </p:cSld>
+  <p:clrMapOvr>
+    <a:masterClrMapping/>
+  </p:clrMapOvr>
+</p:sldLayout>
+</file>
+
+<file path=ppt/slideLayouts/slideLayout16.xml><?xml version="1.0" encoding="utf-8"?>
 <p:sldLayout xmlns:a="http://schemas.openxmlformats.org/drawingml/2006/main" xmlns:r="http://schemas.openxmlformats.org/officeDocument/2006/relationships" xmlns:p="http://schemas.openxmlformats.org/presentationml/2006/main" type="vertTx" preserve="1">
   <p:cSld name="Title and Vertical Text">
     <p:spTree>
@@ -348,13 +2958,7 @@
       </p:grpSpPr>
       <p:sp>
         <p:nvSpPr>
-          <p:cNvPr id="2" name="Title 1">
-            <a:extLst>
-              <a:ext uri="{FF2B5EF4-FFF2-40B4-BE49-F238E27FC236}">
-                <a16:creationId xmlns:a16="http://schemas.microsoft.com/office/drawing/2014/main" id="{2699F618-84FC-48BE-B1EC-6AC48D0602EB}"/>
-              </a:ext>
-            </a:extLst>
-          </p:cNvPr>
+          <p:cNvPr id="2" name="Title 1"/>
           <p:cNvSpPr>
             <a:spLocks noGrp="1"/>
           </p:cNvSpPr>
@@ -371,18 +2975,13 @@
               <a:rPr lang="en-US"/>
               <a:t>Click to edit Master title style</a:t>
             </a:r>
-          </a:p>
-        </p:txBody>
-      </p:sp>
-      <p:sp>
-        <p:nvSpPr>
-          <p:cNvPr id="3" name="Vertical Text Placeholder 2">
-            <a:extLst>
-              <a:ext uri="{FF2B5EF4-FFF2-40B4-BE49-F238E27FC236}">
-                <a16:creationId xmlns:a16="http://schemas.microsoft.com/office/drawing/2014/main" id="{8DDA7CBD-767A-4AC4-948E-84987D0CE845}"/>
-              </a:ext>
-            </a:extLst>
-          </p:cNvPr>
+            <a:endParaRPr lang="en-US" dirty="0"/>
+          </a:p>
+        </p:txBody>
+      </p:sp>
+      <p:sp>
+        <p:nvSpPr>
+          <p:cNvPr id="3" name="Vertical Text Placeholder 2"/>
           <p:cNvSpPr>
             <a:spLocks noGrp="1"/>
           </p:cNvSpPr>
@@ -392,7 +2991,7 @@
         </p:nvSpPr>
         <p:spPr/>
         <p:txBody>
-          <a:bodyPr vert="eaVert"/>
+          <a:bodyPr vert="eaVert" anchor="t" anchorCtr="0"/>
           <a:lstStyle/>
           <a:p>
             <a:pPr lvl="0"/>
@@ -428,18 +3027,13 @@
               <a:rPr lang="en-US"/>
               <a:t>Fifth level</a:t>
             </a:r>
-          </a:p>
-        </p:txBody>
-      </p:sp>
-      <p:sp>
-        <p:nvSpPr>
-          <p:cNvPr id="4" name="Date Placeholder 3">
-            <a:extLst>
-              <a:ext uri="{FF2B5EF4-FFF2-40B4-BE49-F238E27FC236}">
-                <a16:creationId xmlns:a16="http://schemas.microsoft.com/office/drawing/2014/main" id="{17DCE500-5914-40A0-AF0E-D19326210283}"/>
-              </a:ext>
-            </a:extLst>
-          </p:cNvPr>
+            <a:endParaRPr lang="en-US" dirty="0"/>
+          </a:p>
+        </p:txBody>
+      </p:sp>
+      <p:sp>
+        <p:nvSpPr>
+          <p:cNvPr id="4" name="Date Placeholder 3"/>
           <p:cNvSpPr>
             <a:spLocks noGrp="1"/>
           </p:cNvSpPr>
@@ -454,7 +3048,7 @@
           <a:p>
             <a:fld id="{AED1D2E7-AC9D-42CB-81DF-0C53EE097FA4}" type="datetimeFigureOut">
               <a:rPr lang="en-US" smtClean="0"/>
-              <a:t>2/26/2018</a:t>
+              <a:t>4/9/2018</a:t>
             </a:fld>
             <a:endParaRPr lang="en-US"/>
           </a:p>
@@ -462,13 +3056,7 @@
       </p:sp>
       <p:sp>
         <p:nvSpPr>
-          <p:cNvPr id="5" name="Footer Placeholder 4">
-            <a:extLst>
-              <a:ext uri="{FF2B5EF4-FFF2-40B4-BE49-F238E27FC236}">
-                <a16:creationId xmlns:a16="http://schemas.microsoft.com/office/drawing/2014/main" id="{1393885C-F984-4C87-82BA-F9C6FC2B2A4D}"/>
-              </a:ext>
-            </a:extLst>
-          </p:cNvPr>
+          <p:cNvPr id="5" name="Footer Placeholder 4"/>
           <p:cNvSpPr>
             <a:spLocks noGrp="1"/>
           </p:cNvSpPr>
@@ -487,13 +3075,7 @@
       </p:sp>
       <p:sp>
         <p:nvSpPr>
-          <p:cNvPr id="6" name="Slide Number Placeholder 5">
-            <a:extLst>
-              <a:ext uri="{FF2B5EF4-FFF2-40B4-BE49-F238E27FC236}">
-                <a16:creationId xmlns:a16="http://schemas.microsoft.com/office/drawing/2014/main" id="{F99F1781-F9FC-4C37-91FA-7F6A942F5EF7}"/>
-              </a:ext>
-            </a:extLst>
-          </p:cNvPr>
+          <p:cNvPr id="6" name="Slide Number Placeholder 5"/>
           <p:cNvSpPr>
             <a:spLocks noGrp="1"/>
           </p:cNvSpPr>
@@ -517,7 +3099,7 @@
     </p:spTree>
     <p:extLst>
       <p:ext uri="{BB962C8B-B14F-4D97-AF65-F5344CB8AC3E}">
-        <p14:creationId xmlns:p14="http://schemas.microsoft.com/office/powerpoint/2010/main" val="1090227420"/>
+        <p14:creationId xmlns:p14="http://schemas.microsoft.com/office/powerpoint/2010/main" val="2275707260"/>
       </p:ext>
     </p:extLst>
   </p:cSld>
@@ -527,7 +3109,7 @@
 </p:sldLayout>
 </file>
 
-<file path=ppt/slideLayouts/slideLayout11.xml><?xml version="1.0" encoding="utf-8"?>
+<file path=ppt/slideLayouts/slideLayout17.xml><?xml version="1.0" encoding="utf-8"?>
 <p:sldLayout xmlns:a="http://schemas.openxmlformats.org/drawingml/2006/main" xmlns:r="http://schemas.openxmlformats.org/officeDocument/2006/relationships" xmlns:p="http://schemas.openxmlformats.org/presentationml/2006/main" type="vertTitleAndTx" preserve="1">
   <p:cSld name="Vertical Title and Text">
     <p:spTree>
@@ -546,13 +3128,7 @@
       </p:grpSpPr>
       <p:sp>
         <p:nvSpPr>
-          <p:cNvPr id="2" name="Vertical Title 1">
-            <a:extLst>
-              <a:ext uri="{FF2B5EF4-FFF2-40B4-BE49-F238E27FC236}">
-                <a16:creationId xmlns:a16="http://schemas.microsoft.com/office/drawing/2014/main" id="{C0D6170C-F3ED-4693-8138-CA099C605468}"/>
-              </a:ext>
-            </a:extLst>
-          </p:cNvPr>
+          <p:cNvPr id="2" name="Vertical Title 1"/>
           <p:cNvSpPr>
             <a:spLocks noGrp="1"/>
           </p:cNvSpPr>
@@ -562,30 +3138,25 @@
         </p:nvSpPr>
         <p:spPr>
           <a:xfrm>
-            <a:off x="8724900" y="365125"/>
-            <a:ext cx="2628900" cy="5811838"/>
+            <a:off x="8304212" y="430213"/>
+            <a:ext cx="1752601" cy="5826125"/>
           </a:xfrm>
         </p:spPr>
         <p:txBody>
-          <a:bodyPr vert="eaVert"/>
+          <a:bodyPr vert="eaVert" anchor="b" anchorCtr="0"/>
           <a:lstStyle/>
           <a:p>
             <a:r>
               <a:rPr lang="en-US"/>
               <a:t>Click to edit Master title style</a:t>
             </a:r>
-          </a:p>
-        </p:txBody>
-      </p:sp>
-      <p:sp>
-        <p:nvSpPr>
-          <p:cNvPr id="3" name="Vertical Text Placeholder 2">
-            <a:extLst>
-              <a:ext uri="{FF2B5EF4-FFF2-40B4-BE49-F238E27FC236}">
-                <a16:creationId xmlns:a16="http://schemas.microsoft.com/office/drawing/2014/main" id="{6D2C2888-2872-4D6F-9A8B-47C215D27AD3}"/>
-              </a:ext>
-            </a:extLst>
-          </p:cNvPr>
+            <a:endParaRPr lang="en-US" dirty="0"/>
+          </a:p>
+        </p:txBody>
+      </p:sp>
+      <p:sp>
+        <p:nvSpPr>
+          <p:cNvPr id="3" name="Vertical Text Placeholder 2"/>
           <p:cNvSpPr>
             <a:spLocks noGrp="1"/>
           </p:cNvSpPr>
@@ -595,8 +3166,8 @@
         </p:nvSpPr>
         <p:spPr>
           <a:xfrm>
-            <a:off x="838200" y="365125"/>
-            <a:ext cx="7734300" cy="5811838"/>
+            <a:off x="652463" y="887414"/>
+            <a:ext cx="7423149" cy="5368924"/>
           </a:xfrm>
         </p:spPr>
         <p:txBody>
@@ -636,18 +3207,13 @@
               <a:rPr lang="en-US"/>
               <a:t>Fifth level</a:t>
             </a:r>
-          </a:p>
-        </p:txBody>
-      </p:sp>
-      <p:sp>
-        <p:nvSpPr>
-          <p:cNvPr id="4" name="Date Placeholder 3">
-            <a:extLst>
-              <a:ext uri="{FF2B5EF4-FFF2-40B4-BE49-F238E27FC236}">
-                <a16:creationId xmlns:a16="http://schemas.microsoft.com/office/drawing/2014/main" id="{799F932B-2543-496A-8A78-B9FCD8FC726A}"/>
-              </a:ext>
-            </a:extLst>
-          </p:cNvPr>
+            <a:endParaRPr lang="en-US" dirty="0"/>
+          </a:p>
+        </p:txBody>
+      </p:sp>
+      <p:sp>
+        <p:nvSpPr>
+          <p:cNvPr id="4" name="Date Placeholder 3"/>
           <p:cNvSpPr>
             <a:spLocks noGrp="1"/>
           </p:cNvSpPr>
@@ -662,7 +3228,7 @@
           <a:p>
             <a:fld id="{AED1D2E7-AC9D-42CB-81DF-0C53EE097FA4}" type="datetimeFigureOut">
               <a:rPr lang="en-US" smtClean="0"/>
-              <a:t>2/26/2018</a:t>
+              <a:t>4/9/2018</a:t>
             </a:fld>
             <a:endParaRPr lang="en-US"/>
           </a:p>
@@ -670,13 +3236,7 @@
       </p:sp>
       <p:sp>
         <p:nvSpPr>
-          <p:cNvPr id="5" name="Footer Placeholder 4">
-            <a:extLst>
-              <a:ext uri="{FF2B5EF4-FFF2-40B4-BE49-F238E27FC236}">
-                <a16:creationId xmlns:a16="http://schemas.microsoft.com/office/drawing/2014/main" id="{FBAE0B8B-BA0F-435B-8F5E-72AA9FA5F81D}"/>
-              </a:ext>
-            </a:extLst>
-          </p:cNvPr>
+          <p:cNvPr id="5" name="Footer Placeholder 4"/>
           <p:cNvSpPr>
             <a:spLocks noGrp="1"/>
           </p:cNvSpPr>
@@ -695,13 +3255,7 @@
       </p:sp>
       <p:sp>
         <p:nvSpPr>
-          <p:cNvPr id="6" name="Slide Number Placeholder 5">
-            <a:extLst>
-              <a:ext uri="{FF2B5EF4-FFF2-40B4-BE49-F238E27FC236}">
-                <a16:creationId xmlns:a16="http://schemas.microsoft.com/office/drawing/2014/main" id="{A01B50BD-C611-40CB-9E39-ADF8EA461A05}"/>
-              </a:ext>
-            </a:extLst>
-          </p:cNvPr>
+          <p:cNvPr id="6" name="Slide Number Placeholder 5"/>
           <p:cNvSpPr>
             <a:spLocks noGrp="1"/>
           </p:cNvSpPr>
@@ -725,7 +3279,7 @@
     </p:spTree>
     <p:extLst>
       <p:ext uri="{BB962C8B-B14F-4D97-AF65-F5344CB8AC3E}">
-        <p14:creationId xmlns:p14="http://schemas.microsoft.com/office/powerpoint/2010/main" val="1194152932"/>
+        <p14:creationId xmlns:p14="http://schemas.microsoft.com/office/powerpoint/2010/main" val="2533896773"/>
       </p:ext>
     </p:extLst>
   </p:cSld>
@@ -754,13 +3308,7 @@
       </p:grpSpPr>
       <p:sp>
         <p:nvSpPr>
-          <p:cNvPr id="2" name="Title 1">
-            <a:extLst>
-              <a:ext uri="{FF2B5EF4-FFF2-40B4-BE49-F238E27FC236}">
-                <a16:creationId xmlns:a16="http://schemas.microsoft.com/office/drawing/2014/main" id="{4C240E3E-A9A4-4FA9-AF03-058FB0ABD852}"/>
-              </a:ext>
-            </a:extLst>
-          </p:cNvPr>
+          <p:cNvPr id="2" name="Title 1"/>
           <p:cNvSpPr>
             <a:spLocks noGrp="1"/>
           </p:cNvSpPr>
@@ -777,18 +3325,13 @@
               <a:rPr lang="en-US"/>
               <a:t>Click to edit Master title style</a:t>
             </a:r>
-          </a:p>
-        </p:txBody>
-      </p:sp>
-      <p:sp>
-        <p:nvSpPr>
-          <p:cNvPr id="3" name="Content Placeholder 2">
-            <a:extLst>
-              <a:ext uri="{FF2B5EF4-FFF2-40B4-BE49-F238E27FC236}">
-                <a16:creationId xmlns:a16="http://schemas.microsoft.com/office/drawing/2014/main" id="{775893C3-9EA8-4B20-B1DB-2B5B04412907}"/>
-              </a:ext>
-            </a:extLst>
-          </p:cNvPr>
+            <a:endParaRPr lang="en-US" dirty="0"/>
+          </a:p>
+        </p:txBody>
+      </p:sp>
+      <p:sp>
+        <p:nvSpPr>
+          <p:cNvPr id="3" name="Content Placeholder 2"/>
           <p:cNvSpPr>
             <a:spLocks noGrp="1"/>
           </p:cNvSpPr>
@@ -834,18 +3377,13 @@
               <a:rPr lang="en-US"/>
               <a:t>Fifth level</a:t>
             </a:r>
-          </a:p>
-        </p:txBody>
-      </p:sp>
-      <p:sp>
-        <p:nvSpPr>
-          <p:cNvPr id="4" name="Date Placeholder 3">
-            <a:extLst>
-              <a:ext uri="{FF2B5EF4-FFF2-40B4-BE49-F238E27FC236}">
-                <a16:creationId xmlns:a16="http://schemas.microsoft.com/office/drawing/2014/main" id="{7B54E6EB-E752-44EF-8D64-0C0CACFBC5F4}"/>
-              </a:ext>
-            </a:extLst>
-          </p:cNvPr>
+            <a:endParaRPr lang="en-US" dirty="0"/>
+          </a:p>
+        </p:txBody>
+      </p:sp>
+      <p:sp>
+        <p:nvSpPr>
+          <p:cNvPr id="7" name="Date Placeholder 3"/>
           <p:cNvSpPr>
             <a:spLocks noGrp="1"/>
           </p:cNvSpPr>
@@ -860,7 +3398,7 @@
           <a:p>
             <a:fld id="{AED1D2E7-AC9D-42CB-81DF-0C53EE097FA4}" type="datetimeFigureOut">
               <a:rPr lang="en-US" smtClean="0"/>
-              <a:t>2/26/2018</a:t>
+              <a:t>4/9/2018</a:t>
             </a:fld>
             <a:endParaRPr lang="en-US"/>
           </a:p>
@@ -868,13 +3406,7 @@
       </p:sp>
       <p:sp>
         <p:nvSpPr>
-          <p:cNvPr id="5" name="Footer Placeholder 4">
-            <a:extLst>
-              <a:ext uri="{FF2B5EF4-FFF2-40B4-BE49-F238E27FC236}">
-                <a16:creationId xmlns:a16="http://schemas.microsoft.com/office/drawing/2014/main" id="{1765EAAD-C3C4-4FA1-BFD8-D735353F37A7}"/>
-              </a:ext>
-            </a:extLst>
-          </p:cNvPr>
+          <p:cNvPr id="5" name="Footer Placeholder 4"/>
           <p:cNvSpPr>
             <a:spLocks noGrp="1"/>
           </p:cNvSpPr>
@@ -893,13 +3425,7 @@
       </p:sp>
       <p:sp>
         <p:nvSpPr>
-          <p:cNvPr id="6" name="Slide Number Placeholder 5">
-            <a:extLst>
-              <a:ext uri="{FF2B5EF4-FFF2-40B4-BE49-F238E27FC236}">
-                <a16:creationId xmlns:a16="http://schemas.microsoft.com/office/drawing/2014/main" id="{21D15EB6-44CC-4CD8-8895-DFB291398402}"/>
-              </a:ext>
-            </a:extLst>
-          </p:cNvPr>
+          <p:cNvPr id="6" name="Slide Number Placeholder 5"/>
           <p:cNvSpPr>
             <a:spLocks noGrp="1"/>
           </p:cNvSpPr>
@@ -923,7 +3449,7 @@
     </p:spTree>
     <p:extLst>
       <p:ext uri="{BB962C8B-B14F-4D97-AF65-F5344CB8AC3E}">
-        <p14:creationId xmlns:p14="http://schemas.microsoft.com/office/powerpoint/2010/main" val="122974659"/>
+        <p14:creationId xmlns:p14="http://schemas.microsoft.com/office/powerpoint/2010/main" val="829917054"/>
       </p:ext>
     </p:extLst>
   </p:cSld>
@@ -952,13 +3478,7 @@
       </p:grpSpPr>
       <p:sp>
         <p:nvSpPr>
-          <p:cNvPr id="2" name="Title 1">
-            <a:extLst>
-              <a:ext uri="{FF2B5EF4-FFF2-40B4-BE49-F238E27FC236}">
-                <a16:creationId xmlns:a16="http://schemas.microsoft.com/office/drawing/2014/main" id="{86CF7560-FC11-4761-A6E4-8C8DBD4898D1}"/>
-              </a:ext>
-            </a:extLst>
-          </p:cNvPr>
+          <p:cNvPr id="2" name="Title 1"/>
           <p:cNvSpPr>
             <a:spLocks noGrp="1"/>
           </p:cNvSpPr>
@@ -968,15 +3488,15 @@
         </p:nvSpPr>
         <p:spPr>
           <a:xfrm>
-            <a:off x="831850" y="1709738"/>
-            <a:ext cx="10515600" cy="2852737"/>
+            <a:off x="1154956" y="2861733"/>
+            <a:ext cx="8825657" cy="1915647"/>
           </a:xfrm>
         </p:spPr>
         <p:txBody>
           <a:bodyPr anchor="b"/>
           <a:lstStyle>
-            <a:lvl1pPr>
-              <a:defRPr sz="6000"/>
+            <a:lvl1pPr algn="l">
+              <a:defRPr sz="4000" b="0" cap="none"/>
             </a:lvl1pPr>
           </a:lstStyle>
           <a:p>
@@ -984,18 +3504,13 @@
               <a:rPr lang="en-US"/>
               <a:t>Click to edit Master title style</a:t>
             </a:r>
-          </a:p>
-        </p:txBody>
-      </p:sp>
-      <p:sp>
-        <p:nvSpPr>
-          <p:cNvPr id="3" name="Text Placeholder 2">
-            <a:extLst>
-              <a:ext uri="{FF2B5EF4-FFF2-40B4-BE49-F238E27FC236}">
-                <a16:creationId xmlns:a16="http://schemas.microsoft.com/office/drawing/2014/main" id="{6854B161-6FF9-4984-84FB-4D2ED9F61128}"/>
-              </a:ext>
-            </a:extLst>
-          </p:cNvPr>
+            <a:endParaRPr lang="en-US" dirty="0"/>
+          </a:p>
+        </p:txBody>
+      </p:sp>
+      <p:sp>
+        <p:nvSpPr>
+          <p:cNvPr id="3" name="Text Placeholder 2"/>
           <p:cNvSpPr>
             <a:spLocks noGrp="1"/>
           </p:cNvSpPr>
@@ -1005,26 +3520,27 @@
         </p:nvSpPr>
         <p:spPr>
           <a:xfrm>
-            <a:off x="831850" y="4589463"/>
-            <a:ext cx="10515600" cy="1500187"/>
+            <a:off x="1154955" y="4777381"/>
+            <a:ext cx="8825658" cy="860400"/>
           </a:xfrm>
         </p:spPr>
         <p:txBody>
-          <a:bodyPr/>
+          <a:bodyPr anchor="t"/>
           <a:lstStyle>
-            <a:lvl1pPr marL="0" indent="0">
-              <a:buNone/>
-              <a:defRPr sz="2400">
+            <a:lvl1pPr marL="0" indent="0" algn="l">
+              <a:buNone/>
+              <a:defRPr sz="2000" cap="all">
                 <a:solidFill>
-                  <a:schemeClr val="tx1">
-                    <a:tint val="75000"/>
+                  <a:schemeClr val="bg2">
+                    <a:lumMod val="40000"/>
+                    <a:lumOff val="60000"/>
                   </a:schemeClr>
                 </a:solidFill>
               </a:defRPr>
             </a:lvl1pPr>
             <a:lvl2pPr marL="457200" indent="0">
               <a:buNone/>
-              <a:defRPr sz="2000">
+              <a:defRPr sz="1800">
                 <a:solidFill>
                   <a:schemeClr val="tx1">
                     <a:tint val="75000"/>
@@ -1034,7 +3550,7 @@
             </a:lvl2pPr>
             <a:lvl3pPr marL="914400" indent="0">
               <a:buNone/>
-              <a:defRPr sz="1800">
+              <a:defRPr sz="1600">
                 <a:solidFill>
                   <a:schemeClr val="tx1">
                     <a:tint val="75000"/>
@@ -1044,7 +3560,7 @@
             </a:lvl3pPr>
             <a:lvl4pPr marL="1371600" indent="0">
               <a:buNone/>
-              <a:defRPr sz="1600">
+              <a:defRPr sz="1400">
                 <a:solidFill>
                   <a:schemeClr val="tx1">
                     <a:tint val="75000"/>
@@ -1054,7 +3570,7 @@
             </a:lvl4pPr>
             <a:lvl5pPr marL="1828800" indent="0">
               <a:buNone/>
-              <a:defRPr sz="1600">
+              <a:defRPr sz="1400">
                 <a:solidFill>
                   <a:schemeClr val="tx1">
                     <a:tint val="75000"/>
@@ -1064,7 +3580,7 @@
             </a:lvl5pPr>
             <a:lvl6pPr marL="2286000" indent="0">
               <a:buNone/>
-              <a:defRPr sz="1600">
+              <a:defRPr sz="1400">
                 <a:solidFill>
                   <a:schemeClr val="tx1">
                     <a:tint val="75000"/>
@@ -1074,7 +3590,7 @@
             </a:lvl6pPr>
             <a:lvl7pPr marL="2743200" indent="0">
               <a:buNone/>
-              <a:defRPr sz="1600">
+              <a:defRPr sz="1400">
                 <a:solidFill>
                   <a:schemeClr val="tx1">
                     <a:tint val="75000"/>
@@ -1084,7 +3600,7 @@
             </a:lvl7pPr>
             <a:lvl8pPr marL="3200400" indent="0">
               <a:buNone/>
-              <a:defRPr sz="1600">
+              <a:defRPr sz="1400">
                 <a:solidFill>
                   <a:schemeClr val="tx1">
                     <a:tint val="75000"/>
@@ -1094,7 +3610,7 @@
             </a:lvl8pPr>
             <a:lvl9pPr marL="3657600" indent="0">
               <a:buNone/>
-              <a:defRPr sz="1600">
+              <a:defRPr sz="1400">
                 <a:solidFill>
                   <a:schemeClr val="tx1">
                     <a:tint val="75000"/>
@@ -1114,13 +3630,7 @@
       </p:sp>
       <p:sp>
         <p:nvSpPr>
-          <p:cNvPr id="4" name="Date Placeholder 3">
-            <a:extLst>
-              <a:ext uri="{FF2B5EF4-FFF2-40B4-BE49-F238E27FC236}">
-                <a16:creationId xmlns:a16="http://schemas.microsoft.com/office/drawing/2014/main" id="{8E767020-4A6F-4C52-BC1F-D04A14B21122}"/>
-              </a:ext>
-            </a:extLst>
-          </p:cNvPr>
+          <p:cNvPr id="4" name="Date Placeholder 3"/>
           <p:cNvSpPr>
             <a:spLocks noGrp="1"/>
           </p:cNvSpPr>
@@ -1135,7 +3645,7 @@
           <a:p>
             <a:fld id="{AED1D2E7-AC9D-42CB-81DF-0C53EE097FA4}" type="datetimeFigureOut">
               <a:rPr lang="en-US" smtClean="0"/>
-              <a:t>2/26/2018</a:t>
+              <a:t>4/9/2018</a:t>
             </a:fld>
             <a:endParaRPr lang="en-US"/>
           </a:p>
@@ -1143,13 +3653,7 @@
       </p:sp>
       <p:sp>
         <p:nvSpPr>
-          <p:cNvPr id="5" name="Footer Placeholder 4">
-            <a:extLst>
-              <a:ext uri="{FF2B5EF4-FFF2-40B4-BE49-F238E27FC236}">
-                <a16:creationId xmlns:a16="http://schemas.microsoft.com/office/drawing/2014/main" id="{F65F6C53-6ED3-4C2E-8747-45D9C24910CA}"/>
-              </a:ext>
-            </a:extLst>
-          </p:cNvPr>
+          <p:cNvPr id="5" name="Footer Placeholder 4"/>
           <p:cNvSpPr>
             <a:spLocks noGrp="1"/>
           </p:cNvSpPr>
@@ -1168,13 +3672,7 @@
       </p:sp>
       <p:sp>
         <p:nvSpPr>
-          <p:cNvPr id="6" name="Slide Number Placeholder 5">
-            <a:extLst>
-              <a:ext uri="{FF2B5EF4-FFF2-40B4-BE49-F238E27FC236}">
-                <a16:creationId xmlns:a16="http://schemas.microsoft.com/office/drawing/2014/main" id="{1AA1832E-764D-4379-97E0-1AE159391B7E}"/>
-              </a:ext>
-            </a:extLst>
-          </p:cNvPr>
+          <p:cNvPr id="6" name="Slide Number Placeholder 5"/>
           <p:cNvSpPr>
             <a:spLocks noGrp="1"/>
           </p:cNvSpPr>
@@ -1198,7 +3696,7 @@
     </p:spTree>
     <p:extLst>
       <p:ext uri="{BB962C8B-B14F-4D97-AF65-F5344CB8AC3E}">
-        <p14:creationId xmlns:p14="http://schemas.microsoft.com/office/powerpoint/2010/main" val="579779691"/>
+        <p14:creationId xmlns:p14="http://schemas.microsoft.com/office/powerpoint/2010/main" val="3992524374"/>
       </p:ext>
     </p:extLst>
   </p:cSld>
@@ -1227,13 +3725,7 @@
       </p:grpSpPr>
       <p:sp>
         <p:nvSpPr>
-          <p:cNvPr id="2" name="Title 1">
-            <a:extLst>
-              <a:ext uri="{FF2B5EF4-FFF2-40B4-BE49-F238E27FC236}">
-                <a16:creationId xmlns:a16="http://schemas.microsoft.com/office/drawing/2014/main" id="{434F02D0-6D3F-4A2A-86E0-C9F440DA6429}"/>
-              </a:ext>
-            </a:extLst>
-          </p:cNvPr>
+          <p:cNvPr id="2" name="Title 1"/>
           <p:cNvSpPr>
             <a:spLocks noGrp="1"/>
           </p:cNvSpPr>
@@ -1250,18 +3742,13 @@
               <a:rPr lang="en-US"/>
               <a:t>Click to edit Master title style</a:t>
             </a:r>
-          </a:p>
-        </p:txBody>
-      </p:sp>
-      <p:sp>
-        <p:nvSpPr>
-          <p:cNvPr id="3" name="Content Placeholder 2">
-            <a:extLst>
-              <a:ext uri="{FF2B5EF4-FFF2-40B4-BE49-F238E27FC236}">
-                <a16:creationId xmlns:a16="http://schemas.microsoft.com/office/drawing/2014/main" id="{94416C57-5BCC-441B-8E2A-2BE3A1BA4874}"/>
-              </a:ext>
-            </a:extLst>
-          </p:cNvPr>
+            <a:endParaRPr lang="en-US" dirty="0"/>
+          </a:p>
+        </p:txBody>
+      </p:sp>
+      <p:sp>
+        <p:nvSpPr>
+          <p:cNvPr id="3" name="Content Placeholder 2"/>
           <p:cNvSpPr>
             <a:spLocks noGrp="1"/>
           </p:cNvSpPr>
@@ -1271,13 +3758,43 @@
         </p:nvSpPr>
         <p:spPr>
           <a:xfrm>
-            <a:off x="838200" y="1825625"/>
-            <a:ext cx="5181600" cy="4351338"/>
+            <a:off x="1103312" y="2060575"/>
+            <a:ext cx="4396339" cy="4195763"/>
           </a:xfrm>
         </p:spPr>
         <p:txBody>
-          <a:bodyPr/>
-          <a:lstStyle/>
+          <a:bodyPr>
+            <a:normAutofit/>
+          </a:bodyPr>
+          <a:lstStyle>
+            <a:lvl1pPr>
+              <a:defRPr sz="1800"/>
+            </a:lvl1pPr>
+            <a:lvl2pPr>
+              <a:defRPr sz="1600"/>
+            </a:lvl2pPr>
+            <a:lvl3pPr>
+              <a:defRPr sz="1400"/>
+            </a:lvl3pPr>
+            <a:lvl4pPr>
+              <a:defRPr sz="1200"/>
+            </a:lvl4pPr>
+            <a:lvl5pPr>
+              <a:defRPr sz="1200"/>
+            </a:lvl5pPr>
+            <a:lvl6pPr>
+              <a:defRPr sz="1200"/>
+            </a:lvl6pPr>
+            <a:lvl7pPr>
+              <a:defRPr sz="1200"/>
+            </a:lvl7pPr>
+            <a:lvl8pPr>
+              <a:defRPr sz="1200"/>
+            </a:lvl8pPr>
+            <a:lvl9pPr>
+              <a:defRPr sz="1200"/>
+            </a:lvl9pPr>
+          </a:lstStyle>
           <a:p>
             <a:pPr lvl="0"/>
             <a:r>
@@ -1312,18 +3829,13 @@
               <a:rPr lang="en-US"/>
               <a:t>Fifth level</a:t>
             </a:r>
-          </a:p>
-        </p:txBody>
-      </p:sp>
-      <p:sp>
-        <p:nvSpPr>
-          <p:cNvPr id="4" name="Content Placeholder 3">
-            <a:extLst>
-              <a:ext uri="{FF2B5EF4-FFF2-40B4-BE49-F238E27FC236}">
-                <a16:creationId xmlns:a16="http://schemas.microsoft.com/office/drawing/2014/main" id="{8F98D27C-5A92-4BE0-AEA7-EEBFB2CFFBEC}"/>
-              </a:ext>
-            </a:extLst>
-          </p:cNvPr>
+            <a:endParaRPr lang="en-US" dirty="0"/>
+          </a:p>
+        </p:txBody>
+      </p:sp>
+      <p:sp>
+        <p:nvSpPr>
+          <p:cNvPr id="4" name="Content Placeholder 3"/>
           <p:cNvSpPr>
             <a:spLocks noGrp="1"/>
           </p:cNvSpPr>
@@ -1333,13 +3845,43 @@
         </p:nvSpPr>
         <p:spPr>
           <a:xfrm>
-            <a:off x="6172200" y="1825625"/>
-            <a:ext cx="5181600" cy="4351338"/>
+            <a:off x="5654493" y="2056092"/>
+            <a:ext cx="4396341" cy="4200245"/>
           </a:xfrm>
         </p:spPr>
         <p:txBody>
-          <a:bodyPr/>
-          <a:lstStyle/>
+          <a:bodyPr>
+            <a:normAutofit/>
+          </a:bodyPr>
+          <a:lstStyle>
+            <a:lvl1pPr>
+              <a:defRPr sz="1800"/>
+            </a:lvl1pPr>
+            <a:lvl2pPr>
+              <a:defRPr sz="1600"/>
+            </a:lvl2pPr>
+            <a:lvl3pPr>
+              <a:defRPr sz="1400"/>
+            </a:lvl3pPr>
+            <a:lvl4pPr>
+              <a:defRPr sz="1200"/>
+            </a:lvl4pPr>
+            <a:lvl5pPr>
+              <a:defRPr sz="1200"/>
+            </a:lvl5pPr>
+            <a:lvl6pPr>
+              <a:defRPr sz="1200"/>
+            </a:lvl6pPr>
+            <a:lvl7pPr>
+              <a:defRPr sz="1200"/>
+            </a:lvl7pPr>
+            <a:lvl8pPr>
+              <a:defRPr sz="1200"/>
+            </a:lvl8pPr>
+            <a:lvl9pPr>
+              <a:defRPr sz="1200"/>
+            </a:lvl9pPr>
+          </a:lstStyle>
           <a:p>
             <a:pPr lvl="0"/>
             <a:r>
@@ -1374,18 +3916,13 @@
               <a:rPr lang="en-US"/>
               <a:t>Fifth level</a:t>
             </a:r>
-          </a:p>
-        </p:txBody>
-      </p:sp>
-      <p:sp>
-        <p:nvSpPr>
-          <p:cNvPr id="5" name="Date Placeholder 4">
-            <a:extLst>
-              <a:ext uri="{FF2B5EF4-FFF2-40B4-BE49-F238E27FC236}">
-                <a16:creationId xmlns:a16="http://schemas.microsoft.com/office/drawing/2014/main" id="{C45D20A7-6074-4E6D-B47F-9079ED3C51AE}"/>
-              </a:ext>
-            </a:extLst>
-          </p:cNvPr>
+            <a:endParaRPr lang="en-US" dirty="0"/>
+          </a:p>
+        </p:txBody>
+      </p:sp>
+      <p:sp>
+        <p:nvSpPr>
+          <p:cNvPr id="5" name="Date Placeholder 4"/>
           <p:cNvSpPr>
             <a:spLocks noGrp="1"/>
           </p:cNvSpPr>
@@ -1400,7 +3937,7 @@
           <a:p>
             <a:fld id="{AED1D2E7-AC9D-42CB-81DF-0C53EE097FA4}" type="datetimeFigureOut">
               <a:rPr lang="en-US" smtClean="0"/>
-              <a:t>2/26/2018</a:t>
+              <a:t>4/9/2018</a:t>
             </a:fld>
             <a:endParaRPr lang="en-US"/>
           </a:p>
@@ -1408,13 +3945,7 @@
       </p:sp>
       <p:sp>
         <p:nvSpPr>
-          <p:cNvPr id="6" name="Footer Placeholder 5">
-            <a:extLst>
-              <a:ext uri="{FF2B5EF4-FFF2-40B4-BE49-F238E27FC236}">
-                <a16:creationId xmlns:a16="http://schemas.microsoft.com/office/drawing/2014/main" id="{218CBA66-B844-47BB-92EE-B2C26E0D4CC1}"/>
-              </a:ext>
-            </a:extLst>
-          </p:cNvPr>
+          <p:cNvPr id="6" name="Footer Placeholder 5"/>
           <p:cNvSpPr>
             <a:spLocks noGrp="1"/>
           </p:cNvSpPr>
@@ -1433,13 +3964,7 @@
       </p:sp>
       <p:sp>
         <p:nvSpPr>
-          <p:cNvPr id="7" name="Slide Number Placeholder 6">
-            <a:extLst>
-              <a:ext uri="{FF2B5EF4-FFF2-40B4-BE49-F238E27FC236}">
-                <a16:creationId xmlns:a16="http://schemas.microsoft.com/office/drawing/2014/main" id="{0DCE072E-4F57-47C8-81E4-C6C104F97D22}"/>
-              </a:ext>
-            </a:extLst>
-          </p:cNvPr>
+          <p:cNvPr id="7" name="Slide Number Placeholder 6"/>
           <p:cNvSpPr>
             <a:spLocks noGrp="1"/>
           </p:cNvSpPr>
@@ -1463,7 +3988,7 @@
     </p:spTree>
     <p:extLst>
       <p:ext uri="{BB962C8B-B14F-4D97-AF65-F5344CB8AC3E}">
-        <p14:creationId xmlns:p14="http://schemas.microsoft.com/office/powerpoint/2010/main" val="900480924"/>
+        <p14:creationId xmlns:p14="http://schemas.microsoft.com/office/powerpoint/2010/main" val="1087383846"/>
       </p:ext>
     </p:extLst>
   </p:cSld>
@@ -1492,65 +4017,62 @@
       </p:grpSpPr>
       <p:sp>
         <p:nvSpPr>
-          <p:cNvPr id="2" name="Title 1">
-            <a:extLst>
-              <a:ext uri="{FF2B5EF4-FFF2-40B4-BE49-F238E27FC236}">
-                <a16:creationId xmlns:a16="http://schemas.microsoft.com/office/drawing/2014/main" id="{C372C15D-C87C-4A8B-A247-E55E574FE58F}"/>
-              </a:ext>
-            </a:extLst>
-          </p:cNvPr>
+          <p:cNvPr id="2" name="Title 1"/>
           <p:cNvSpPr>
             <a:spLocks noGrp="1"/>
           </p:cNvSpPr>
           <p:nvPr>
             <p:ph type="title"/>
+          </p:nvPr>
+        </p:nvSpPr>
+        <p:spPr/>
+        <p:txBody>
+          <a:bodyPr/>
+          <a:lstStyle>
+            <a:lvl1pPr>
+              <a:defRPr/>
+            </a:lvl1pPr>
+          </a:lstStyle>
+          <a:p>
+            <a:r>
+              <a:rPr lang="en-US"/>
+              <a:t>Click to edit Master title style</a:t>
+            </a:r>
+            <a:endParaRPr lang="en-US" dirty="0"/>
+          </a:p>
+        </p:txBody>
+      </p:sp>
+      <p:sp>
+        <p:nvSpPr>
+          <p:cNvPr id="3" name="Text Placeholder 2"/>
+          <p:cNvSpPr>
+            <a:spLocks noGrp="1"/>
+          </p:cNvSpPr>
+          <p:nvPr>
+            <p:ph type="body" idx="1"/>
           </p:nvPr>
         </p:nvSpPr>
         <p:spPr>
           <a:xfrm>
-            <a:off x="839788" y="365125"/>
-            <a:ext cx="10515600" cy="1325563"/>
+            <a:off x="1103313" y="1905000"/>
+            <a:ext cx="4396338" cy="576262"/>
           </a:xfrm>
         </p:spPr>
         <p:txBody>
-          <a:bodyPr/>
-          <a:lstStyle/>
-          <a:p>
-            <a:r>
-              <a:rPr lang="en-US"/>
-              <a:t>Click to edit Master title style</a:t>
-            </a:r>
-          </a:p>
-        </p:txBody>
-      </p:sp>
-      <p:sp>
-        <p:nvSpPr>
-          <p:cNvPr id="3" name="Text Placeholder 2">
-            <a:extLst>
-              <a:ext uri="{FF2B5EF4-FFF2-40B4-BE49-F238E27FC236}">
-                <a16:creationId xmlns:a16="http://schemas.microsoft.com/office/drawing/2014/main" id="{7EDA647C-4EE8-44E1-A8EE-4B1BC633AA60}"/>
-              </a:ext>
-            </a:extLst>
-          </p:cNvPr>
-          <p:cNvSpPr>
-            <a:spLocks noGrp="1"/>
-          </p:cNvSpPr>
-          <p:nvPr>
-            <p:ph type="body" idx="1"/>
-          </p:nvPr>
-        </p:nvSpPr>
-        <p:spPr>
-          <a:xfrm>
-            <a:off x="839788" y="1681163"/>
-            <a:ext cx="5157787" cy="823912"/>
-          </a:xfrm>
-        </p:spPr>
-        <p:txBody>
-          <a:bodyPr anchor="b"/>
+          <a:bodyPr anchor="b">
+            <a:noAutofit/>
+          </a:bodyPr>
           <a:lstStyle>
             <a:lvl1pPr marL="0" indent="0">
               <a:buNone/>
-              <a:defRPr sz="2400" b="1"/>
+              <a:defRPr sz="2400" b="0">
+                <a:solidFill>
+                  <a:schemeClr val="bg2">
+                    <a:lumMod val="40000"/>
+                    <a:lumOff val="60000"/>
+                  </a:schemeClr>
+                </a:solidFill>
+              </a:defRPr>
             </a:lvl1pPr>
             <a:lvl2pPr marL="457200" indent="0">
               <a:buNone/>
@@ -1596,13 +4118,7 @@
       </p:sp>
       <p:sp>
         <p:nvSpPr>
-          <p:cNvPr id="4" name="Content Placeholder 3">
-            <a:extLst>
-              <a:ext uri="{FF2B5EF4-FFF2-40B4-BE49-F238E27FC236}">
-                <a16:creationId xmlns:a16="http://schemas.microsoft.com/office/drawing/2014/main" id="{26E59285-6FD4-4E5D-A483-DDEAEB6BE9E3}"/>
-              </a:ext>
-            </a:extLst>
-          </p:cNvPr>
+          <p:cNvPr id="4" name="Content Placeholder 3"/>
           <p:cNvSpPr>
             <a:spLocks noGrp="1"/>
           </p:cNvSpPr>
@@ -1612,13 +4128,43 @@
         </p:nvSpPr>
         <p:spPr>
           <a:xfrm>
-            <a:off x="839788" y="2505075"/>
-            <a:ext cx="5157787" cy="3684588"/>
+            <a:off x="1103312" y="2514600"/>
+            <a:ext cx="4396339" cy="3741738"/>
           </a:xfrm>
         </p:spPr>
         <p:txBody>
-          <a:bodyPr/>
-          <a:lstStyle/>
+          <a:bodyPr>
+            <a:normAutofit/>
+          </a:bodyPr>
+          <a:lstStyle>
+            <a:lvl1pPr>
+              <a:defRPr sz="1800"/>
+            </a:lvl1pPr>
+            <a:lvl2pPr>
+              <a:defRPr sz="1600"/>
+            </a:lvl2pPr>
+            <a:lvl3pPr>
+              <a:defRPr sz="1400"/>
+            </a:lvl3pPr>
+            <a:lvl4pPr>
+              <a:defRPr sz="1200"/>
+            </a:lvl4pPr>
+            <a:lvl5pPr>
+              <a:defRPr sz="1200"/>
+            </a:lvl5pPr>
+            <a:lvl6pPr>
+              <a:defRPr sz="1200"/>
+            </a:lvl6pPr>
+            <a:lvl7pPr>
+              <a:defRPr sz="1200"/>
+            </a:lvl7pPr>
+            <a:lvl8pPr>
+              <a:defRPr sz="1200"/>
+            </a:lvl8pPr>
+            <a:lvl9pPr>
+              <a:defRPr sz="1200"/>
+            </a:lvl9pPr>
+          </a:lstStyle>
           <a:p>
             <a:pPr lvl="0"/>
             <a:r>
@@ -1653,18 +4199,13 @@
               <a:rPr lang="en-US"/>
               <a:t>Fifth level</a:t>
             </a:r>
-          </a:p>
-        </p:txBody>
-      </p:sp>
-      <p:sp>
-        <p:nvSpPr>
-          <p:cNvPr id="5" name="Text Placeholder 4">
-            <a:extLst>
-              <a:ext uri="{FF2B5EF4-FFF2-40B4-BE49-F238E27FC236}">
-                <a16:creationId xmlns:a16="http://schemas.microsoft.com/office/drawing/2014/main" id="{1C96160E-3432-47D2-AB1F-8981C4A68257}"/>
-              </a:ext>
-            </a:extLst>
-          </p:cNvPr>
+            <a:endParaRPr lang="en-US" dirty="0"/>
+          </a:p>
+        </p:txBody>
+      </p:sp>
+      <p:sp>
+        <p:nvSpPr>
+          <p:cNvPr id="5" name="Text Placeholder 4"/>
           <p:cNvSpPr>
             <a:spLocks noGrp="1"/>
           </p:cNvSpPr>
@@ -1674,16 +4215,25 @@
         </p:nvSpPr>
         <p:spPr>
           <a:xfrm>
-            <a:off x="6172200" y="1681163"/>
-            <a:ext cx="5183188" cy="823912"/>
+            <a:off x="5654495" y="1905000"/>
+            <a:ext cx="4396339" cy="576262"/>
           </a:xfrm>
         </p:spPr>
         <p:txBody>
-          <a:bodyPr anchor="b"/>
+          <a:bodyPr anchor="b">
+            <a:noAutofit/>
+          </a:bodyPr>
           <a:lstStyle>
             <a:lvl1pPr marL="0" indent="0">
               <a:buNone/>
-              <a:defRPr sz="2400" b="1"/>
+              <a:defRPr sz="2400" b="0">
+                <a:solidFill>
+                  <a:schemeClr val="bg2">
+                    <a:lumMod val="40000"/>
+                    <a:lumOff val="60000"/>
+                  </a:schemeClr>
+                </a:solidFill>
+              </a:defRPr>
             </a:lvl1pPr>
             <a:lvl2pPr marL="457200" indent="0">
               <a:buNone/>
@@ -1729,13 +4279,7 @@
       </p:sp>
       <p:sp>
         <p:nvSpPr>
-          <p:cNvPr id="6" name="Content Placeholder 5">
-            <a:extLst>
-              <a:ext uri="{FF2B5EF4-FFF2-40B4-BE49-F238E27FC236}">
-                <a16:creationId xmlns:a16="http://schemas.microsoft.com/office/drawing/2014/main" id="{B2A18398-9AEC-42E9-8511-652D8E0E0B64}"/>
-              </a:ext>
-            </a:extLst>
-          </p:cNvPr>
+          <p:cNvPr id="6" name="Content Placeholder 5"/>
           <p:cNvSpPr>
             <a:spLocks noGrp="1"/>
           </p:cNvSpPr>
@@ -1745,13 +4289,43 @@
         </p:nvSpPr>
         <p:spPr>
           <a:xfrm>
-            <a:off x="6172200" y="2505075"/>
-            <a:ext cx="5183188" cy="3684588"/>
+            <a:off x="5654495" y="2514600"/>
+            <a:ext cx="4396339" cy="3741738"/>
           </a:xfrm>
         </p:spPr>
         <p:txBody>
-          <a:bodyPr/>
-          <a:lstStyle/>
+          <a:bodyPr>
+            <a:normAutofit/>
+          </a:bodyPr>
+          <a:lstStyle>
+            <a:lvl1pPr>
+              <a:defRPr sz="1800"/>
+            </a:lvl1pPr>
+            <a:lvl2pPr>
+              <a:defRPr sz="1600"/>
+            </a:lvl2pPr>
+            <a:lvl3pPr>
+              <a:defRPr sz="1400"/>
+            </a:lvl3pPr>
+            <a:lvl4pPr>
+              <a:defRPr sz="1200"/>
+            </a:lvl4pPr>
+            <a:lvl5pPr>
+              <a:defRPr sz="1200"/>
+            </a:lvl5pPr>
+            <a:lvl6pPr>
+              <a:defRPr sz="1200"/>
+            </a:lvl6pPr>
+            <a:lvl7pPr>
+              <a:defRPr sz="1200"/>
+            </a:lvl7pPr>
+            <a:lvl8pPr>
+              <a:defRPr sz="1200"/>
+            </a:lvl8pPr>
+            <a:lvl9pPr>
+              <a:defRPr sz="1200"/>
+            </a:lvl9pPr>
+          </a:lstStyle>
           <a:p>
             <a:pPr lvl="0"/>
             <a:r>
@@ -1786,18 +4360,13 @@
               <a:rPr lang="en-US"/>
               <a:t>Fifth level</a:t>
             </a:r>
-          </a:p>
-        </p:txBody>
-      </p:sp>
-      <p:sp>
-        <p:nvSpPr>
-          <p:cNvPr id="7" name="Date Placeholder 6">
-            <a:extLst>
-              <a:ext uri="{FF2B5EF4-FFF2-40B4-BE49-F238E27FC236}">
-                <a16:creationId xmlns:a16="http://schemas.microsoft.com/office/drawing/2014/main" id="{1499AE49-A112-4C69-8B1C-81498CD2ABD0}"/>
-              </a:ext>
-            </a:extLst>
-          </p:cNvPr>
+            <a:endParaRPr lang="en-US" dirty="0"/>
+          </a:p>
+        </p:txBody>
+      </p:sp>
+      <p:sp>
+        <p:nvSpPr>
+          <p:cNvPr id="7" name="Date Placeholder 6"/>
           <p:cNvSpPr>
             <a:spLocks noGrp="1"/>
           </p:cNvSpPr>
@@ -1812,7 +4381,7 @@
           <a:p>
             <a:fld id="{AED1D2E7-AC9D-42CB-81DF-0C53EE097FA4}" type="datetimeFigureOut">
               <a:rPr lang="en-US" smtClean="0"/>
-              <a:t>2/26/2018</a:t>
+              <a:t>4/9/2018</a:t>
             </a:fld>
             <a:endParaRPr lang="en-US"/>
           </a:p>
@@ -1820,13 +4389,7 @@
       </p:sp>
       <p:sp>
         <p:nvSpPr>
-          <p:cNvPr id="8" name="Footer Placeholder 7">
-            <a:extLst>
-              <a:ext uri="{FF2B5EF4-FFF2-40B4-BE49-F238E27FC236}">
-                <a16:creationId xmlns:a16="http://schemas.microsoft.com/office/drawing/2014/main" id="{71E6B111-A44C-4693-929A-70E0FCE5131D}"/>
-              </a:ext>
-            </a:extLst>
-          </p:cNvPr>
+          <p:cNvPr id="8" name="Footer Placeholder 7"/>
           <p:cNvSpPr>
             <a:spLocks noGrp="1"/>
           </p:cNvSpPr>
@@ -1845,13 +4408,7 @@
       </p:sp>
       <p:sp>
         <p:nvSpPr>
-          <p:cNvPr id="9" name="Slide Number Placeholder 8">
-            <a:extLst>
-              <a:ext uri="{FF2B5EF4-FFF2-40B4-BE49-F238E27FC236}">
-                <a16:creationId xmlns:a16="http://schemas.microsoft.com/office/drawing/2014/main" id="{4DE470DB-0825-42CF-838C-95EE8ACDD10E}"/>
-              </a:ext>
-            </a:extLst>
-          </p:cNvPr>
+          <p:cNvPr id="9" name="Slide Number Placeholder 8"/>
           <p:cNvSpPr>
             <a:spLocks noGrp="1"/>
           </p:cNvSpPr>
@@ -1875,7 +4432,7 @@
     </p:spTree>
     <p:extLst>
       <p:ext uri="{BB962C8B-B14F-4D97-AF65-F5344CB8AC3E}">
-        <p14:creationId xmlns:p14="http://schemas.microsoft.com/office/powerpoint/2010/main" val="3600071650"/>
+        <p14:creationId xmlns:p14="http://schemas.microsoft.com/office/powerpoint/2010/main" val="667220345"/>
       </p:ext>
     </p:extLst>
   </p:cSld>
@@ -1904,13 +4461,7 @@
       </p:grpSpPr>
       <p:sp>
         <p:nvSpPr>
-          <p:cNvPr id="2" name="Title 1">
-            <a:extLst>
-              <a:ext uri="{FF2B5EF4-FFF2-40B4-BE49-F238E27FC236}">
-                <a16:creationId xmlns:a16="http://schemas.microsoft.com/office/drawing/2014/main" id="{260D48A1-26C8-4E9A-A6AA-D2E7E8C00639}"/>
-              </a:ext>
-            </a:extLst>
-          </p:cNvPr>
+          <p:cNvPr id="2" name="Title 1"/>
           <p:cNvSpPr>
             <a:spLocks noGrp="1"/>
           </p:cNvSpPr>
@@ -1927,18 +4478,13 @@
               <a:rPr lang="en-US"/>
               <a:t>Click to edit Master title style</a:t>
             </a:r>
-          </a:p>
-        </p:txBody>
-      </p:sp>
-      <p:sp>
-        <p:nvSpPr>
-          <p:cNvPr id="3" name="Date Placeholder 2">
-            <a:extLst>
-              <a:ext uri="{FF2B5EF4-FFF2-40B4-BE49-F238E27FC236}">
-                <a16:creationId xmlns:a16="http://schemas.microsoft.com/office/drawing/2014/main" id="{A3F8FAE0-4B23-46EC-A6D0-E98B52BEB3DE}"/>
-              </a:ext>
-            </a:extLst>
-          </p:cNvPr>
+            <a:endParaRPr lang="en-US" dirty="0"/>
+          </a:p>
+        </p:txBody>
+      </p:sp>
+      <p:sp>
+        <p:nvSpPr>
+          <p:cNvPr id="7" name="Date Placeholder 2"/>
           <p:cNvSpPr>
             <a:spLocks noGrp="1"/>
           </p:cNvSpPr>
@@ -1953,7 +4499,7 @@
           <a:p>
             <a:fld id="{AED1D2E7-AC9D-42CB-81DF-0C53EE097FA4}" type="datetimeFigureOut">
               <a:rPr lang="en-US" smtClean="0"/>
-              <a:t>2/26/2018</a:t>
+              <a:t>4/9/2018</a:t>
             </a:fld>
             <a:endParaRPr lang="en-US"/>
           </a:p>
@@ -1961,13 +4507,7 @@
       </p:sp>
       <p:sp>
         <p:nvSpPr>
-          <p:cNvPr id="4" name="Footer Placeholder 3">
-            <a:extLst>
-              <a:ext uri="{FF2B5EF4-FFF2-40B4-BE49-F238E27FC236}">
-                <a16:creationId xmlns:a16="http://schemas.microsoft.com/office/drawing/2014/main" id="{58E46883-75A0-4702-9155-7B0DE6B7E97A}"/>
-              </a:ext>
-            </a:extLst>
-          </p:cNvPr>
+          <p:cNvPr id="5" name="Footer Placeholder 3"/>
           <p:cNvSpPr>
             <a:spLocks noGrp="1"/>
           </p:cNvSpPr>
@@ -1986,13 +4526,7 @@
       </p:sp>
       <p:sp>
         <p:nvSpPr>
-          <p:cNvPr id="5" name="Slide Number Placeholder 4">
-            <a:extLst>
-              <a:ext uri="{FF2B5EF4-FFF2-40B4-BE49-F238E27FC236}">
-                <a16:creationId xmlns:a16="http://schemas.microsoft.com/office/drawing/2014/main" id="{9C926831-6E04-4E55-9396-E5B907526E0F}"/>
-              </a:ext>
-            </a:extLst>
-          </p:cNvPr>
+          <p:cNvPr id="6" name="Slide Number Placeholder 4"/>
           <p:cNvSpPr>
             <a:spLocks noGrp="1"/>
           </p:cNvSpPr>
@@ -2016,7 +4550,7 @@
     </p:spTree>
     <p:extLst>
       <p:ext uri="{BB962C8B-B14F-4D97-AF65-F5344CB8AC3E}">
-        <p14:creationId xmlns:p14="http://schemas.microsoft.com/office/powerpoint/2010/main" val="1842222690"/>
+        <p14:creationId xmlns:p14="http://schemas.microsoft.com/office/powerpoint/2010/main" val="3057564369"/>
       </p:ext>
     </p:extLst>
   </p:cSld>
@@ -2045,13 +4579,7 @@
       </p:grpSpPr>
       <p:sp>
         <p:nvSpPr>
-          <p:cNvPr id="2" name="Date Placeholder 1">
-            <a:extLst>
-              <a:ext uri="{FF2B5EF4-FFF2-40B4-BE49-F238E27FC236}">
-                <a16:creationId xmlns:a16="http://schemas.microsoft.com/office/drawing/2014/main" id="{88E3D533-385D-4426-90DC-D9CC749BE95E}"/>
-              </a:ext>
-            </a:extLst>
-          </p:cNvPr>
+          <p:cNvPr id="7" name="Date Placeholder 1"/>
           <p:cNvSpPr>
             <a:spLocks noGrp="1"/>
           </p:cNvSpPr>
@@ -2066,7 +4594,7 @@
           <a:p>
             <a:fld id="{AED1D2E7-AC9D-42CB-81DF-0C53EE097FA4}" type="datetimeFigureOut">
               <a:rPr lang="en-US" smtClean="0"/>
-              <a:t>2/26/2018</a:t>
+              <a:t>4/9/2018</a:t>
             </a:fld>
             <a:endParaRPr lang="en-US"/>
           </a:p>
@@ -2074,13 +4602,7 @@
       </p:sp>
       <p:sp>
         <p:nvSpPr>
-          <p:cNvPr id="3" name="Footer Placeholder 2">
-            <a:extLst>
-              <a:ext uri="{FF2B5EF4-FFF2-40B4-BE49-F238E27FC236}">
-                <a16:creationId xmlns:a16="http://schemas.microsoft.com/office/drawing/2014/main" id="{6E2C2357-5173-4754-92A2-34AB8987172C}"/>
-              </a:ext>
-            </a:extLst>
-          </p:cNvPr>
+          <p:cNvPr id="5" name="Footer Placeholder 2"/>
           <p:cNvSpPr>
             <a:spLocks noGrp="1"/>
           </p:cNvSpPr>
@@ -2099,13 +4621,7 @@
       </p:sp>
       <p:sp>
         <p:nvSpPr>
-          <p:cNvPr id="4" name="Slide Number Placeholder 3">
-            <a:extLst>
-              <a:ext uri="{FF2B5EF4-FFF2-40B4-BE49-F238E27FC236}">
-                <a16:creationId xmlns:a16="http://schemas.microsoft.com/office/drawing/2014/main" id="{AFDC8A73-EEA7-43D6-9B94-132B71C3A0D0}"/>
-              </a:ext>
-            </a:extLst>
-          </p:cNvPr>
+          <p:cNvPr id="6" name="Slide Number Placeholder 3"/>
           <p:cNvSpPr>
             <a:spLocks noGrp="1"/>
           </p:cNvSpPr>
@@ -2129,7 +4645,7 @@
     </p:spTree>
     <p:extLst>
       <p:ext uri="{BB962C8B-B14F-4D97-AF65-F5344CB8AC3E}">
-        <p14:creationId xmlns:p14="http://schemas.microsoft.com/office/powerpoint/2010/main" val="2741026850"/>
+        <p14:creationId xmlns:p14="http://schemas.microsoft.com/office/powerpoint/2010/main" val="2431536872"/>
       </p:ext>
     </p:extLst>
   </p:cSld>
@@ -2158,13 +4674,7 @@
       </p:grpSpPr>
       <p:sp>
         <p:nvSpPr>
-          <p:cNvPr id="2" name="Title 1">
-            <a:extLst>
-              <a:ext uri="{FF2B5EF4-FFF2-40B4-BE49-F238E27FC236}">
-                <a16:creationId xmlns:a16="http://schemas.microsoft.com/office/drawing/2014/main" id="{8F59DD49-E37E-43BC-8A1D-54FA2ACED624}"/>
-              </a:ext>
-            </a:extLst>
-          </p:cNvPr>
+          <p:cNvPr id="2" name="Title 1"/>
           <p:cNvSpPr>
             <a:spLocks noGrp="1"/>
           </p:cNvSpPr>
@@ -2174,15 +4684,15 @@
         </p:nvSpPr>
         <p:spPr>
           <a:xfrm>
-            <a:off x="839788" y="457200"/>
-            <a:ext cx="3932237" cy="1600200"/>
+            <a:off x="1154953" y="1447800"/>
+            <a:ext cx="3401064" cy="1447800"/>
           </a:xfrm>
         </p:spPr>
         <p:txBody>
           <a:bodyPr anchor="b"/>
           <a:lstStyle>
-            <a:lvl1pPr>
-              <a:defRPr sz="3200"/>
+            <a:lvl1pPr algn="l">
+              <a:defRPr sz="2400" b="0"/>
             </a:lvl1pPr>
           </a:lstStyle>
           <a:p>
@@ -2190,18 +4700,13 @@
               <a:rPr lang="en-US"/>
               <a:t>Click to edit Master title style</a:t>
             </a:r>
-          </a:p>
-        </p:txBody>
-      </p:sp>
-      <p:sp>
-        <p:nvSpPr>
-          <p:cNvPr id="3" name="Content Placeholder 2">
-            <a:extLst>
-              <a:ext uri="{FF2B5EF4-FFF2-40B4-BE49-F238E27FC236}">
-                <a16:creationId xmlns:a16="http://schemas.microsoft.com/office/drawing/2014/main" id="{DED2BA60-5F3F-472F-A502-025DFFAB714E}"/>
-              </a:ext>
-            </a:extLst>
-          </p:cNvPr>
+            <a:endParaRPr lang="en-US" dirty="0"/>
+          </a:p>
+        </p:txBody>
+      </p:sp>
+      <p:sp>
+        <p:nvSpPr>
+          <p:cNvPr id="3" name="Content Placeholder 2"/>
           <p:cNvSpPr>
             <a:spLocks noGrp="1"/>
           </p:cNvSpPr>
@@ -2211,39 +4716,41 @@
         </p:nvSpPr>
         <p:spPr>
           <a:xfrm>
-            <a:off x="5183188" y="987425"/>
-            <a:ext cx="6172200" cy="4873625"/>
+            <a:off x="4784616" y="1447800"/>
+            <a:ext cx="5195997" cy="4572000"/>
           </a:xfrm>
         </p:spPr>
         <p:txBody>
-          <a:bodyPr/>
+          <a:bodyPr anchor="ctr">
+            <a:normAutofit/>
+          </a:bodyPr>
           <a:lstStyle>
             <a:lvl1pPr>
-              <a:defRPr sz="3200"/>
+              <a:defRPr sz="2000"/>
             </a:lvl1pPr>
             <a:lvl2pPr>
-              <a:defRPr sz="2800"/>
+              <a:defRPr sz="1800"/>
             </a:lvl2pPr>
             <a:lvl3pPr>
-              <a:defRPr sz="2400"/>
+              <a:defRPr sz="1600"/>
             </a:lvl3pPr>
             <a:lvl4pPr>
-              <a:defRPr sz="2000"/>
+              <a:defRPr sz="1400"/>
             </a:lvl4pPr>
             <a:lvl5pPr>
-              <a:defRPr sz="2000"/>
+              <a:defRPr sz="1400"/>
             </a:lvl5pPr>
             <a:lvl6pPr>
-              <a:defRPr sz="2000"/>
+              <a:defRPr sz="1400"/>
             </a:lvl6pPr>
             <a:lvl7pPr>
-              <a:defRPr sz="2000"/>
+              <a:defRPr sz="1400"/>
             </a:lvl7pPr>
             <a:lvl8pPr>
-              <a:defRPr sz="2000"/>
+              <a:defRPr sz="1400"/>
             </a:lvl8pPr>
             <a:lvl9pPr>
-              <a:defRPr sz="2000"/>
+              <a:defRPr sz="1400"/>
             </a:lvl9pPr>
           </a:lstStyle>
           <a:p>
@@ -2280,18 +4787,13 @@
               <a:rPr lang="en-US"/>
               <a:t>Fifth level</a:t>
             </a:r>
-          </a:p>
-        </p:txBody>
-      </p:sp>
-      <p:sp>
-        <p:nvSpPr>
-          <p:cNvPr id="4" name="Text Placeholder 3">
-            <a:extLst>
-              <a:ext uri="{FF2B5EF4-FFF2-40B4-BE49-F238E27FC236}">
-                <a16:creationId xmlns:a16="http://schemas.microsoft.com/office/drawing/2014/main" id="{F6F6F4BA-4324-4538-BD4F-F44D4F11D356}"/>
-              </a:ext>
-            </a:extLst>
-          </p:cNvPr>
+            <a:endParaRPr lang="en-US" dirty="0"/>
+          </a:p>
+        </p:txBody>
+      </p:sp>
+      <p:sp>
+        <p:nvSpPr>
+          <p:cNvPr id="4" name="Text Placeholder 3"/>
           <p:cNvSpPr>
             <a:spLocks noGrp="1"/>
           </p:cNvSpPr>
@@ -2301,8 +4803,8 @@
         </p:nvSpPr>
         <p:spPr>
           <a:xfrm>
-            <a:off x="839788" y="2057400"/>
-            <a:ext cx="3932237" cy="3811588"/>
+            <a:off x="1154953" y="3129280"/>
+            <a:ext cx="3401063" cy="2895599"/>
           </a:xfrm>
         </p:spPr>
         <p:txBody>
@@ -2310,39 +4812,39 @@
           <a:lstStyle>
             <a:lvl1pPr marL="0" indent="0">
               <a:buNone/>
-              <a:defRPr sz="1600"/>
+              <a:defRPr sz="1400"/>
             </a:lvl1pPr>
             <a:lvl2pPr marL="457200" indent="0">
               <a:buNone/>
-              <a:defRPr sz="1400"/>
+              <a:defRPr sz="1200"/>
             </a:lvl2pPr>
             <a:lvl3pPr marL="914400" indent="0">
               <a:buNone/>
-              <a:defRPr sz="1200"/>
+              <a:defRPr sz="1000"/>
             </a:lvl3pPr>
             <a:lvl4pPr marL="1371600" indent="0">
               <a:buNone/>
-              <a:defRPr sz="1000"/>
+              <a:defRPr sz="900"/>
             </a:lvl4pPr>
             <a:lvl5pPr marL="1828800" indent="0">
               <a:buNone/>
-              <a:defRPr sz="1000"/>
+              <a:defRPr sz="900"/>
             </a:lvl5pPr>
             <a:lvl6pPr marL="2286000" indent="0">
               <a:buNone/>
-              <a:defRPr sz="1000"/>
+              <a:defRPr sz="900"/>
             </a:lvl6pPr>
             <a:lvl7pPr marL="2743200" indent="0">
               <a:buNone/>
-              <a:defRPr sz="1000"/>
+              <a:defRPr sz="900"/>
             </a:lvl7pPr>
             <a:lvl8pPr marL="3200400" indent="0">
               <a:buNone/>
-              <a:defRPr sz="1000"/>
+              <a:defRPr sz="900"/>
             </a:lvl8pPr>
             <a:lvl9pPr marL="3657600" indent="0">
               <a:buNone/>
-              <a:defRPr sz="1000"/>
+              <a:defRPr sz="900"/>
             </a:lvl9pPr>
           </a:lstStyle>
           <a:p>
@@ -2356,13 +4858,7 @@
       </p:sp>
       <p:sp>
         <p:nvSpPr>
-          <p:cNvPr id="5" name="Date Placeholder 4">
-            <a:extLst>
-              <a:ext uri="{FF2B5EF4-FFF2-40B4-BE49-F238E27FC236}">
-                <a16:creationId xmlns:a16="http://schemas.microsoft.com/office/drawing/2014/main" id="{2C8D79D5-B9C2-4A23-9B00-C59494E9082E}"/>
-              </a:ext>
-            </a:extLst>
-          </p:cNvPr>
+          <p:cNvPr id="7" name="Date Placeholder 4"/>
           <p:cNvSpPr>
             <a:spLocks noGrp="1"/>
           </p:cNvSpPr>
@@ -2377,7 +4873,7 @@
           <a:p>
             <a:fld id="{AED1D2E7-AC9D-42CB-81DF-0C53EE097FA4}" type="datetimeFigureOut">
               <a:rPr lang="en-US" smtClean="0"/>
-              <a:t>2/26/2018</a:t>
+              <a:t>4/9/2018</a:t>
             </a:fld>
             <a:endParaRPr lang="en-US"/>
           </a:p>
@@ -2385,13 +4881,7 @@
       </p:sp>
       <p:sp>
         <p:nvSpPr>
-          <p:cNvPr id="6" name="Footer Placeholder 5">
-            <a:extLst>
-              <a:ext uri="{FF2B5EF4-FFF2-40B4-BE49-F238E27FC236}">
-                <a16:creationId xmlns:a16="http://schemas.microsoft.com/office/drawing/2014/main" id="{4CDFE9F4-5908-478F-81C8-F5D1B5313AD9}"/>
-              </a:ext>
-            </a:extLst>
-          </p:cNvPr>
+          <p:cNvPr id="5" name="Footer Placeholder 5"/>
           <p:cNvSpPr>
             <a:spLocks noGrp="1"/>
           </p:cNvSpPr>
@@ -2410,13 +4900,7 @@
       </p:sp>
       <p:sp>
         <p:nvSpPr>
-          <p:cNvPr id="7" name="Slide Number Placeholder 6">
-            <a:extLst>
-              <a:ext uri="{FF2B5EF4-FFF2-40B4-BE49-F238E27FC236}">
-                <a16:creationId xmlns:a16="http://schemas.microsoft.com/office/drawing/2014/main" id="{185F180D-58E7-484C-ACAD-0342C4839A94}"/>
-              </a:ext>
-            </a:extLst>
-          </p:cNvPr>
+          <p:cNvPr id="6" name="Slide Number Placeholder 6"/>
           <p:cNvSpPr>
             <a:spLocks noGrp="1"/>
           </p:cNvSpPr>
@@ -2440,7 +4924,7 @@
     </p:spTree>
     <p:extLst>
       <p:ext uri="{BB962C8B-B14F-4D97-AF65-F5344CB8AC3E}">
-        <p14:creationId xmlns:p14="http://schemas.microsoft.com/office/powerpoint/2010/main" val="1363552892"/>
+        <p14:creationId xmlns:p14="http://schemas.microsoft.com/office/powerpoint/2010/main" val="2528743281"/>
       </p:ext>
     </p:extLst>
   </p:cSld>
@@ -2469,13 +4953,7 @@
       </p:grpSpPr>
       <p:sp>
         <p:nvSpPr>
-          <p:cNvPr id="2" name="Title 1">
-            <a:extLst>
-              <a:ext uri="{FF2B5EF4-FFF2-40B4-BE49-F238E27FC236}">
-                <a16:creationId xmlns:a16="http://schemas.microsoft.com/office/drawing/2014/main" id="{964F2F4E-AB16-44E5-966C-94F321C0FC49}"/>
-              </a:ext>
-            </a:extLst>
-          </p:cNvPr>
+          <p:cNvPr id="2" name="Title 1"/>
           <p:cNvSpPr>
             <a:spLocks noGrp="1"/>
           </p:cNvSpPr>
@@ -2485,15 +4963,17 @@
         </p:nvSpPr>
         <p:spPr>
           <a:xfrm>
-            <a:off x="839788" y="457200"/>
-            <a:ext cx="3932237" cy="1600200"/>
+            <a:off x="1153907" y="1854192"/>
+            <a:ext cx="5092906" cy="1574808"/>
           </a:xfrm>
         </p:spPr>
         <p:txBody>
-          <a:bodyPr anchor="b"/>
+          <a:bodyPr anchor="b">
+            <a:normAutofit/>
+          </a:bodyPr>
           <a:lstStyle>
-            <a:lvl1pPr>
-              <a:defRPr sz="3200"/>
+            <a:lvl1pPr algn="l">
+              <a:defRPr sz="3600" b="0"/>
             </a:lvl1pPr>
           </a:lstStyle>
           <a:p>
@@ -2501,20 +4981,15 @@
               <a:rPr lang="en-US"/>
               <a:t>Click to edit Master title style</a:t>
             </a:r>
-          </a:p>
-        </p:txBody>
-      </p:sp>
-      <p:sp>
-        <p:nvSpPr>
-          <p:cNvPr id="3" name="Picture Placeholder 2">
-            <a:extLst>
-              <a:ext uri="{FF2B5EF4-FFF2-40B4-BE49-F238E27FC236}">
-                <a16:creationId xmlns:a16="http://schemas.microsoft.com/office/drawing/2014/main" id="{51878176-C543-417A-A7EB-62650BBA1EA8}"/>
-              </a:ext>
-            </a:extLst>
-          </p:cNvPr>
-          <p:cNvSpPr>
-            <a:spLocks noGrp="1"/>
+            <a:endParaRPr lang="en-US" dirty="0"/>
+          </a:p>
+        </p:txBody>
+      </p:sp>
+      <p:sp>
+        <p:nvSpPr>
+          <p:cNvPr id="3" name="Picture Placeholder 2"/>
+          <p:cNvSpPr>
+            <a:spLocks noGrp="1" noChangeAspect="1"/>
           </p:cNvSpPr>
           <p:nvPr>
             <p:ph type="pic" idx="1"/>
@@ -2522,118 +4997,132 @@
         </p:nvSpPr>
         <p:spPr>
           <a:xfrm>
-            <a:off x="5183188" y="987425"/>
-            <a:ext cx="6172200" cy="4873625"/>
+            <a:off x="6949546" y="1143000"/>
+            <a:ext cx="3200400" cy="4572000"/>
           </a:xfrm>
+          <a:prstGeom prst="roundRect">
+            <a:avLst>
+              <a:gd name="adj" fmla="val 1858"/>
+            </a:avLst>
+          </a:prstGeom>
+          <a:effectLst>
+            <a:outerShdw blurRad="50800" dist="50800" dir="5400000" algn="tl" rotWithShape="0">
+              <a:srgbClr val="000000">
+                <a:alpha val="43000"/>
+              </a:srgbClr>
+            </a:outerShdw>
+          </a:effectLst>
         </p:spPr>
         <p:txBody>
-          <a:bodyPr/>
+          <a:bodyPr anchor="t">
+            <a:normAutofit/>
+          </a:bodyPr>
           <a:lstStyle>
-            <a:lvl1pPr marL="0" indent="0">
-              <a:buNone/>
-              <a:defRPr sz="3200"/>
-            </a:lvl1pPr>
-            <a:lvl2pPr marL="457200" indent="0">
-              <a:buNone/>
-              <a:defRPr sz="2800"/>
-            </a:lvl2pPr>
-            <a:lvl3pPr marL="914400" indent="0">
-              <a:buNone/>
-              <a:defRPr sz="2400"/>
-            </a:lvl3pPr>
-            <a:lvl4pPr marL="1371600" indent="0">
-              <a:buNone/>
-              <a:defRPr sz="2000"/>
-            </a:lvl4pPr>
-            <a:lvl5pPr marL="1828800" indent="0">
-              <a:buNone/>
-              <a:defRPr sz="2000"/>
-            </a:lvl5pPr>
-            <a:lvl6pPr marL="2286000" indent="0">
-              <a:buNone/>
-              <a:defRPr sz="2000"/>
-            </a:lvl6pPr>
-            <a:lvl7pPr marL="2743200" indent="0">
-              <a:buNone/>
-              <a:defRPr sz="2000"/>
-            </a:lvl7pPr>
-            <a:lvl8pPr marL="3200400" indent="0">
-              <a:buNone/>
-              <a:defRPr sz="2000"/>
-            </a:lvl8pPr>
-            <a:lvl9pPr marL="3657600" indent="0">
-              <a:buNone/>
-              <a:defRPr sz="2000"/>
-            </a:lvl9pPr>
-          </a:lstStyle>
-          <a:p>
-            <a:endParaRPr lang="en-US"/>
-          </a:p>
-        </p:txBody>
-      </p:sp>
-      <p:sp>
-        <p:nvSpPr>
-          <p:cNvPr id="4" name="Text Placeholder 3">
-            <a:extLst>
-              <a:ext uri="{FF2B5EF4-FFF2-40B4-BE49-F238E27FC236}">
-                <a16:creationId xmlns:a16="http://schemas.microsoft.com/office/drawing/2014/main" id="{A8DD4524-5FB0-4999-976C-49331388D95B}"/>
-              </a:ext>
-            </a:extLst>
-          </p:cNvPr>
-          <p:cNvSpPr>
-            <a:spLocks noGrp="1"/>
-          </p:cNvSpPr>
-          <p:nvPr>
-            <p:ph type="body" sz="half" idx="2"/>
-          </p:nvPr>
-        </p:nvSpPr>
-        <p:spPr>
-          <a:xfrm>
-            <a:off x="839788" y="2057400"/>
-            <a:ext cx="3932237" cy="3811588"/>
-          </a:xfrm>
-        </p:spPr>
-        <p:txBody>
-          <a:bodyPr/>
-          <a:lstStyle>
-            <a:lvl1pPr marL="0" indent="0">
+            <a:lvl1pPr marL="0" indent="0" algn="ctr">
               <a:buNone/>
               <a:defRPr sz="1600"/>
             </a:lvl1pPr>
             <a:lvl2pPr marL="457200" indent="0">
               <a:buNone/>
-              <a:defRPr sz="1400"/>
+              <a:defRPr sz="1600"/>
             </a:lvl2pPr>
             <a:lvl3pPr marL="914400" indent="0">
               <a:buNone/>
-              <a:defRPr sz="1200"/>
+              <a:defRPr sz="1600"/>
             </a:lvl3pPr>
             <a:lvl4pPr marL="1371600" indent="0">
               <a:buNone/>
-              <a:defRPr sz="1000"/>
+              <a:defRPr sz="1600"/>
             </a:lvl4pPr>
             <a:lvl5pPr marL="1828800" indent="0">
               <a:buNone/>
-              <a:defRPr sz="1000"/>
+              <a:defRPr sz="1600"/>
             </a:lvl5pPr>
             <a:lvl6pPr marL="2286000" indent="0">
               <a:buNone/>
-              <a:defRPr sz="1000"/>
+              <a:defRPr sz="1600"/>
             </a:lvl6pPr>
             <a:lvl7pPr marL="2743200" indent="0">
               <a:buNone/>
-              <a:defRPr sz="1000"/>
+              <a:defRPr sz="1600"/>
             </a:lvl7pPr>
             <a:lvl8pPr marL="3200400" indent="0">
               <a:buNone/>
-              <a:defRPr sz="1000"/>
+              <a:defRPr sz="1600"/>
             </a:lvl8pPr>
             <a:lvl9pPr marL="3657600" indent="0">
               <a:buNone/>
-              <a:defRPr sz="1000"/>
+              <a:defRPr sz="1600"/>
             </a:lvl9pPr>
           </a:lstStyle>
           <a:p>
+            <a:r>
+              <a:rPr lang="en-US"/>
+              <a:t>Click icon to add picture</a:t>
+            </a:r>
+            <a:endParaRPr lang="en-US" dirty="0"/>
+          </a:p>
+        </p:txBody>
+      </p:sp>
+      <p:sp>
+        <p:nvSpPr>
+          <p:cNvPr id="4" name="Text Placeholder 3"/>
+          <p:cNvSpPr>
+            <a:spLocks noGrp="1"/>
+          </p:cNvSpPr>
+          <p:nvPr>
+            <p:ph type="body" sz="half" idx="2"/>
+          </p:nvPr>
+        </p:nvSpPr>
+        <p:spPr>
+          <a:xfrm>
+            <a:off x="1154954" y="3657600"/>
+            <a:ext cx="5084979" cy="1371600"/>
+          </a:xfrm>
+        </p:spPr>
+        <p:txBody>
+          <a:bodyPr>
+            <a:normAutofit/>
+          </a:bodyPr>
+          <a:lstStyle>
+            <a:lvl1pPr marL="0" indent="0">
+              <a:buNone/>
+              <a:defRPr sz="1400"/>
+            </a:lvl1pPr>
+            <a:lvl2pPr marL="457200" indent="0">
+              <a:buNone/>
+              <a:defRPr sz="1200"/>
+            </a:lvl2pPr>
+            <a:lvl3pPr marL="914400" indent="0">
+              <a:buNone/>
+              <a:defRPr sz="1000"/>
+            </a:lvl3pPr>
+            <a:lvl4pPr marL="1371600" indent="0">
+              <a:buNone/>
+              <a:defRPr sz="900"/>
+            </a:lvl4pPr>
+            <a:lvl5pPr marL="1828800" indent="0">
+              <a:buNone/>
+              <a:defRPr sz="900"/>
+            </a:lvl5pPr>
+            <a:lvl6pPr marL="2286000" indent="0">
+              <a:buNone/>
+              <a:defRPr sz="900"/>
+            </a:lvl6pPr>
+            <a:lvl7pPr marL="2743200" indent="0">
+              <a:buNone/>
+              <a:defRPr sz="900"/>
+            </a:lvl7pPr>
+            <a:lvl8pPr marL="3200400" indent="0">
+              <a:buNone/>
+              <a:defRPr sz="900"/>
+            </a:lvl8pPr>
+            <a:lvl9pPr marL="3657600" indent="0">
+              <a:buNone/>
+              <a:defRPr sz="900"/>
+            </a:lvl9pPr>
+          </a:lstStyle>
+          <a:p>
             <a:pPr lvl="0"/>
             <a:r>
               <a:rPr lang="en-US"/>
@@ -2644,13 +5133,7 @@
       </p:sp>
       <p:sp>
         <p:nvSpPr>
-          <p:cNvPr id="5" name="Date Placeholder 4">
-            <a:extLst>
-              <a:ext uri="{FF2B5EF4-FFF2-40B4-BE49-F238E27FC236}">
-                <a16:creationId xmlns:a16="http://schemas.microsoft.com/office/drawing/2014/main" id="{ED1D7D92-7308-4EB5-B09D-E475CD3AB0BD}"/>
-              </a:ext>
-            </a:extLst>
-          </p:cNvPr>
+          <p:cNvPr id="5" name="Date Placeholder 4"/>
           <p:cNvSpPr>
             <a:spLocks noGrp="1"/>
           </p:cNvSpPr>
@@ -2665,7 +5148,7 @@
           <a:p>
             <a:fld id="{AED1D2E7-AC9D-42CB-81DF-0C53EE097FA4}" type="datetimeFigureOut">
               <a:rPr lang="en-US" smtClean="0"/>
-              <a:t>2/26/2018</a:t>
+              <a:t>4/9/2018</a:t>
             </a:fld>
             <a:endParaRPr lang="en-US"/>
           </a:p>
@@ -2673,13 +5156,7 @@
       </p:sp>
       <p:sp>
         <p:nvSpPr>
-          <p:cNvPr id="6" name="Footer Placeholder 5">
-            <a:extLst>
-              <a:ext uri="{FF2B5EF4-FFF2-40B4-BE49-F238E27FC236}">
-                <a16:creationId xmlns:a16="http://schemas.microsoft.com/office/drawing/2014/main" id="{6E635CA8-A6B0-4F97-8337-1985727018CA}"/>
-              </a:ext>
-            </a:extLst>
-          </p:cNvPr>
+          <p:cNvPr id="6" name="Footer Placeholder 5"/>
           <p:cNvSpPr>
             <a:spLocks noGrp="1"/>
           </p:cNvSpPr>
@@ -2698,13 +5175,7 @@
       </p:sp>
       <p:sp>
         <p:nvSpPr>
-          <p:cNvPr id="7" name="Slide Number Placeholder 6">
-            <a:extLst>
-              <a:ext uri="{FF2B5EF4-FFF2-40B4-BE49-F238E27FC236}">
-                <a16:creationId xmlns:a16="http://schemas.microsoft.com/office/drawing/2014/main" id="{7C1BE82A-BB1D-437D-873B-1EF4B1380643}"/>
-              </a:ext>
-            </a:extLst>
-          </p:cNvPr>
+          <p:cNvPr id="7" name="Slide Number Placeholder 6"/>
           <p:cNvSpPr>
             <a:spLocks noGrp="1"/>
           </p:cNvSpPr>
@@ -2728,7 +5199,7 @@
     </p:spTree>
     <p:extLst>
       <p:ext uri="{BB962C8B-B14F-4D97-AF65-F5344CB8AC3E}">
-        <p14:creationId xmlns:p14="http://schemas.microsoft.com/office/powerpoint/2010/main" val="163228658"/>
+        <p14:creationId xmlns:p14="http://schemas.microsoft.com/office/powerpoint/2010/main" val="2322156585"/>
       </p:ext>
     </p:extLst>
   </p:cSld>
@@ -2742,8 +5213,8 @@
 <p:sldMaster xmlns:a="http://schemas.openxmlformats.org/drawingml/2006/main" xmlns:r="http://schemas.openxmlformats.org/officeDocument/2006/relationships" xmlns:p="http://schemas.openxmlformats.org/presentationml/2006/main">
   <p:cSld>
     <p:bg>
-      <p:bgRef idx="1001">
-        <a:schemeClr val="bg1"/>
+      <p:bgRef idx="1003">
+        <a:schemeClr val="bg2"/>
       </p:bgRef>
     </p:bg>
     <p:spTree>
@@ -2760,141 +5231,420 @@
           <a:chExt cx="0" cy="0"/>
         </a:xfrm>
       </p:grpSpPr>
-      <p:sp>
-        <p:nvSpPr>
-          <p:cNvPr id="2" name="Title Placeholder 1">
+      <p:pic>
+        <p:nvPicPr>
+          <p:cNvPr id="8" name="Picture 7"/>
+          <p:cNvPicPr>
+            <a:picLocks noChangeAspect="1"/>
+          </p:cNvPicPr>
+          <p:nvPr/>
+        </p:nvPicPr>
+        <p:blipFill rotWithShape="1">
+          <a:blip r:embed="rId19">
             <a:extLst>
-              <a:ext uri="{FF2B5EF4-FFF2-40B4-BE49-F238E27FC236}">
-                <a16:creationId xmlns:a16="http://schemas.microsoft.com/office/drawing/2014/main" id="{AF1DA3F8-23EB-4D50-B162-91AE1B760C8B}"/>
+              <a:ext uri="{28A0092B-C50C-407E-A947-70E740481C1C}">
+                <a14:useLocalDpi xmlns:a14="http://schemas.microsoft.com/office/drawing/2010/main" val="0"/>
               </a:ext>
             </a:extLst>
-          </p:cNvPr>
-          <p:cNvSpPr>
-            <a:spLocks noGrp="1"/>
-          </p:cNvSpPr>
-          <p:nvPr>
-            <p:ph type="title"/>
-          </p:nvPr>
-        </p:nvSpPr>
+          </a:blip>
+          <a:srcRect l="3613"/>
+          <a:stretch/>
+        </p:blipFill>
         <p:spPr>
           <a:xfrm>
-            <a:off x="838200" y="365125"/>
-            <a:ext cx="10515600" cy="1325563"/>
+            <a:off x="0" y="2669685"/>
+            <a:ext cx="4037012" cy="4188315"/>
           </a:xfrm>
           <a:prstGeom prst="rect">
             <a:avLst/>
           </a:prstGeom>
         </p:spPr>
-        <p:txBody>
-          <a:bodyPr vert="horz" lIns="91440" tIns="45720" rIns="91440" bIns="45720" rtlCol="0" anchor="ctr">
-            <a:normAutofit/>
-          </a:bodyPr>
-          <a:lstStyle/>
-          <a:p>
-            <a:r>
-              <a:rPr lang="en-US"/>
-              <a:t>Click to edit Master title style</a:t>
-            </a:r>
-          </a:p>
-        </p:txBody>
-      </p:sp>
-      <p:sp>
-        <p:nvSpPr>
-          <p:cNvPr id="3" name="Text Placeholder 2">
+      </p:pic>
+      <p:pic>
+        <p:nvPicPr>
+          <p:cNvPr id="7" name="Picture 6"/>
+          <p:cNvPicPr>
+            <a:picLocks noChangeAspect="1"/>
+          </p:cNvPicPr>
+          <p:nvPr/>
+        </p:nvPicPr>
+        <p:blipFill rotWithShape="1">
+          <a:blip r:embed="rId20">
             <a:extLst>
-              <a:ext uri="{FF2B5EF4-FFF2-40B4-BE49-F238E27FC236}">
-                <a16:creationId xmlns:a16="http://schemas.microsoft.com/office/drawing/2014/main" id="{8D05B10E-E110-40AF-8ADA-4AF6E5EBB866}"/>
+              <a:ext uri="{28A0092B-C50C-407E-A947-70E740481C1C}">
+                <a14:useLocalDpi xmlns:a14="http://schemas.microsoft.com/office/drawing/2010/main" val="0"/>
               </a:ext>
             </a:extLst>
-          </p:cNvPr>
-          <p:cNvSpPr>
-            <a:spLocks noGrp="1"/>
-          </p:cNvSpPr>
-          <p:nvPr>
-            <p:ph type="body" idx="1"/>
-          </p:nvPr>
-        </p:nvSpPr>
+          </a:blip>
+          <a:srcRect l="35640"/>
+          <a:stretch/>
+        </p:blipFill>
         <p:spPr>
           <a:xfrm>
-            <a:off x="838200" y="1825625"/>
-            <a:ext cx="10515600" cy="4351338"/>
+            <a:off x="0" y="2892347"/>
+            <a:ext cx="1522412" cy="2365453"/>
           </a:xfrm>
           <a:prstGeom prst="rect">
             <a:avLst/>
           </a:prstGeom>
         </p:spPr>
-        <p:txBody>
-          <a:bodyPr vert="horz" lIns="91440" tIns="45720" rIns="91440" bIns="45720" rtlCol="0">
-            <a:normAutofit/>
-          </a:bodyPr>
-          <a:lstStyle/>
-          <a:p>
-            <a:pPr lvl="0"/>
-            <a:r>
-              <a:rPr lang="en-US"/>
-              <a:t>Edit Master text styles</a:t>
-            </a:r>
-          </a:p>
-          <a:p>
-            <a:pPr lvl="1"/>
-            <a:r>
-              <a:rPr lang="en-US"/>
-              <a:t>Second level</a:t>
-            </a:r>
-          </a:p>
-          <a:p>
-            <a:pPr lvl="2"/>
-            <a:r>
-              <a:rPr lang="en-US"/>
-              <a:t>Third level</a:t>
-            </a:r>
-          </a:p>
-          <a:p>
-            <a:pPr lvl="3"/>
-            <a:r>
-              <a:rPr lang="en-US"/>
-              <a:t>Fourth level</a:t>
-            </a:r>
-          </a:p>
-          <a:p>
-            <a:pPr lvl="4"/>
-            <a:r>
-              <a:rPr lang="en-US"/>
-              <a:t>Fifth level</a:t>
-            </a:r>
-          </a:p>
-        </p:txBody>
-      </p:sp>
-      <p:sp>
-        <p:nvSpPr>
-          <p:cNvPr id="4" name="Date Placeholder 3">
+      </p:pic>
+      <p:sp>
+        <p:nvSpPr>
+          <p:cNvPr id="16" name="Oval 15"/>
+          <p:cNvSpPr/>
+          <p:nvPr/>
+        </p:nvSpPr>
+        <p:spPr>
+          <a:xfrm>
+            <a:off x="8609012" y="1676400"/>
+            <a:ext cx="2819400" cy="2819400"/>
+          </a:xfrm>
+          <a:prstGeom prst="ellipse">
+            <a:avLst/>
+          </a:prstGeom>
+          <a:gradFill flip="none" rotWithShape="1">
+            <a:gsLst>
+              <a:gs pos="0">
+                <a:schemeClr val="bg2">
+                  <a:lumMod val="60000"/>
+                  <a:lumOff val="40000"/>
+                  <a:alpha val="7000"/>
+                </a:schemeClr>
+              </a:gs>
+              <a:gs pos="69000">
+                <a:schemeClr val="bg2">
+                  <a:lumMod val="60000"/>
+                  <a:lumOff val="40000"/>
+                  <a:alpha val="0"/>
+                </a:schemeClr>
+              </a:gs>
+              <a:gs pos="36000">
+                <a:schemeClr val="bg2">
+                  <a:lumMod val="60000"/>
+                  <a:lumOff val="40000"/>
+                  <a:alpha val="6000"/>
+                </a:schemeClr>
+              </a:gs>
+            </a:gsLst>
+            <a:path path="circle">
+              <a:fillToRect l="50000" t="50000" r="50000" b="50000"/>
+            </a:path>
+            <a:tileRect/>
+          </a:gradFill>
+          <a:ln>
+            <a:noFill/>
+          </a:ln>
+          <a:effectLst/>
+        </p:spPr>
+        <p:style>
+          <a:lnRef idx="1">
+            <a:schemeClr val="accent1"/>
+          </a:lnRef>
+          <a:fillRef idx="3">
+            <a:schemeClr val="accent1"/>
+          </a:fillRef>
+          <a:effectRef idx="2">
+            <a:schemeClr val="accent1"/>
+          </a:effectRef>
+          <a:fontRef idx="minor">
+            <a:schemeClr val="lt1"/>
+          </a:fontRef>
+        </p:style>
+      </p:sp>
+      <p:pic>
+        <p:nvPicPr>
+          <p:cNvPr id="9" name="Picture 8"/>
+          <p:cNvPicPr>
+            <a:picLocks noChangeAspect="1"/>
+          </p:cNvPicPr>
+          <p:nvPr/>
+        </p:nvPicPr>
+        <p:blipFill rotWithShape="1">
+          <a:blip r:embed="rId21">
             <a:extLst>
-              <a:ext uri="{FF2B5EF4-FFF2-40B4-BE49-F238E27FC236}">
-                <a16:creationId xmlns:a16="http://schemas.microsoft.com/office/drawing/2014/main" id="{7D095079-CCF0-49E0-83A4-1A9A2DCB4B4C}"/>
+              <a:ext uri="{28A0092B-C50C-407E-A947-70E740481C1C}">
+                <a14:useLocalDpi xmlns:a14="http://schemas.microsoft.com/office/drawing/2010/main" val="0"/>
               </a:ext>
             </a:extLst>
-          </p:cNvPr>
-          <p:cNvSpPr>
-            <a:spLocks noGrp="1"/>
-          </p:cNvSpPr>
-          <p:nvPr>
-            <p:ph type="dt" sz="half" idx="2"/>
-          </p:nvPr>
-        </p:nvSpPr>
+          </a:blip>
+          <a:srcRect t="28813"/>
+          <a:stretch/>
+        </p:blipFill>
         <p:spPr>
           <a:xfrm>
-            <a:off x="838200" y="6356350"/>
-            <a:ext cx="2743200" cy="365125"/>
+            <a:off x="7999412" y="0"/>
+            <a:ext cx="1603387" cy="1141407"/>
           </a:xfrm>
           <a:prstGeom prst="rect">
             <a:avLst/>
           </a:prstGeom>
         </p:spPr>
-        <p:txBody>
-          <a:bodyPr vert="horz" lIns="91440" tIns="45720" rIns="91440" bIns="45720" rtlCol="0" anchor="ctr"/>
+      </p:pic>
+      <p:pic>
+        <p:nvPicPr>
+          <p:cNvPr id="10" name="Picture 9"/>
+          <p:cNvPicPr>
+            <a:picLocks noChangeAspect="1"/>
+          </p:cNvPicPr>
+          <p:nvPr/>
+        </p:nvPicPr>
+        <p:blipFill rotWithShape="1">
+          <a:blip r:embed="rId22">
+            <a:extLst>
+              <a:ext uri="{28A0092B-C50C-407E-A947-70E740481C1C}">
+                <a14:useLocalDpi xmlns:a14="http://schemas.microsoft.com/office/drawing/2010/main" val="0"/>
+              </a:ext>
+            </a:extLst>
+          </a:blip>
+          <a:srcRect b="23320"/>
+          <a:stretch/>
+        </p:blipFill>
+        <p:spPr>
+          <a:xfrm>
+            <a:off x="8605878" y="6096000"/>
+            <a:ext cx="993734" cy="762000"/>
+          </a:xfrm>
+          <a:prstGeom prst="rect">
+            <a:avLst/>
+          </a:prstGeom>
+        </p:spPr>
+      </p:pic>
+      <p:sp>
+        <p:nvSpPr>
+          <p:cNvPr id="14" name="Rectangle 13"/>
+          <p:cNvSpPr/>
+          <p:nvPr/>
+        </p:nvSpPr>
+        <p:spPr>
+          <a:xfrm>
+            <a:off x="10437812" y="0"/>
+            <a:ext cx="685800" cy="1143000"/>
+          </a:xfrm>
+          <a:prstGeom prst="rect">
+            <a:avLst/>
+          </a:prstGeom>
+          <a:solidFill>
+            <a:schemeClr val="accent1"/>
+          </a:solidFill>
+          <a:ln>
+            <a:noFill/>
+          </a:ln>
+        </p:spPr>
+        <p:style>
+          <a:lnRef idx="1">
+            <a:schemeClr val="accent1"/>
+          </a:lnRef>
+          <a:fillRef idx="3">
+            <a:schemeClr val="accent1"/>
+          </a:fillRef>
+          <a:effectRef idx="2">
+            <a:schemeClr val="accent1"/>
+          </a:effectRef>
+          <a:fontRef idx="minor">
+            <a:schemeClr val="lt1"/>
+          </a:fontRef>
+        </p:style>
+      </p:sp>
+      <p:sp>
+        <p:nvSpPr>
+          <p:cNvPr id="2" name="Title Placeholder 1"/>
+          <p:cNvSpPr>
+            <a:spLocks noGrp="1"/>
+          </p:cNvSpPr>
+          <p:nvPr>
+            <p:ph type="title"/>
+          </p:nvPr>
+        </p:nvSpPr>
+        <p:spPr>
+          <a:xfrm>
+            <a:off x="646111" y="452718"/>
+            <a:ext cx="9404723" cy="1400530"/>
+          </a:xfrm>
+          <a:prstGeom prst="rect">
+            <a:avLst/>
+          </a:prstGeom>
+        </p:spPr>
+        <p:txBody>
+          <a:bodyPr vert="horz" lIns="91440" tIns="45720" rIns="91440" bIns="45720" rtlCol="0" anchor="t">
+            <a:noAutofit/>
+          </a:bodyPr>
+          <a:lstStyle/>
+          <a:p>
+            <a:r>
+              <a:rPr lang="en-US"/>
+              <a:t>Click to edit Master title style</a:t>
+            </a:r>
+            <a:endParaRPr lang="en-US" dirty="0"/>
+          </a:p>
+        </p:txBody>
+      </p:sp>
+      <p:sp>
+        <p:nvSpPr>
+          <p:cNvPr id="3" name="Text Placeholder 2"/>
+          <p:cNvSpPr>
+            <a:spLocks noGrp="1"/>
+          </p:cNvSpPr>
+          <p:nvPr>
+            <p:ph type="body" idx="1"/>
+          </p:nvPr>
+        </p:nvSpPr>
+        <p:spPr>
+          <a:xfrm>
+            <a:off x="1103312" y="2052918"/>
+            <a:ext cx="8946541" cy="4195481"/>
+          </a:xfrm>
+          <a:prstGeom prst="rect">
+            <a:avLst/>
+          </a:prstGeom>
+        </p:spPr>
+        <p:txBody>
+          <a:bodyPr vert="horz" lIns="91440" tIns="45720" rIns="91440" bIns="45720" rtlCol="0">
+            <a:normAutofit/>
+          </a:bodyPr>
+          <a:lstStyle/>
+          <a:p>
+            <a:pPr lvl="0"/>
+            <a:r>
+              <a:rPr lang="en-US"/>
+              <a:t>Edit Master text styles</a:t>
+            </a:r>
+          </a:p>
+          <a:p>
+            <a:pPr lvl="1"/>
+            <a:r>
+              <a:rPr lang="en-US"/>
+              <a:t>Second level</a:t>
+            </a:r>
+          </a:p>
+          <a:p>
+            <a:pPr lvl="2"/>
+            <a:r>
+              <a:rPr lang="en-US"/>
+              <a:t>Third level</a:t>
+            </a:r>
+          </a:p>
+          <a:p>
+            <a:pPr lvl="3"/>
+            <a:r>
+              <a:rPr lang="en-US"/>
+              <a:t>Fourth level</a:t>
+            </a:r>
+          </a:p>
+          <a:p>
+            <a:pPr lvl="4"/>
+            <a:r>
+              <a:rPr lang="en-US"/>
+              <a:t>Fifth level</a:t>
+            </a:r>
+            <a:endParaRPr lang="en-US" dirty="0"/>
+          </a:p>
+        </p:txBody>
+      </p:sp>
+      <p:sp>
+        <p:nvSpPr>
+          <p:cNvPr id="4" name="Date Placeholder 3"/>
+          <p:cNvSpPr>
+            <a:spLocks noGrp="1"/>
+          </p:cNvSpPr>
+          <p:nvPr>
+            <p:ph type="dt" sz="half" idx="2"/>
+          </p:nvPr>
+        </p:nvSpPr>
+        <p:spPr>
+          <a:xfrm rot="5400000">
+            <a:off x="10155639" y="1790701"/>
+            <a:ext cx="990599" cy="304799"/>
+          </a:xfrm>
+          <a:prstGeom prst="rect">
+            <a:avLst/>
+          </a:prstGeom>
+        </p:spPr>
+        <p:txBody>
+          <a:bodyPr vert="horz" lIns="91440" tIns="45720" rIns="91440" bIns="45720" rtlCol="0" anchor="t"/>
           <a:lstStyle>
             <a:lvl1pPr algn="l">
-              <a:defRPr sz="1200">
+              <a:defRPr sz="1100" b="0" i="0">
+                <a:solidFill>
+                  <a:schemeClr val="tx1">
+                    <a:tint val="75000"/>
+                    <a:alpha val="60000"/>
+                  </a:schemeClr>
+                </a:solidFill>
+              </a:defRPr>
+            </a:lvl1pPr>
+          </a:lstStyle>
+          <a:p>
+            <a:fld id="{AED1D2E7-AC9D-42CB-81DF-0C53EE097FA4}" type="datetimeFigureOut">
+              <a:rPr lang="en-US" smtClean="0"/>
+              <a:t>4/9/2018</a:t>
+            </a:fld>
+            <a:endParaRPr lang="en-US"/>
+          </a:p>
+        </p:txBody>
+      </p:sp>
+      <p:sp>
+        <p:nvSpPr>
+          <p:cNvPr id="5" name="Footer Placeholder 4"/>
+          <p:cNvSpPr>
+            <a:spLocks noGrp="1"/>
+          </p:cNvSpPr>
+          <p:nvPr>
+            <p:ph type="ftr" sz="quarter" idx="3"/>
+          </p:nvPr>
+        </p:nvSpPr>
+        <p:spPr>
+          <a:xfrm rot="5400000">
+            <a:off x="8951573" y="3225297"/>
+            <a:ext cx="3859795" cy="304801"/>
+          </a:xfrm>
+          <a:prstGeom prst="rect">
+            <a:avLst/>
+          </a:prstGeom>
+        </p:spPr>
+        <p:txBody>
+          <a:bodyPr vert="horz" lIns="91440" tIns="45720" rIns="91440" bIns="45720" rtlCol="0" anchor="b"/>
+          <a:lstStyle>
+            <a:lvl1pPr algn="l">
+              <a:defRPr sz="1100" b="0" i="0">
+                <a:solidFill>
+                  <a:schemeClr val="tx1">
+                    <a:tint val="75000"/>
+                    <a:alpha val="60000"/>
+                  </a:schemeClr>
+                </a:solidFill>
+              </a:defRPr>
+            </a:lvl1pPr>
+          </a:lstStyle>
+          <a:p>
+            <a:endParaRPr lang="en-US"/>
+          </a:p>
+        </p:txBody>
+      </p:sp>
+      <p:sp>
+        <p:nvSpPr>
+          <p:cNvPr id="6" name="Slide Number Placeholder 5"/>
+          <p:cNvSpPr>
+            <a:spLocks noGrp="1"/>
+          </p:cNvSpPr>
+          <p:nvPr>
+            <p:ph type="sldNum" sz="quarter" idx="4"/>
+          </p:nvPr>
+        </p:nvSpPr>
+        <p:spPr bwMode="gray">
+          <a:xfrm>
+            <a:off x="10352540" y="295729"/>
+            <a:ext cx="838199" cy="767687"/>
+          </a:xfrm>
+          <a:prstGeom prst="rect">
+            <a:avLst/>
+          </a:prstGeom>
+        </p:spPr>
+        <p:txBody>
+          <a:bodyPr vert="horz" lIns="91440" tIns="45720" rIns="91440" bIns="45720" rtlCol="0" anchor="b"/>
+          <a:lstStyle>
+            <a:lvl1pPr algn="ctr">
+              <a:defRPr sz="2800" b="0" i="0">
                 <a:solidFill>
                   <a:schemeClr val="tx1">
                     <a:tint val="75000"/>
@@ -2904,96 +5654,6 @@
             </a:lvl1pPr>
           </a:lstStyle>
           <a:p>
-            <a:fld id="{AED1D2E7-AC9D-42CB-81DF-0C53EE097FA4}" type="datetimeFigureOut">
-              <a:rPr lang="en-US" smtClean="0"/>
-              <a:t>2/26/2018</a:t>
-            </a:fld>
-            <a:endParaRPr lang="en-US"/>
-          </a:p>
-        </p:txBody>
-      </p:sp>
-      <p:sp>
-        <p:nvSpPr>
-          <p:cNvPr id="5" name="Footer Placeholder 4">
-            <a:extLst>
-              <a:ext uri="{FF2B5EF4-FFF2-40B4-BE49-F238E27FC236}">
-                <a16:creationId xmlns:a16="http://schemas.microsoft.com/office/drawing/2014/main" id="{3981C042-553A-4493-B582-BF705109001E}"/>
-              </a:ext>
-            </a:extLst>
-          </p:cNvPr>
-          <p:cNvSpPr>
-            <a:spLocks noGrp="1"/>
-          </p:cNvSpPr>
-          <p:nvPr>
-            <p:ph type="ftr" sz="quarter" idx="3"/>
-          </p:nvPr>
-        </p:nvSpPr>
-        <p:spPr>
-          <a:xfrm>
-            <a:off x="4038600" y="6356350"/>
-            <a:ext cx="4114800" cy="365125"/>
-          </a:xfrm>
-          <a:prstGeom prst="rect">
-            <a:avLst/>
-          </a:prstGeom>
-        </p:spPr>
-        <p:txBody>
-          <a:bodyPr vert="horz" lIns="91440" tIns="45720" rIns="91440" bIns="45720" rtlCol="0" anchor="ctr"/>
-          <a:lstStyle>
-            <a:lvl1pPr algn="ctr">
-              <a:defRPr sz="1200">
-                <a:solidFill>
-                  <a:schemeClr val="tx1">
-                    <a:tint val="75000"/>
-                  </a:schemeClr>
-                </a:solidFill>
-              </a:defRPr>
-            </a:lvl1pPr>
-          </a:lstStyle>
-          <a:p>
-            <a:endParaRPr lang="en-US"/>
-          </a:p>
-        </p:txBody>
-      </p:sp>
-      <p:sp>
-        <p:nvSpPr>
-          <p:cNvPr id="6" name="Slide Number Placeholder 5">
-            <a:extLst>
-              <a:ext uri="{FF2B5EF4-FFF2-40B4-BE49-F238E27FC236}">
-                <a16:creationId xmlns:a16="http://schemas.microsoft.com/office/drawing/2014/main" id="{9A6490A2-0BC6-4108-A36F-4F13AA57876B}"/>
-              </a:ext>
-            </a:extLst>
-          </p:cNvPr>
-          <p:cNvSpPr>
-            <a:spLocks noGrp="1"/>
-          </p:cNvSpPr>
-          <p:nvPr>
-            <p:ph type="sldNum" sz="quarter" idx="4"/>
-          </p:nvPr>
-        </p:nvSpPr>
-        <p:spPr>
-          <a:xfrm>
-            <a:off x="8610600" y="6356350"/>
-            <a:ext cx="2743200" cy="365125"/>
-          </a:xfrm>
-          <a:prstGeom prst="rect">
-            <a:avLst/>
-          </a:prstGeom>
-        </p:spPr>
-        <p:txBody>
-          <a:bodyPr vert="horz" lIns="91440" tIns="45720" rIns="91440" bIns="45720" rtlCol="0" anchor="ctr"/>
-          <a:lstStyle>
-            <a:lvl1pPr algn="r">
-              <a:defRPr sz="1200">
-                <a:solidFill>
-                  <a:schemeClr val="tx1">
-                    <a:tint val="75000"/>
-                  </a:schemeClr>
-                </a:solidFill>
-              </a:defRPr>
-            </a:lvl1pPr>
-          </a:lstStyle>
-          <a:p>
             <a:fld id="{11B37FE4-AD18-4CE5-AF60-8B1E60BD4E57}" type="slidenum">
               <a:rPr lang="en-US" smtClean="0"/>
               <a:t>‹#›</a:t>
@@ -3005,35 +5665,121 @@
     </p:spTree>
     <p:extLst>
       <p:ext uri="{BB962C8B-B14F-4D97-AF65-F5344CB8AC3E}">
-        <p14:creationId xmlns:p14="http://schemas.microsoft.com/office/powerpoint/2010/main" val="345741572"/>
+        <p14:creationId xmlns:p14="http://schemas.microsoft.com/office/powerpoint/2010/main" val="3225451800"/>
       </p:ext>
     </p:extLst>
   </p:cSld>
-  <p:clrMap bg1="lt1" tx1="dk1" bg2="lt2" tx2="dk2" accent1="accent1" accent2="accent2" accent3="accent3" accent4="accent4" accent5="accent5" accent6="accent6" hlink="hlink" folHlink="folHlink"/>
+  <p:clrMap bg1="dk1" tx1="lt1" bg2="dk2" tx2="lt2" accent1="accent1" accent2="accent2" accent3="accent3" accent4="accent4" accent5="accent5" accent6="accent6" hlink="hlink" folHlink="folHlink"/>
   <p:sldLayoutIdLst>
-    <p:sldLayoutId id="2147483649" r:id="rId1"/>
-    <p:sldLayoutId id="2147483650" r:id="rId2"/>
-    <p:sldLayoutId id="2147483651" r:id="rId3"/>
-    <p:sldLayoutId id="2147483652" r:id="rId4"/>
-    <p:sldLayoutId id="2147483653" r:id="rId5"/>
-    <p:sldLayoutId id="2147483654" r:id="rId6"/>
-    <p:sldLayoutId id="2147483655" r:id="rId7"/>
-    <p:sldLayoutId id="2147483656" r:id="rId8"/>
-    <p:sldLayoutId id="2147483657" r:id="rId9"/>
-    <p:sldLayoutId id="2147483658" r:id="rId10"/>
-    <p:sldLayoutId id="2147483659" r:id="rId11"/>
+    <p:sldLayoutId id="2147483661" r:id="rId1"/>
+    <p:sldLayoutId id="2147483662" r:id="rId2"/>
+    <p:sldLayoutId id="2147483663" r:id="rId3"/>
+    <p:sldLayoutId id="2147483664" r:id="rId4"/>
+    <p:sldLayoutId id="2147483665" r:id="rId5"/>
+    <p:sldLayoutId id="2147483666" r:id="rId6"/>
+    <p:sldLayoutId id="2147483667" r:id="rId7"/>
+    <p:sldLayoutId id="2147483668" r:id="rId8"/>
+    <p:sldLayoutId id="2147483669" r:id="rId9"/>
+    <p:sldLayoutId id="2147483670" r:id="rId10"/>
+    <p:sldLayoutId id="2147483671" r:id="rId11"/>
+    <p:sldLayoutId id="2147483672" r:id="rId12"/>
+    <p:sldLayoutId id="2147483673" r:id="rId13"/>
+    <p:sldLayoutId id="2147483674" r:id="rId14"/>
+    <p:sldLayoutId id="2147483675" r:id="rId15"/>
+    <p:sldLayoutId id="2147483676" r:id="rId16"/>
+    <p:sldLayoutId id="2147483677" r:id="rId17"/>
   </p:sldLayoutIdLst>
   <p:txStyles>
     <p:titleStyle>
-      <a:lvl1pPr algn="l" defTabSz="914400" rtl="0" eaLnBrk="1" latinLnBrk="0" hangingPunct="1">
-        <a:lnSpc>
-          <a:spcPct val="90000"/>
-        </a:lnSpc>
+      <a:lvl1pPr algn="l" defTabSz="457200" rtl="0" eaLnBrk="1" latinLnBrk="0" hangingPunct="1">
         <a:spcBef>
           <a:spcPct val="0"/>
         </a:spcBef>
         <a:buNone/>
-        <a:defRPr sz="4400" kern="1200">
+        <a:defRPr sz="4200" b="0" i="0" kern="1200">
+          <a:solidFill>
+            <a:schemeClr val="tx2"/>
+          </a:solidFill>
+          <a:latin typeface="+mj-lt"/>
+          <a:ea typeface="+mj-ea"/>
+          <a:cs typeface="+mj-cs"/>
+        </a:defRPr>
+      </a:lvl1pPr>
+      <a:lvl2pPr eaLnBrk="1" hangingPunct="1">
+        <a:defRPr>
+          <a:solidFill>
+            <a:schemeClr val="tx2"/>
+          </a:solidFill>
+        </a:defRPr>
+      </a:lvl2pPr>
+      <a:lvl3pPr eaLnBrk="1" hangingPunct="1">
+        <a:defRPr>
+          <a:solidFill>
+            <a:schemeClr val="tx2"/>
+          </a:solidFill>
+        </a:defRPr>
+      </a:lvl3pPr>
+      <a:lvl4pPr eaLnBrk="1" hangingPunct="1">
+        <a:defRPr>
+          <a:solidFill>
+            <a:schemeClr val="tx2"/>
+          </a:solidFill>
+        </a:defRPr>
+      </a:lvl4pPr>
+      <a:lvl5pPr eaLnBrk="1" hangingPunct="1">
+        <a:defRPr>
+          <a:solidFill>
+            <a:schemeClr val="tx2"/>
+          </a:solidFill>
+        </a:defRPr>
+      </a:lvl5pPr>
+      <a:lvl6pPr eaLnBrk="1" hangingPunct="1">
+        <a:defRPr>
+          <a:solidFill>
+            <a:schemeClr val="tx2"/>
+          </a:solidFill>
+        </a:defRPr>
+      </a:lvl6pPr>
+      <a:lvl7pPr eaLnBrk="1" hangingPunct="1">
+        <a:defRPr>
+          <a:solidFill>
+            <a:schemeClr val="tx2"/>
+          </a:solidFill>
+        </a:defRPr>
+      </a:lvl7pPr>
+      <a:lvl8pPr eaLnBrk="1" hangingPunct="1">
+        <a:defRPr>
+          <a:solidFill>
+            <a:schemeClr val="tx2"/>
+          </a:solidFill>
+        </a:defRPr>
+      </a:lvl8pPr>
+      <a:lvl9pPr eaLnBrk="1" hangingPunct="1">
+        <a:defRPr>
+          <a:solidFill>
+            <a:schemeClr val="tx2"/>
+          </a:solidFill>
+        </a:defRPr>
+      </a:lvl9pPr>
+    </p:titleStyle>
+    <p:bodyStyle>
+      <a:lvl1pPr marL="342900" indent="-342900" algn="l" defTabSz="457200" rtl="0" eaLnBrk="1" latinLnBrk="0" hangingPunct="1">
+        <a:spcBef>
+          <a:spcPts val="1000"/>
+        </a:spcBef>
+        <a:spcAft>
+          <a:spcPts val="0"/>
+        </a:spcAft>
+        <a:buClr>
+          <a:schemeClr val="bg2">
+            <a:lumMod val="40000"/>
+            <a:lumOff val="60000"/>
+          </a:schemeClr>
+        </a:buClr>
+        <a:buSzPct val="80000"/>
+        <a:buFont typeface="Wingdings 3" charset="2"/>
+        <a:buChar char=""/>
+        <a:defRPr sz="2000" b="0" i="0" kern="1200">
           <a:solidFill>
             <a:schemeClr val="tx1"/>
           </a:solidFill>
@@ -3042,18 +5788,213 @@
           <a:cs typeface="+mj-cs"/>
         </a:defRPr>
       </a:lvl1pPr>
-    </p:titleStyle>
-    <p:bodyStyle>
-      <a:lvl1pPr marL="228600" indent="-228600" algn="l" defTabSz="914400" rtl="0" eaLnBrk="1" latinLnBrk="0" hangingPunct="1">
-        <a:lnSpc>
-          <a:spcPct val="90000"/>
-        </a:lnSpc>
+      <a:lvl2pPr marL="742950" indent="-285750" algn="l" defTabSz="457200" rtl="0" eaLnBrk="1" latinLnBrk="0" hangingPunct="1">
         <a:spcBef>
           <a:spcPts val="1000"/>
         </a:spcBef>
-        <a:buFont typeface="Arial" panose="020B0604020202020204" pitchFamily="34" charset="0"/>
-        <a:buChar char="•"/>
-        <a:defRPr sz="2800" kern="1200">
+        <a:spcAft>
+          <a:spcPts val="0"/>
+        </a:spcAft>
+        <a:buClr>
+          <a:schemeClr val="bg2">
+            <a:lumMod val="40000"/>
+            <a:lumOff val="60000"/>
+          </a:schemeClr>
+        </a:buClr>
+        <a:buSzPct val="80000"/>
+        <a:buFont typeface="Wingdings 3" charset="2"/>
+        <a:buChar char=""/>
+        <a:defRPr sz="1800" b="0" i="0" kern="1200">
+          <a:solidFill>
+            <a:schemeClr val="tx1"/>
+          </a:solidFill>
+          <a:latin typeface="+mj-lt"/>
+          <a:ea typeface="+mj-ea"/>
+          <a:cs typeface="+mj-cs"/>
+        </a:defRPr>
+      </a:lvl2pPr>
+      <a:lvl3pPr marL="1143000" indent="-228600" algn="l" defTabSz="457200" rtl="0" eaLnBrk="1" latinLnBrk="0" hangingPunct="1">
+        <a:spcBef>
+          <a:spcPts val="1000"/>
+        </a:spcBef>
+        <a:spcAft>
+          <a:spcPts val="0"/>
+        </a:spcAft>
+        <a:buClr>
+          <a:schemeClr val="bg2">
+            <a:lumMod val="40000"/>
+            <a:lumOff val="60000"/>
+          </a:schemeClr>
+        </a:buClr>
+        <a:buSzPct val="80000"/>
+        <a:buFont typeface="Wingdings 3" charset="2"/>
+        <a:buChar char=""/>
+        <a:defRPr sz="1600" b="0" i="0" kern="1200">
+          <a:solidFill>
+            <a:schemeClr val="tx1"/>
+          </a:solidFill>
+          <a:latin typeface="+mj-lt"/>
+          <a:ea typeface="+mj-ea"/>
+          <a:cs typeface="+mj-cs"/>
+        </a:defRPr>
+      </a:lvl3pPr>
+      <a:lvl4pPr marL="1600200" indent="-228600" algn="l" defTabSz="457200" rtl="0" eaLnBrk="1" latinLnBrk="0" hangingPunct="1">
+        <a:spcBef>
+          <a:spcPts val="1000"/>
+        </a:spcBef>
+        <a:spcAft>
+          <a:spcPts val="0"/>
+        </a:spcAft>
+        <a:buClr>
+          <a:schemeClr val="bg2">
+            <a:lumMod val="40000"/>
+            <a:lumOff val="60000"/>
+          </a:schemeClr>
+        </a:buClr>
+        <a:buSzPct val="80000"/>
+        <a:buFont typeface="Wingdings 3" charset="2"/>
+        <a:buChar char=""/>
+        <a:defRPr sz="1400" b="0" i="0" kern="1200">
+          <a:solidFill>
+            <a:schemeClr val="tx1"/>
+          </a:solidFill>
+          <a:latin typeface="+mj-lt"/>
+          <a:ea typeface="+mj-ea"/>
+          <a:cs typeface="+mj-cs"/>
+        </a:defRPr>
+      </a:lvl4pPr>
+      <a:lvl5pPr marL="2057400" indent="-228600" algn="l" defTabSz="457200" rtl="0" eaLnBrk="1" latinLnBrk="0" hangingPunct="1">
+        <a:spcBef>
+          <a:spcPts val="1000"/>
+        </a:spcBef>
+        <a:spcAft>
+          <a:spcPts val="0"/>
+        </a:spcAft>
+        <a:buClr>
+          <a:schemeClr val="bg2">
+            <a:lumMod val="40000"/>
+            <a:lumOff val="60000"/>
+          </a:schemeClr>
+        </a:buClr>
+        <a:buSzPct val="80000"/>
+        <a:buFont typeface="Wingdings 3" charset="2"/>
+        <a:buChar char=""/>
+        <a:defRPr sz="1400" b="0" i="0" kern="1200">
+          <a:solidFill>
+            <a:schemeClr val="tx1"/>
+          </a:solidFill>
+          <a:latin typeface="+mj-lt"/>
+          <a:ea typeface="+mj-ea"/>
+          <a:cs typeface="+mj-cs"/>
+        </a:defRPr>
+      </a:lvl5pPr>
+      <a:lvl6pPr marL="2506000" indent="-228600" algn="l" defTabSz="457200" rtl="0" eaLnBrk="1" latinLnBrk="0" hangingPunct="1">
+        <a:spcBef>
+          <a:spcPts val="1000"/>
+        </a:spcBef>
+        <a:spcAft>
+          <a:spcPts val="0"/>
+        </a:spcAft>
+        <a:buClr>
+          <a:schemeClr val="bg2">
+            <a:lumMod val="40000"/>
+            <a:lumOff val="60000"/>
+          </a:schemeClr>
+        </a:buClr>
+        <a:buSzPct val="80000"/>
+        <a:buFont typeface="Wingdings 3" charset="2"/>
+        <a:buChar char=""/>
+        <a:defRPr sz="1400" b="0" i="0" kern="1200">
+          <a:solidFill>
+            <a:schemeClr val="tx1"/>
+          </a:solidFill>
+          <a:latin typeface="+mj-lt"/>
+          <a:ea typeface="+mj-ea"/>
+          <a:cs typeface="+mj-cs"/>
+        </a:defRPr>
+      </a:lvl6pPr>
+      <a:lvl7pPr marL="2971800" indent="-228600" algn="l" defTabSz="457200" rtl="0" eaLnBrk="1" latinLnBrk="0" hangingPunct="1">
+        <a:spcBef>
+          <a:spcPts val="1000"/>
+        </a:spcBef>
+        <a:spcAft>
+          <a:spcPts val="0"/>
+        </a:spcAft>
+        <a:buClr>
+          <a:schemeClr val="bg2">
+            <a:lumMod val="40000"/>
+            <a:lumOff val="60000"/>
+          </a:schemeClr>
+        </a:buClr>
+        <a:buSzPct val="80000"/>
+        <a:buFont typeface="Wingdings 3" charset="2"/>
+        <a:buChar char=""/>
+        <a:defRPr sz="1400" b="0" i="0" kern="1200">
+          <a:solidFill>
+            <a:schemeClr val="tx1"/>
+          </a:solidFill>
+          <a:latin typeface="+mj-lt"/>
+          <a:ea typeface="+mj-ea"/>
+          <a:cs typeface="+mj-cs"/>
+        </a:defRPr>
+      </a:lvl7pPr>
+      <a:lvl8pPr marL="3429000" indent="-228600" algn="l" defTabSz="457200" rtl="0" eaLnBrk="1" latinLnBrk="0" hangingPunct="1">
+        <a:spcBef>
+          <a:spcPts val="1000"/>
+        </a:spcBef>
+        <a:spcAft>
+          <a:spcPts val="0"/>
+        </a:spcAft>
+        <a:buClr>
+          <a:schemeClr val="bg2">
+            <a:lumMod val="40000"/>
+            <a:lumOff val="60000"/>
+          </a:schemeClr>
+        </a:buClr>
+        <a:buSzPct val="80000"/>
+        <a:buFont typeface="Wingdings 3" charset="2"/>
+        <a:buChar char=""/>
+        <a:defRPr sz="1400" b="0" i="0" kern="1200">
+          <a:solidFill>
+            <a:schemeClr val="tx1"/>
+          </a:solidFill>
+          <a:latin typeface="+mj-lt"/>
+          <a:ea typeface="+mj-ea"/>
+          <a:cs typeface="+mj-cs"/>
+        </a:defRPr>
+      </a:lvl8pPr>
+      <a:lvl9pPr marL="3886200" indent="-228600" algn="l" defTabSz="457200" rtl="0" eaLnBrk="1" latinLnBrk="0" hangingPunct="1">
+        <a:spcBef>
+          <a:spcPts val="1000"/>
+        </a:spcBef>
+        <a:spcAft>
+          <a:spcPts val="0"/>
+        </a:spcAft>
+        <a:buClr>
+          <a:schemeClr val="bg2">
+            <a:lumMod val="40000"/>
+            <a:lumOff val="60000"/>
+          </a:schemeClr>
+        </a:buClr>
+        <a:buSzPct val="80000"/>
+        <a:buFont typeface="Wingdings 3" charset="2"/>
+        <a:buChar char=""/>
+        <a:defRPr sz="1400" b="0" i="0" kern="1200">
+          <a:solidFill>
+            <a:schemeClr val="tx1"/>
+          </a:solidFill>
+          <a:latin typeface="+mj-lt"/>
+          <a:ea typeface="+mj-ea"/>
+          <a:cs typeface="+mj-cs"/>
+        </a:defRPr>
+      </a:lvl9pPr>
+    </p:bodyStyle>
+    <p:otherStyle>
+      <a:defPPr>
+        <a:defRPr lang="en-US"/>
+      </a:defPPr>
+      <a:lvl1pPr marL="0" algn="l" defTabSz="457200" rtl="0" eaLnBrk="1" latinLnBrk="0" hangingPunct="1">
+        <a:defRPr sz="1800" kern="1200">
           <a:solidFill>
             <a:schemeClr val="tx1"/>
           </a:solidFill>
@@ -3062,16 +6003,8 @@
           <a:cs typeface="+mn-cs"/>
         </a:defRPr>
       </a:lvl1pPr>
-      <a:lvl2pPr marL="685800" indent="-228600" algn="l" defTabSz="914400" rtl="0" eaLnBrk="1" latinLnBrk="0" hangingPunct="1">
-        <a:lnSpc>
-          <a:spcPct val="90000"/>
-        </a:lnSpc>
-        <a:spcBef>
-          <a:spcPts val="500"/>
-        </a:spcBef>
-        <a:buFont typeface="Arial" panose="020B0604020202020204" pitchFamily="34" charset="0"/>
-        <a:buChar char="•"/>
-        <a:defRPr sz="2400" kern="1200">
+      <a:lvl2pPr marL="457200" algn="l" defTabSz="457200" rtl="0" eaLnBrk="1" latinLnBrk="0" hangingPunct="1">
+        <a:defRPr sz="1800" kern="1200">
           <a:solidFill>
             <a:schemeClr val="tx1"/>
           </a:solidFill>
@@ -3080,16 +6013,8 @@
           <a:cs typeface="+mn-cs"/>
         </a:defRPr>
       </a:lvl2pPr>
-      <a:lvl3pPr marL="1143000" indent="-228600" algn="l" defTabSz="914400" rtl="0" eaLnBrk="1" latinLnBrk="0" hangingPunct="1">
-        <a:lnSpc>
-          <a:spcPct val="90000"/>
-        </a:lnSpc>
-        <a:spcBef>
-          <a:spcPts val="500"/>
-        </a:spcBef>
-        <a:buFont typeface="Arial" panose="020B0604020202020204" pitchFamily="34" charset="0"/>
-        <a:buChar char="•"/>
-        <a:defRPr sz="2000" kern="1200">
+      <a:lvl3pPr marL="914400" algn="l" defTabSz="457200" rtl="0" eaLnBrk="1" latinLnBrk="0" hangingPunct="1">
+        <a:defRPr sz="1800" kern="1200">
           <a:solidFill>
             <a:schemeClr val="tx1"/>
           </a:solidFill>
@@ -3098,15 +6023,7 @@
           <a:cs typeface="+mn-cs"/>
         </a:defRPr>
       </a:lvl3pPr>
-      <a:lvl4pPr marL="1600200" indent="-228600" algn="l" defTabSz="914400" rtl="0" eaLnBrk="1" latinLnBrk="0" hangingPunct="1">
-        <a:lnSpc>
-          <a:spcPct val="90000"/>
-        </a:lnSpc>
-        <a:spcBef>
-          <a:spcPts val="500"/>
-        </a:spcBef>
-        <a:buFont typeface="Arial" panose="020B0604020202020204" pitchFamily="34" charset="0"/>
-        <a:buChar char="•"/>
+      <a:lvl4pPr marL="1371600" algn="l" defTabSz="457200" rtl="0" eaLnBrk="1" latinLnBrk="0" hangingPunct="1">
         <a:defRPr sz="1800" kern="1200">
           <a:solidFill>
             <a:schemeClr val="tx1"/>
@@ -3116,15 +6033,7 @@
           <a:cs typeface="+mn-cs"/>
         </a:defRPr>
       </a:lvl4pPr>
-      <a:lvl5pPr marL="2057400" indent="-228600" algn="l" defTabSz="914400" rtl="0" eaLnBrk="1" latinLnBrk="0" hangingPunct="1">
-        <a:lnSpc>
-          <a:spcPct val="90000"/>
-        </a:lnSpc>
-        <a:spcBef>
-          <a:spcPts val="500"/>
-        </a:spcBef>
-        <a:buFont typeface="Arial" panose="020B0604020202020204" pitchFamily="34" charset="0"/>
-        <a:buChar char="•"/>
+      <a:lvl5pPr marL="1828800" algn="l" defTabSz="457200" rtl="0" eaLnBrk="1" latinLnBrk="0" hangingPunct="1">
         <a:defRPr sz="1800" kern="1200">
           <a:solidFill>
             <a:schemeClr val="tx1"/>
@@ -3134,15 +6043,7 @@
           <a:cs typeface="+mn-cs"/>
         </a:defRPr>
       </a:lvl5pPr>
-      <a:lvl6pPr marL="2514600" indent="-228600" algn="l" defTabSz="914400" rtl="0" eaLnBrk="1" latinLnBrk="0" hangingPunct="1">
-        <a:lnSpc>
-          <a:spcPct val="90000"/>
-        </a:lnSpc>
-        <a:spcBef>
-          <a:spcPts val="500"/>
-        </a:spcBef>
-        <a:buFont typeface="Arial" panose="020B0604020202020204" pitchFamily="34" charset="0"/>
-        <a:buChar char="•"/>
+      <a:lvl6pPr marL="2286000" algn="l" defTabSz="457200" rtl="0" eaLnBrk="1" latinLnBrk="0" hangingPunct="1">
         <a:defRPr sz="1800" kern="1200">
           <a:solidFill>
             <a:schemeClr val="tx1"/>
@@ -3152,15 +6053,7 @@
           <a:cs typeface="+mn-cs"/>
         </a:defRPr>
       </a:lvl6pPr>
-      <a:lvl7pPr marL="2971800" indent="-228600" algn="l" defTabSz="914400" rtl="0" eaLnBrk="1" latinLnBrk="0" hangingPunct="1">
-        <a:lnSpc>
-          <a:spcPct val="90000"/>
-        </a:lnSpc>
-        <a:spcBef>
-          <a:spcPts val="500"/>
-        </a:spcBef>
-        <a:buFont typeface="Arial" panose="020B0604020202020204" pitchFamily="34" charset="0"/>
-        <a:buChar char="•"/>
+      <a:lvl7pPr marL="2743200" algn="l" defTabSz="457200" rtl="0" eaLnBrk="1" latinLnBrk="0" hangingPunct="1">
         <a:defRPr sz="1800" kern="1200">
           <a:solidFill>
             <a:schemeClr val="tx1"/>
@@ -3170,15 +6063,7 @@
           <a:cs typeface="+mn-cs"/>
         </a:defRPr>
       </a:lvl7pPr>
-      <a:lvl8pPr marL="3429000" indent="-228600" algn="l" defTabSz="914400" rtl="0" eaLnBrk="1" latinLnBrk="0" hangingPunct="1">
-        <a:lnSpc>
-          <a:spcPct val="90000"/>
-        </a:lnSpc>
-        <a:spcBef>
-          <a:spcPts val="500"/>
-        </a:spcBef>
-        <a:buFont typeface="Arial" panose="020B0604020202020204" pitchFamily="34" charset="0"/>
-        <a:buChar char="•"/>
+      <a:lvl8pPr marL="3200400" algn="l" defTabSz="457200" rtl="0" eaLnBrk="1" latinLnBrk="0" hangingPunct="1">
         <a:defRPr sz="1800" kern="1200">
           <a:solidFill>
             <a:schemeClr val="tx1"/>
@@ -3188,110 +6073,7 @@
           <a:cs typeface="+mn-cs"/>
         </a:defRPr>
       </a:lvl8pPr>
-      <a:lvl9pPr marL="3886200" indent="-228600" algn="l" defTabSz="914400" rtl="0" eaLnBrk="1" latinLnBrk="0" hangingPunct="1">
-        <a:lnSpc>
-          <a:spcPct val="90000"/>
-        </a:lnSpc>
-        <a:spcBef>
-          <a:spcPts val="500"/>
-        </a:spcBef>
-        <a:buFont typeface="Arial" panose="020B0604020202020204" pitchFamily="34" charset="0"/>
-        <a:buChar char="•"/>
-        <a:defRPr sz="1800" kern="1200">
-          <a:solidFill>
-            <a:schemeClr val="tx1"/>
-          </a:solidFill>
-          <a:latin typeface="+mn-lt"/>
-          <a:ea typeface="+mn-ea"/>
-          <a:cs typeface="+mn-cs"/>
-        </a:defRPr>
-      </a:lvl9pPr>
-    </p:bodyStyle>
-    <p:otherStyle>
-      <a:defPPr>
-        <a:defRPr lang="en-US"/>
-      </a:defPPr>
-      <a:lvl1pPr marL="0" algn="l" defTabSz="914400" rtl="0" eaLnBrk="1" latinLnBrk="0" hangingPunct="1">
-        <a:defRPr sz="1800" kern="1200">
-          <a:solidFill>
-            <a:schemeClr val="tx1"/>
-          </a:solidFill>
-          <a:latin typeface="+mn-lt"/>
-          <a:ea typeface="+mn-ea"/>
-          <a:cs typeface="+mn-cs"/>
-        </a:defRPr>
-      </a:lvl1pPr>
-      <a:lvl2pPr marL="457200" algn="l" defTabSz="914400" rtl="0" eaLnBrk="1" latinLnBrk="0" hangingPunct="1">
-        <a:defRPr sz="1800" kern="1200">
-          <a:solidFill>
-            <a:schemeClr val="tx1"/>
-          </a:solidFill>
-          <a:latin typeface="+mn-lt"/>
-          <a:ea typeface="+mn-ea"/>
-          <a:cs typeface="+mn-cs"/>
-        </a:defRPr>
-      </a:lvl2pPr>
-      <a:lvl3pPr marL="914400" algn="l" defTabSz="914400" rtl="0" eaLnBrk="1" latinLnBrk="0" hangingPunct="1">
-        <a:defRPr sz="1800" kern="1200">
-          <a:solidFill>
-            <a:schemeClr val="tx1"/>
-          </a:solidFill>
-          <a:latin typeface="+mn-lt"/>
-          <a:ea typeface="+mn-ea"/>
-          <a:cs typeface="+mn-cs"/>
-        </a:defRPr>
-      </a:lvl3pPr>
-      <a:lvl4pPr marL="1371600" algn="l" defTabSz="914400" rtl="0" eaLnBrk="1" latinLnBrk="0" hangingPunct="1">
-        <a:defRPr sz="1800" kern="1200">
-          <a:solidFill>
-            <a:schemeClr val="tx1"/>
-          </a:solidFill>
-          <a:latin typeface="+mn-lt"/>
-          <a:ea typeface="+mn-ea"/>
-          <a:cs typeface="+mn-cs"/>
-        </a:defRPr>
-      </a:lvl4pPr>
-      <a:lvl5pPr marL="1828800" algn="l" defTabSz="914400" rtl="0" eaLnBrk="1" latinLnBrk="0" hangingPunct="1">
-        <a:defRPr sz="1800" kern="1200">
-          <a:solidFill>
-            <a:schemeClr val="tx1"/>
-          </a:solidFill>
-          <a:latin typeface="+mn-lt"/>
-          <a:ea typeface="+mn-ea"/>
-          <a:cs typeface="+mn-cs"/>
-        </a:defRPr>
-      </a:lvl5pPr>
-      <a:lvl6pPr marL="2286000" algn="l" defTabSz="914400" rtl="0" eaLnBrk="1" latinLnBrk="0" hangingPunct="1">
-        <a:defRPr sz="1800" kern="1200">
-          <a:solidFill>
-            <a:schemeClr val="tx1"/>
-          </a:solidFill>
-          <a:latin typeface="+mn-lt"/>
-          <a:ea typeface="+mn-ea"/>
-          <a:cs typeface="+mn-cs"/>
-        </a:defRPr>
-      </a:lvl6pPr>
-      <a:lvl7pPr marL="2743200" algn="l" defTabSz="914400" rtl="0" eaLnBrk="1" latinLnBrk="0" hangingPunct="1">
-        <a:defRPr sz="1800" kern="1200">
-          <a:solidFill>
-            <a:schemeClr val="tx1"/>
-          </a:solidFill>
-          <a:latin typeface="+mn-lt"/>
-          <a:ea typeface="+mn-ea"/>
-          <a:cs typeface="+mn-cs"/>
-        </a:defRPr>
-      </a:lvl7pPr>
-      <a:lvl8pPr marL="3200400" algn="l" defTabSz="914400" rtl="0" eaLnBrk="1" latinLnBrk="0" hangingPunct="1">
-        <a:defRPr sz="1800" kern="1200">
-          <a:solidFill>
-            <a:schemeClr val="tx1"/>
-          </a:solidFill>
-          <a:latin typeface="+mn-lt"/>
-          <a:ea typeface="+mn-ea"/>
-          <a:cs typeface="+mn-cs"/>
-        </a:defRPr>
-      </a:lvl8pPr>
-      <a:lvl9pPr marL="3657600" algn="l" defTabSz="914400" rtl="0" eaLnBrk="1" latinLnBrk="0" hangingPunct="1">
+      <a:lvl9pPr marL="3657600" algn="l" defTabSz="457200" rtl="0" eaLnBrk="1" latinLnBrk="0" hangingPunct="1">
         <a:defRPr sz="1800" kern="1200">
           <a:solidFill>
             <a:schemeClr val="tx1"/>
@@ -3384,6 +6166,811 @@
 </p:sld>
 </file>
 
+<file path=ppt/slides/slide10.xml><?xml version="1.0" encoding="utf-8"?>
+<p:sld xmlns:a="http://schemas.openxmlformats.org/drawingml/2006/main" xmlns:r="http://schemas.openxmlformats.org/officeDocument/2006/relationships" xmlns:p="http://schemas.openxmlformats.org/presentationml/2006/main">
+  <p:cSld>
+    <p:spTree>
+      <p:nvGrpSpPr>
+        <p:cNvPr id="1" name=""/>
+        <p:cNvGrpSpPr/>
+        <p:nvPr/>
+      </p:nvGrpSpPr>
+      <p:grpSpPr>
+        <a:xfrm>
+          <a:off x="0" y="0"/>
+          <a:ext cx="0" cy="0"/>
+          <a:chOff x="0" y="0"/>
+          <a:chExt cx="0" cy="0"/>
+        </a:xfrm>
+      </p:grpSpPr>
+      <p:sp>
+        <p:nvSpPr>
+          <p:cNvPr id="2" name="Title 1">
+            <a:extLst>
+              <a:ext uri="{FF2B5EF4-FFF2-40B4-BE49-F238E27FC236}">
+                <a16:creationId xmlns:a16="http://schemas.microsoft.com/office/drawing/2014/main" id="{D8366DCC-64E8-4771-954A-092F0325C9BD}"/>
+              </a:ext>
+            </a:extLst>
+          </p:cNvPr>
+          <p:cNvSpPr>
+            <a:spLocks noGrp="1"/>
+          </p:cNvSpPr>
+          <p:nvPr>
+            <p:ph type="title"/>
+          </p:nvPr>
+        </p:nvSpPr>
+        <p:spPr/>
+        <p:txBody>
+          <a:bodyPr/>
+          <a:lstStyle/>
+          <a:p>
+            <a:pPr algn="ctr"/>
+            <a:r>
+              <a:rPr lang="en-US" dirty="0"/>
+              <a:t>Margin - Shorthand Property</a:t>
+            </a:r>
+          </a:p>
+        </p:txBody>
+      </p:sp>
+      <p:sp>
+        <p:nvSpPr>
+          <p:cNvPr id="3" name="Content Placeholder 2">
+            <a:extLst>
+              <a:ext uri="{FF2B5EF4-FFF2-40B4-BE49-F238E27FC236}">
+                <a16:creationId xmlns:a16="http://schemas.microsoft.com/office/drawing/2014/main" id="{3B90EC5C-D226-42BB-B37A-D102CD240DE5}"/>
+              </a:ext>
+            </a:extLst>
+          </p:cNvPr>
+          <p:cNvSpPr>
+            <a:spLocks noGrp="1"/>
+          </p:cNvSpPr>
+          <p:nvPr>
+            <p:ph idx="1"/>
+          </p:nvPr>
+        </p:nvSpPr>
+        <p:spPr/>
+        <p:txBody>
+          <a:bodyPr/>
+          <a:lstStyle/>
+          <a:p>
+            <a:r>
+              <a:rPr lang="en-US" dirty="0"/>
+              <a:t>If the margin property has four values:</a:t>
+            </a:r>
+          </a:p>
+          <a:p>
+            <a:pPr marL="0" indent="0">
+              <a:buNone/>
+            </a:pPr>
+            <a:r>
+              <a:rPr lang="en-US" dirty="0"/>
+              <a:t>Example</a:t>
+            </a:r>
+          </a:p>
+          <a:p>
+            <a:pPr marL="0" indent="0">
+              <a:buNone/>
+            </a:pPr>
+            <a:r>
+              <a:rPr lang="en-US" dirty="0"/>
+              <a:t>p {</a:t>
+            </a:r>
+            <a:br>
+              <a:rPr lang="en-US" dirty="0"/>
+            </a:br>
+            <a:r>
+              <a:rPr lang="en-US" dirty="0"/>
+              <a:t>    margin: 25px 50px 75px 100px;</a:t>
+            </a:r>
+            <a:br>
+              <a:rPr lang="en-US" dirty="0"/>
+            </a:br>
+            <a:r>
+              <a:rPr lang="en-US" dirty="0"/>
+              <a:t>}</a:t>
+            </a:r>
+          </a:p>
+          <a:p>
+            <a:r>
+              <a:rPr lang="en-US" dirty="0"/>
+              <a:t>top margin is 25px</a:t>
+            </a:r>
+          </a:p>
+          <a:p>
+            <a:r>
+              <a:rPr lang="en-US" dirty="0"/>
+              <a:t>right margin is 50px</a:t>
+            </a:r>
+          </a:p>
+          <a:p>
+            <a:r>
+              <a:rPr lang="en-US" dirty="0"/>
+              <a:t>bottom margin is 75px</a:t>
+            </a:r>
+          </a:p>
+          <a:p>
+            <a:r>
+              <a:rPr lang="en-US" dirty="0"/>
+              <a:t>left margin is 100px</a:t>
+            </a:r>
+          </a:p>
+          <a:p>
+            <a:endParaRPr lang="en-US" dirty="0"/>
+          </a:p>
+        </p:txBody>
+      </p:sp>
+    </p:spTree>
+    <p:extLst>
+      <p:ext uri="{BB962C8B-B14F-4D97-AF65-F5344CB8AC3E}">
+        <p14:creationId xmlns:p14="http://schemas.microsoft.com/office/powerpoint/2010/main" val="527703853"/>
+      </p:ext>
+    </p:extLst>
+  </p:cSld>
+  <p:clrMapOvr>
+    <a:masterClrMapping/>
+  </p:clrMapOvr>
+</p:sld>
+</file>
+
+<file path=ppt/slides/slide11.xml><?xml version="1.0" encoding="utf-8"?>
+<p:sld xmlns:a="http://schemas.openxmlformats.org/drawingml/2006/main" xmlns:r="http://schemas.openxmlformats.org/officeDocument/2006/relationships" xmlns:p="http://schemas.openxmlformats.org/presentationml/2006/main">
+  <p:cSld>
+    <p:spTree>
+      <p:nvGrpSpPr>
+        <p:cNvPr id="1" name=""/>
+        <p:cNvGrpSpPr/>
+        <p:nvPr/>
+      </p:nvGrpSpPr>
+      <p:grpSpPr>
+        <a:xfrm>
+          <a:off x="0" y="0"/>
+          <a:ext cx="0" cy="0"/>
+          <a:chOff x="0" y="0"/>
+          <a:chExt cx="0" cy="0"/>
+        </a:xfrm>
+      </p:grpSpPr>
+      <p:sp>
+        <p:nvSpPr>
+          <p:cNvPr id="2" name="Title 1">
+            <a:extLst>
+              <a:ext uri="{FF2B5EF4-FFF2-40B4-BE49-F238E27FC236}">
+                <a16:creationId xmlns:a16="http://schemas.microsoft.com/office/drawing/2014/main" id="{D8366DCC-64E8-4771-954A-092F0325C9BD}"/>
+              </a:ext>
+            </a:extLst>
+          </p:cNvPr>
+          <p:cNvSpPr>
+            <a:spLocks noGrp="1"/>
+          </p:cNvSpPr>
+          <p:nvPr>
+            <p:ph type="title"/>
+          </p:nvPr>
+        </p:nvSpPr>
+        <p:spPr/>
+        <p:txBody>
+          <a:bodyPr/>
+          <a:lstStyle/>
+          <a:p>
+            <a:pPr algn="ctr"/>
+            <a:r>
+              <a:rPr lang="en-US" dirty="0"/>
+              <a:t>Margin - Shorthand Property</a:t>
+            </a:r>
+          </a:p>
+        </p:txBody>
+      </p:sp>
+      <p:sp>
+        <p:nvSpPr>
+          <p:cNvPr id="3" name="Content Placeholder 2">
+            <a:extLst>
+              <a:ext uri="{FF2B5EF4-FFF2-40B4-BE49-F238E27FC236}">
+                <a16:creationId xmlns:a16="http://schemas.microsoft.com/office/drawing/2014/main" id="{3B90EC5C-D226-42BB-B37A-D102CD240DE5}"/>
+              </a:ext>
+            </a:extLst>
+          </p:cNvPr>
+          <p:cNvSpPr>
+            <a:spLocks noGrp="1"/>
+          </p:cNvSpPr>
+          <p:nvPr>
+            <p:ph idx="1"/>
+          </p:nvPr>
+        </p:nvSpPr>
+        <p:spPr/>
+        <p:txBody>
+          <a:bodyPr/>
+          <a:lstStyle/>
+          <a:p>
+            <a:r>
+              <a:rPr lang="en-US" dirty="0"/>
+              <a:t>If the margin property has three values:</a:t>
+            </a:r>
+          </a:p>
+          <a:p>
+            <a:pPr marL="0" indent="0">
+              <a:buNone/>
+            </a:pPr>
+            <a:r>
+              <a:rPr lang="en-US" dirty="0"/>
+              <a:t>Example</a:t>
+            </a:r>
+          </a:p>
+          <a:p>
+            <a:pPr marL="0" indent="0">
+              <a:buNone/>
+            </a:pPr>
+            <a:r>
+              <a:rPr lang="en-US" dirty="0"/>
+              <a:t>p {</a:t>
+            </a:r>
+            <a:br>
+              <a:rPr lang="en-US" dirty="0"/>
+            </a:br>
+            <a:r>
+              <a:rPr lang="en-US" dirty="0"/>
+              <a:t>    margin: 25px 50px 75px;</a:t>
+            </a:r>
+            <a:br>
+              <a:rPr lang="en-US" dirty="0"/>
+            </a:br>
+            <a:r>
+              <a:rPr lang="en-US" dirty="0"/>
+              <a:t>}</a:t>
+            </a:r>
+          </a:p>
+          <a:p>
+            <a:r>
+              <a:rPr lang="en-US" dirty="0"/>
+              <a:t>top margin is 25px</a:t>
+            </a:r>
+          </a:p>
+          <a:p>
+            <a:r>
+              <a:rPr lang="en-US" dirty="0"/>
+              <a:t>right and left margins are 50px</a:t>
+            </a:r>
+          </a:p>
+          <a:p>
+            <a:r>
+              <a:rPr lang="en-US" dirty="0"/>
+              <a:t>bottom margin is 75px</a:t>
+            </a:r>
+          </a:p>
+          <a:p>
+            <a:pPr marL="0" indent="0">
+              <a:buNone/>
+            </a:pPr>
+            <a:endParaRPr lang="en-US" dirty="0"/>
+          </a:p>
+          <a:p>
+            <a:endParaRPr lang="en-US" dirty="0"/>
+          </a:p>
+        </p:txBody>
+      </p:sp>
+    </p:spTree>
+    <p:extLst>
+      <p:ext uri="{BB962C8B-B14F-4D97-AF65-F5344CB8AC3E}">
+        <p14:creationId xmlns:p14="http://schemas.microsoft.com/office/powerpoint/2010/main" val="3861025349"/>
+      </p:ext>
+    </p:extLst>
+  </p:cSld>
+  <p:clrMapOvr>
+    <a:masterClrMapping/>
+  </p:clrMapOvr>
+</p:sld>
+</file>
+
+<file path=ppt/slides/slide12.xml><?xml version="1.0" encoding="utf-8"?>
+<p:sld xmlns:a="http://schemas.openxmlformats.org/drawingml/2006/main" xmlns:r="http://schemas.openxmlformats.org/officeDocument/2006/relationships" xmlns:p="http://schemas.openxmlformats.org/presentationml/2006/main">
+  <p:cSld>
+    <p:spTree>
+      <p:nvGrpSpPr>
+        <p:cNvPr id="1" name=""/>
+        <p:cNvGrpSpPr/>
+        <p:nvPr/>
+      </p:nvGrpSpPr>
+      <p:grpSpPr>
+        <a:xfrm>
+          <a:off x="0" y="0"/>
+          <a:ext cx="0" cy="0"/>
+          <a:chOff x="0" y="0"/>
+          <a:chExt cx="0" cy="0"/>
+        </a:xfrm>
+      </p:grpSpPr>
+      <p:sp>
+        <p:nvSpPr>
+          <p:cNvPr id="2" name="Title 1">
+            <a:extLst>
+              <a:ext uri="{FF2B5EF4-FFF2-40B4-BE49-F238E27FC236}">
+                <a16:creationId xmlns:a16="http://schemas.microsoft.com/office/drawing/2014/main" id="{D8366DCC-64E8-4771-954A-092F0325C9BD}"/>
+              </a:ext>
+            </a:extLst>
+          </p:cNvPr>
+          <p:cNvSpPr>
+            <a:spLocks noGrp="1"/>
+          </p:cNvSpPr>
+          <p:nvPr>
+            <p:ph type="title"/>
+          </p:nvPr>
+        </p:nvSpPr>
+        <p:spPr/>
+        <p:txBody>
+          <a:bodyPr/>
+          <a:lstStyle/>
+          <a:p>
+            <a:pPr algn="ctr"/>
+            <a:r>
+              <a:rPr lang="en-US" dirty="0"/>
+              <a:t>Margin - Shorthand Property</a:t>
+            </a:r>
+          </a:p>
+        </p:txBody>
+      </p:sp>
+      <p:sp>
+        <p:nvSpPr>
+          <p:cNvPr id="3" name="Content Placeholder 2">
+            <a:extLst>
+              <a:ext uri="{FF2B5EF4-FFF2-40B4-BE49-F238E27FC236}">
+                <a16:creationId xmlns:a16="http://schemas.microsoft.com/office/drawing/2014/main" id="{3B90EC5C-D226-42BB-B37A-D102CD240DE5}"/>
+              </a:ext>
+            </a:extLst>
+          </p:cNvPr>
+          <p:cNvSpPr>
+            <a:spLocks noGrp="1"/>
+          </p:cNvSpPr>
+          <p:nvPr>
+            <p:ph idx="1"/>
+          </p:nvPr>
+        </p:nvSpPr>
+        <p:spPr/>
+        <p:txBody>
+          <a:bodyPr/>
+          <a:lstStyle/>
+          <a:p>
+            <a:r>
+              <a:rPr lang="en-US" dirty="0"/>
+              <a:t>If the margin property has two values:</a:t>
+            </a:r>
+          </a:p>
+          <a:p>
+            <a:pPr marL="0" indent="0">
+              <a:buNone/>
+            </a:pPr>
+            <a:r>
+              <a:rPr lang="en-US" dirty="0"/>
+              <a:t>Example</a:t>
+            </a:r>
+          </a:p>
+          <a:p>
+            <a:pPr marL="0" indent="0">
+              <a:buNone/>
+            </a:pPr>
+            <a:r>
+              <a:rPr lang="en-US" dirty="0"/>
+              <a:t>p {</a:t>
+            </a:r>
+            <a:br>
+              <a:rPr lang="en-US" dirty="0"/>
+            </a:br>
+            <a:r>
+              <a:rPr lang="en-US" dirty="0"/>
+              <a:t>    margin: 25px 50px;</a:t>
+            </a:r>
+            <a:br>
+              <a:rPr lang="en-US" dirty="0"/>
+            </a:br>
+            <a:r>
+              <a:rPr lang="en-US" dirty="0"/>
+              <a:t>}</a:t>
+            </a:r>
+          </a:p>
+          <a:p>
+            <a:r>
+              <a:rPr lang="en-US" dirty="0"/>
+              <a:t>Top and right margins are 25px</a:t>
+            </a:r>
+          </a:p>
+          <a:p>
+            <a:r>
+              <a:rPr lang="en-US" dirty="0"/>
+              <a:t>right and left margins are 50px</a:t>
+            </a:r>
+          </a:p>
+          <a:p>
+            <a:r>
+              <a:rPr lang="en-US" dirty="0"/>
+              <a:t>bottom margin is 75px</a:t>
+            </a:r>
+          </a:p>
+          <a:p>
+            <a:pPr marL="0" indent="0">
+              <a:buNone/>
+            </a:pPr>
+            <a:endParaRPr lang="en-US" dirty="0"/>
+          </a:p>
+          <a:p>
+            <a:endParaRPr lang="en-US" dirty="0"/>
+          </a:p>
+        </p:txBody>
+      </p:sp>
+    </p:spTree>
+    <p:extLst>
+      <p:ext uri="{BB962C8B-B14F-4D97-AF65-F5344CB8AC3E}">
+        <p14:creationId xmlns:p14="http://schemas.microsoft.com/office/powerpoint/2010/main" val="4100209874"/>
+      </p:ext>
+    </p:extLst>
+  </p:cSld>
+  <p:clrMapOvr>
+    <a:masterClrMapping/>
+  </p:clrMapOvr>
+</p:sld>
+</file>
+
+<file path=ppt/slides/slide13.xml><?xml version="1.0" encoding="utf-8"?>
+<p:sld xmlns:a="http://schemas.openxmlformats.org/drawingml/2006/main" xmlns:r="http://schemas.openxmlformats.org/officeDocument/2006/relationships" xmlns:p="http://schemas.openxmlformats.org/presentationml/2006/main">
+  <p:cSld>
+    <p:spTree>
+      <p:nvGrpSpPr>
+        <p:cNvPr id="1" name=""/>
+        <p:cNvGrpSpPr/>
+        <p:nvPr/>
+      </p:nvGrpSpPr>
+      <p:grpSpPr>
+        <a:xfrm>
+          <a:off x="0" y="0"/>
+          <a:ext cx="0" cy="0"/>
+          <a:chOff x="0" y="0"/>
+          <a:chExt cx="0" cy="0"/>
+        </a:xfrm>
+      </p:grpSpPr>
+      <p:sp>
+        <p:nvSpPr>
+          <p:cNvPr id="2" name="Title 1">
+            <a:extLst>
+              <a:ext uri="{FF2B5EF4-FFF2-40B4-BE49-F238E27FC236}">
+                <a16:creationId xmlns:a16="http://schemas.microsoft.com/office/drawing/2014/main" id="{D8366DCC-64E8-4771-954A-092F0325C9BD}"/>
+              </a:ext>
+            </a:extLst>
+          </p:cNvPr>
+          <p:cNvSpPr>
+            <a:spLocks noGrp="1"/>
+          </p:cNvSpPr>
+          <p:nvPr>
+            <p:ph type="title"/>
+          </p:nvPr>
+        </p:nvSpPr>
+        <p:spPr/>
+        <p:txBody>
+          <a:bodyPr/>
+          <a:lstStyle/>
+          <a:p>
+            <a:pPr algn="ctr"/>
+            <a:r>
+              <a:rPr lang="en-US" dirty="0"/>
+              <a:t>Margin - Shorthand Property</a:t>
+            </a:r>
+          </a:p>
+        </p:txBody>
+      </p:sp>
+      <p:sp>
+        <p:nvSpPr>
+          <p:cNvPr id="3" name="Content Placeholder 2">
+            <a:extLst>
+              <a:ext uri="{FF2B5EF4-FFF2-40B4-BE49-F238E27FC236}">
+                <a16:creationId xmlns:a16="http://schemas.microsoft.com/office/drawing/2014/main" id="{3B90EC5C-D226-42BB-B37A-D102CD240DE5}"/>
+              </a:ext>
+            </a:extLst>
+          </p:cNvPr>
+          <p:cNvSpPr>
+            <a:spLocks noGrp="1"/>
+          </p:cNvSpPr>
+          <p:nvPr>
+            <p:ph idx="1"/>
+          </p:nvPr>
+        </p:nvSpPr>
+        <p:spPr/>
+        <p:txBody>
+          <a:bodyPr/>
+          <a:lstStyle/>
+          <a:p>
+            <a:r>
+              <a:rPr lang="en-US" dirty="0"/>
+              <a:t>If the margin property has one value:</a:t>
+            </a:r>
+          </a:p>
+          <a:p>
+            <a:pPr marL="0" indent="0">
+              <a:buNone/>
+            </a:pPr>
+            <a:r>
+              <a:rPr lang="en-US" dirty="0"/>
+              <a:t>Example</a:t>
+            </a:r>
+          </a:p>
+          <a:p>
+            <a:pPr marL="0" indent="0">
+              <a:buNone/>
+            </a:pPr>
+            <a:r>
+              <a:rPr lang="en-US" dirty="0"/>
+              <a:t>p {</a:t>
+            </a:r>
+            <a:br>
+              <a:rPr lang="en-US" dirty="0"/>
+            </a:br>
+            <a:r>
+              <a:rPr lang="en-US" dirty="0"/>
+              <a:t>    margin: 25px;</a:t>
+            </a:r>
+            <a:br>
+              <a:rPr lang="en-US" dirty="0"/>
+            </a:br>
+            <a:r>
+              <a:rPr lang="en-US" dirty="0"/>
+              <a:t>}</a:t>
+            </a:r>
+          </a:p>
+          <a:p>
+            <a:r>
+              <a:rPr lang="en-US" dirty="0"/>
+              <a:t>Top, bottom, right and left margins are 25px</a:t>
+            </a:r>
+          </a:p>
+          <a:p>
+            <a:pPr marL="0" indent="0">
+              <a:buNone/>
+            </a:pPr>
+            <a:endParaRPr lang="en-US" dirty="0"/>
+          </a:p>
+          <a:p>
+            <a:endParaRPr lang="en-US" dirty="0"/>
+          </a:p>
+        </p:txBody>
+      </p:sp>
+    </p:spTree>
+    <p:extLst>
+      <p:ext uri="{BB962C8B-B14F-4D97-AF65-F5344CB8AC3E}">
+        <p14:creationId xmlns:p14="http://schemas.microsoft.com/office/powerpoint/2010/main" val="426579058"/>
+      </p:ext>
+    </p:extLst>
+  </p:cSld>
+  <p:clrMapOvr>
+    <a:masterClrMapping/>
+  </p:clrMapOvr>
+</p:sld>
+</file>
+
+<file path=ppt/slides/slide14.xml><?xml version="1.0" encoding="utf-8"?>
+<p:sld xmlns:a="http://schemas.openxmlformats.org/drawingml/2006/main" xmlns:r="http://schemas.openxmlformats.org/officeDocument/2006/relationships" xmlns:p="http://schemas.openxmlformats.org/presentationml/2006/main">
+  <p:cSld>
+    <p:spTree>
+      <p:nvGrpSpPr>
+        <p:cNvPr id="1" name=""/>
+        <p:cNvGrpSpPr/>
+        <p:nvPr/>
+      </p:nvGrpSpPr>
+      <p:grpSpPr>
+        <a:xfrm>
+          <a:off x="0" y="0"/>
+          <a:ext cx="0" cy="0"/>
+          <a:chOff x="0" y="0"/>
+          <a:chExt cx="0" cy="0"/>
+        </a:xfrm>
+      </p:grpSpPr>
+      <p:sp>
+        <p:nvSpPr>
+          <p:cNvPr id="2" name="Title 1">
+            <a:extLst>
+              <a:ext uri="{FF2B5EF4-FFF2-40B4-BE49-F238E27FC236}">
+                <a16:creationId xmlns:a16="http://schemas.microsoft.com/office/drawing/2014/main" id="{3840DB6A-B641-4069-B486-32C0C22EC641}"/>
+              </a:ext>
+            </a:extLst>
+          </p:cNvPr>
+          <p:cNvSpPr>
+            <a:spLocks noGrp="1"/>
+          </p:cNvSpPr>
+          <p:nvPr>
+            <p:ph type="title"/>
+          </p:nvPr>
+        </p:nvSpPr>
+        <p:spPr/>
+        <p:txBody>
+          <a:bodyPr/>
+          <a:lstStyle/>
+          <a:p>
+            <a:r>
+              <a:rPr lang="en-US" dirty="0"/>
+              <a:t>CSS Comments</a:t>
+            </a:r>
+          </a:p>
+        </p:txBody>
+      </p:sp>
+      <p:sp>
+        <p:nvSpPr>
+          <p:cNvPr id="3" name="Content Placeholder 2">
+            <a:extLst>
+              <a:ext uri="{FF2B5EF4-FFF2-40B4-BE49-F238E27FC236}">
+                <a16:creationId xmlns:a16="http://schemas.microsoft.com/office/drawing/2014/main" id="{C306273F-32C7-42E3-B941-749D6F87AE5B}"/>
+              </a:ext>
+            </a:extLst>
+          </p:cNvPr>
+          <p:cNvSpPr>
+            <a:spLocks noGrp="1"/>
+          </p:cNvSpPr>
+          <p:nvPr>
+            <p:ph idx="1"/>
+          </p:nvPr>
+        </p:nvSpPr>
+        <p:spPr/>
+        <p:txBody>
+          <a:bodyPr/>
+          <a:lstStyle/>
+          <a:p>
+            <a:pPr marL="0" indent="0">
+              <a:buNone/>
+            </a:pPr>
+            <a:r>
+              <a:rPr lang="en-US" dirty="0"/>
+              <a:t>p {</a:t>
+            </a:r>
+            <a:br>
+              <a:rPr lang="en-US" dirty="0"/>
+            </a:br>
+            <a:r>
+              <a:rPr lang="en-US" dirty="0"/>
+              <a:t>    color: red;</a:t>
+            </a:r>
+            <a:br>
+              <a:rPr lang="en-US" dirty="0"/>
+            </a:br>
+            <a:r>
+              <a:rPr lang="en-US" dirty="0"/>
+              <a:t>    /* This is a single-line comment */</a:t>
+            </a:r>
+            <a:br>
+              <a:rPr lang="en-US" dirty="0"/>
+            </a:br>
+            <a:r>
+              <a:rPr lang="en-US" dirty="0"/>
+              <a:t>    text-align: center;</a:t>
+            </a:r>
+            <a:br>
+              <a:rPr lang="en-US" dirty="0"/>
+            </a:br>
+            <a:r>
+              <a:rPr lang="en-US" dirty="0"/>
+              <a:t>}</a:t>
+            </a:r>
+            <a:br>
+              <a:rPr lang="en-US" dirty="0"/>
+            </a:br>
+            <a:br>
+              <a:rPr lang="en-US" dirty="0"/>
+            </a:br>
+            <a:r>
+              <a:rPr lang="en-US" dirty="0"/>
+              <a:t>/* This is</a:t>
+            </a:r>
+            <a:br>
+              <a:rPr lang="en-US" dirty="0"/>
+            </a:br>
+            <a:r>
+              <a:rPr lang="en-US" dirty="0"/>
+              <a:t>a multi-line</a:t>
+            </a:r>
+            <a:br>
+              <a:rPr lang="en-US" dirty="0"/>
+            </a:br>
+            <a:r>
+              <a:rPr lang="en-US" dirty="0"/>
+              <a:t>comment */</a:t>
+            </a:r>
+          </a:p>
+        </p:txBody>
+      </p:sp>
+    </p:spTree>
+    <p:extLst>
+      <p:ext uri="{BB962C8B-B14F-4D97-AF65-F5344CB8AC3E}">
+        <p14:creationId xmlns:p14="http://schemas.microsoft.com/office/powerpoint/2010/main" val="677928887"/>
+      </p:ext>
+    </p:extLst>
+  </p:cSld>
+  <p:clrMapOvr>
+    <a:masterClrMapping/>
+  </p:clrMapOvr>
+</p:sld>
+</file>
+
+<file path=ppt/slides/slide15.xml><?xml version="1.0" encoding="utf-8"?>
+<p:sld xmlns:a="http://schemas.openxmlformats.org/drawingml/2006/main" xmlns:r="http://schemas.openxmlformats.org/officeDocument/2006/relationships" xmlns:p="http://schemas.openxmlformats.org/presentationml/2006/main">
+  <p:cSld>
+    <p:spTree>
+      <p:nvGrpSpPr>
+        <p:cNvPr id="1" name=""/>
+        <p:cNvGrpSpPr/>
+        <p:nvPr/>
+      </p:nvGrpSpPr>
+      <p:grpSpPr>
+        <a:xfrm>
+          <a:off x="0" y="0"/>
+          <a:ext cx="0" cy="0"/>
+          <a:chOff x="0" y="0"/>
+          <a:chExt cx="0" cy="0"/>
+        </a:xfrm>
+      </p:grpSpPr>
+      <p:sp>
+        <p:nvSpPr>
+          <p:cNvPr id="2" name="Title 1">
+            <a:extLst>
+              <a:ext uri="{FF2B5EF4-FFF2-40B4-BE49-F238E27FC236}">
+                <a16:creationId xmlns:a16="http://schemas.microsoft.com/office/drawing/2014/main" id="{0CED20AF-A8CB-4196-A2FA-1ECC4D3E01B9}"/>
+              </a:ext>
+            </a:extLst>
+          </p:cNvPr>
+          <p:cNvSpPr>
+            <a:spLocks noGrp="1"/>
+          </p:cNvSpPr>
+          <p:nvPr>
+            <p:ph type="title"/>
+          </p:nvPr>
+        </p:nvSpPr>
+        <p:spPr/>
+        <p:txBody>
+          <a:bodyPr/>
+          <a:lstStyle/>
+          <a:p>
+            <a:r>
+              <a:rPr lang="en-US" dirty="0"/>
+              <a:t>Resources</a:t>
+            </a:r>
+          </a:p>
+        </p:txBody>
+      </p:sp>
+      <p:sp>
+        <p:nvSpPr>
+          <p:cNvPr id="3" name="Content Placeholder 2">
+            <a:extLst>
+              <a:ext uri="{FF2B5EF4-FFF2-40B4-BE49-F238E27FC236}">
+                <a16:creationId xmlns:a16="http://schemas.microsoft.com/office/drawing/2014/main" id="{8D1BB9FF-105C-4EFF-B87E-0EC157E1DFD2}"/>
+              </a:ext>
+            </a:extLst>
+          </p:cNvPr>
+          <p:cNvSpPr>
+            <a:spLocks noGrp="1"/>
+          </p:cNvSpPr>
+          <p:nvPr>
+            <p:ph idx="1"/>
+          </p:nvPr>
+        </p:nvSpPr>
+        <p:spPr/>
+        <p:txBody>
+          <a:bodyPr/>
+          <a:lstStyle/>
+          <a:p>
+            <a:r>
+              <a:rPr lang="en-US" dirty="0">
+                <a:hlinkClick r:id="rId2"/>
+              </a:rPr>
+              <a:t>https://www.w3schools.com/css/default.asp</a:t>
+            </a:r>
+            <a:endParaRPr lang="en-US" dirty="0"/>
+          </a:p>
+          <a:p>
+            <a:endParaRPr lang="en-US" dirty="0"/>
+          </a:p>
+        </p:txBody>
+      </p:sp>
+    </p:spTree>
+    <p:extLst>
+      <p:ext uri="{BB962C8B-B14F-4D97-AF65-F5344CB8AC3E}">
+        <p14:creationId xmlns:p14="http://schemas.microsoft.com/office/powerpoint/2010/main" val="501443943"/>
+      </p:ext>
+    </p:extLst>
+  </p:cSld>
+  <p:clrMapOvr>
+    <a:masterClrMapping/>
+  </p:clrMapOvr>
+</p:sld>
+</file>
+
 <file path=ppt/slides/slide2.xml><?xml version="1.0" encoding="utf-8"?>
 <p:sld xmlns:a="http://schemas.openxmlformats.org/drawingml/2006/main" xmlns:r="http://schemas.openxmlformats.org/officeDocument/2006/relationships" xmlns:p="http://schemas.openxmlformats.org/presentationml/2006/main">
   <p:cSld>
@@ -3624,8 +7211,8 @@
         </p:blipFill>
         <p:spPr>
           <a:xfrm>
-            <a:off x="2067339" y="2248693"/>
-            <a:ext cx="8189844" cy="4046089"/>
+            <a:off x="2071688" y="2397919"/>
+            <a:ext cx="7010400" cy="3505200"/>
           </a:xfrm>
         </p:spPr>
       </p:pic>
@@ -3642,10 +7229,964 @@
 </p:sld>
 </file>
 
+<file path=ppt/slides/slide4.xml><?xml version="1.0" encoding="utf-8"?>
+<p:sld xmlns:a="http://schemas.openxmlformats.org/drawingml/2006/main" xmlns:r="http://schemas.openxmlformats.org/officeDocument/2006/relationships" xmlns:p="http://schemas.openxmlformats.org/presentationml/2006/main">
+  <p:cSld>
+    <p:spTree>
+      <p:nvGrpSpPr>
+        <p:cNvPr id="1" name=""/>
+        <p:cNvGrpSpPr/>
+        <p:nvPr/>
+      </p:nvGrpSpPr>
+      <p:grpSpPr>
+        <a:xfrm>
+          <a:off x="0" y="0"/>
+          <a:ext cx="0" cy="0"/>
+          <a:chOff x="0" y="0"/>
+          <a:chExt cx="0" cy="0"/>
+        </a:xfrm>
+      </p:grpSpPr>
+      <p:sp>
+        <p:nvSpPr>
+          <p:cNvPr id="2" name="Title 1">
+            <a:extLst>
+              <a:ext uri="{FF2B5EF4-FFF2-40B4-BE49-F238E27FC236}">
+                <a16:creationId xmlns:a16="http://schemas.microsoft.com/office/drawing/2014/main" id="{E78A2411-6070-4135-AAD3-A1FE547666CA}"/>
+              </a:ext>
+            </a:extLst>
+          </p:cNvPr>
+          <p:cNvSpPr>
+            <a:spLocks noGrp="1"/>
+          </p:cNvSpPr>
+          <p:nvPr>
+            <p:ph type="title"/>
+          </p:nvPr>
+        </p:nvSpPr>
+        <p:spPr/>
+        <p:txBody>
+          <a:bodyPr/>
+          <a:lstStyle/>
+          <a:p>
+            <a:r>
+              <a:rPr lang="en-US" dirty="0"/>
+              <a:t>CSS Example</a:t>
+            </a:r>
+          </a:p>
+        </p:txBody>
+      </p:sp>
+      <p:sp>
+        <p:nvSpPr>
+          <p:cNvPr id="3" name="Content Placeholder 2">
+            <a:extLst>
+              <a:ext uri="{FF2B5EF4-FFF2-40B4-BE49-F238E27FC236}">
+                <a16:creationId xmlns:a16="http://schemas.microsoft.com/office/drawing/2014/main" id="{287653CD-E681-4D2D-9F88-018CC1E95827}"/>
+              </a:ext>
+            </a:extLst>
+          </p:cNvPr>
+          <p:cNvSpPr>
+            <a:spLocks noGrp="1"/>
+          </p:cNvSpPr>
+          <p:nvPr>
+            <p:ph idx="1"/>
+          </p:nvPr>
+        </p:nvSpPr>
+        <p:spPr/>
+        <p:txBody>
+          <a:bodyPr>
+            <a:normAutofit/>
+          </a:bodyPr>
+          <a:lstStyle/>
+          <a:p>
+            <a:pPr marL="0" indent="0">
+              <a:buNone/>
+            </a:pPr>
+            <a:r>
+              <a:rPr lang="en-US" dirty="0"/>
+              <a:t>body {</a:t>
+            </a:r>
+            <a:br>
+              <a:rPr lang="en-US" dirty="0"/>
+            </a:br>
+            <a:r>
+              <a:rPr lang="en-US" dirty="0"/>
+              <a:t>    background-color: </a:t>
+            </a:r>
+            <a:r>
+              <a:rPr lang="en-US" dirty="0" err="1"/>
+              <a:t>lightblue</a:t>
+            </a:r>
+            <a:r>
+              <a:rPr lang="en-US" dirty="0"/>
+              <a:t>;</a:t>
+            </a:r>
+            <a:br>
+              <a:rPr lang="en-US" dirty="0"/>
+            </a:br>
+            <a:r>
+              <a:rPr lang="en-US" dirty="0"/>
+              <a:t>}</a:t>
+            </a:r>
+            <a:br>
+              <a:rPr lang="en-US" dirty="0"/>
+            </a:br>
+            <a:br>
+              <a:rPr lang="en-US" dirty="0"/>
+            </a:br>
+            <a:r>
+              <a:rPr lang="en-US" dirty="0"/>
+              <a:t>h1 {</a:t>
+            </a:r>
+            <a:br>
+              <a:rPr lang="en-US" dirty="0"/>
+            </a:br>
+            <a:r>
+              <a:rPr lang="en-US" dirty="0"/>
+              <a:t>    color: white;</a:t>
+            </a:r>
+            <a:br>
+              <a:rPr lang="en-US" dirty="0"/>
+            </a:br>
+            <a:r>
+              <a:rPr lang="en-US" dirty="0"/>
+              <a:t>    text-align: center;</a:t>
+            </a:r>
+            <a:br>
+              <a:rPr lang="en-US" dirty="0"/>
+            </a:br>
+            <a:r>
+              <a:rPr lang="en-US" dirty="0"/>
+              <a:t>}</a:t>
+            </a:r>
+            <a:br>
+              <a:rPr lang="en-US" dirty="0"/>
+            </a:br>
+            <a:br>
+              <a:rPr lang="en-US" dirty="0"/>
+            </a:br>
+            <a:r>
+              <a:rPr lang="en-US" dirty="0"/>
+              <a:t>p {</a:t>
+            </a:r>
+            <a:br>
+              <a:rPr lang="en-US" dirty="0"/>
+            </a:br>
+            <a:r>
+              <a:rPr lang="en-US" dirty="0"/>
+              <a:t>    font-family: </a:t>
+            </a:r>
+            <a:r>
+              <a:rPr lang="en-US" dirty="0" err="1"/>
+              <a:t>verdana</a:t>
+            </a:r>
+            <a:r>
+              <a:rPr lang="en-US" dirty="0"/>
+              <a:t>;</a:t>
+            </a:r>
+            <a:br>
+              <a:rPr lang="en-US" dirty="0"/>
+            </a:br>
+            <a:r>
+              <a:rPr lang="en-US" dirty="0"/>
+              <a:t>    font-size: 20px;</a:t>
+            </a:r>
+            <a:br>
+              <a:rPr lang="en-US" dirty="0"/>
+            </a:br>
+            <a:r>
+              <a:rPr lang="en-US" dirty="0"/>
+              <a:t>}</a:t>
+            </a:r>
+          </a:p>
+        </p:txBody>
+      </p:sp>
+    </p:spTree>
+    <p:extLst>
+      <p:ext uri="{BB962C8B-B14F-4D97-AF65-F5344CB8AC3E}">
+        <p14:creationId xmlns:p14="http://schemas.microsoft.com/office/powerpoint/2010/main" val="1312825436"/>
+      </p:ext>
+    </p:extLst>
+  </p:cSld>
+  <p:clrMapOvr>
+    <a:masterClrMapping/>
+  </p:clrMapOvr>
+</p:sld>
+</file>
+
+<file path=ppt/slides/slide5.xml><?xml version="1.0" encoding="utf-8"?>
+<p:sld xmlns:a="http://schemas.openxmlformats.org/drawingml/2006/main" xmlns:r="http://schemas.openxmlformats.org/officeDocument/2006/relationships" xmlns:p="http://schemas.openxmlformats.org/presentationml/2006/main">
+  <p:cSld>
+    <p:spTree>
+      <p:nvGrpSpPr>
+        <p:cNvPr id="1" name=""/>
+        <p:cNvGrpSpPr/>
+        <p:nvPr/>
+      </p:nvGrpSpPr>
+      <p:grpSpPr>
+        <a:xfrm>
+          <a:off x="0" y="0"/>
+          <a:ext cx="0" cy="0"/>
+          <a:chOff x="0" y="0"/>
+          <a:chExt cx="0" cy="0"/>
+        </a:xfrm>
+      </p:grpSpPr>
+      <p:sp>
+        <p:nvSpPr>
+          <p:cNvPr id="2" name="Title 1">
+            <a:extLst>
+              <a:ext uri="{FF2B5EF4-FFF2-40B4-BE49-F238E27FC236}">
+                <a16:creationId xmlns:a16="http://schemas.microsoft.com/office/drawing/2014/main" id="{662013E7-F826-44D2-B874-C1FD03623267}"/>
+              </a:ext>
+            </a:extLst>
+          </p:cNvPr>
+          <p:cNvSpPr>
+            <a:spLocks noGrp="1"/>
+          </p:cNvSpPr>
+          <p:nvPr>
+            <p:ph type="title"/>
+          </p:nvPr>
+        </p:nvSpPr>
+        <p:spPr/>
+        <p:txBody>
+          <a:bodyPr/>
+          <a:lstStyle/>
+          <a:p>
+            <a:pPr algn="ctr"/>
+            <a:r>
+              <a:rPr lang="en-US" b="1" dirty="0"/>
+              <a:t>CSS SYNTAX</a:t>
+            </a:r>
+          </a:p>
+        </p:txBody>
+      </p:sp>
+      <p:pic>
+        <p:nvPicPr>
+          <p:cNvPr id="5" name="Content Placeholder 4">
+            <a:extLst>
+              <a:ext uri="{FF2B5EF4-FFF2-40B4-BE49-F238E27FC236}">
+                <a16:creationId xmlns:a16="http://schemas.microsoft.com/office/drawing/2014/main" id="{58C18BBB-3954-4C80-BA47-DF48508416A3}"/>
+              </a:ext>
+            </a:extLst>
+          </p:cNvPr>
+          <p:cNvPicPr>
+            <a:picLocks noGrp="1" noChangeAspect="1"/>
+          </p:cNvPicPr>
+          <p:nvPr>
+            <p:ph idx="1"/>
+          </p:nvPr>
+        </p:nvPicPr>
+        <p:blipFill>
+          <a:blip r:embed="rId2">
+            <a:extLst>
+              <a:ext uri="{28A0092B-C50C-407E-A947-70E740481C1C}">
+                <a14:useLocalDpi xmlns:a14="http://schemas.microsoft.com/office/drawing/2010/main" val="0"/>
+              </a:ext>
+            </a:extLst>
+          </a:blip>
+          <a:stretch>
+            <a:fillRect/>
+          </a:stretch>
+        </p:blipFill>
+        <p:spPr>
+          <a:xfrm>
+            <a:off x="1825247" y="2729948"/>
+            <a:ext cx="8617466" cy="2054087"/>
+          </a:xfrm>
+        </p:spPr>
+      </p:pic>
+    </p:spTree>
+    <p:extLst>
+      <p:ext uri="{BB962C8B-B14F-4D97-AF65-F5344CB8AC3E}">
+        <p14:creationId xmlns:p14="http://schemas.microsoft.com/office/powerpoint/2010/main" val="1966585662"/>
+      </p:ext>
+    </p:extLst>
+  </p:cSld>
+  <p:clrMapOvr>
+    <a:masterClrMapping/>
+  </p:clrMapOvr>
+</p:sld>
+</file>
+
+<file path=ppt/slides/slide6.xml><?xml version="1.0" encoding="utf-8"?>
+<p:sld xmlns:a="http://schemas.openxmlformats.org/drawingml/2006/main" xmlns:r="http://schemas.openxmlformats.org/officeDocument/2006/relationships" xmlns:p="http://schemas.openxmlformats.org/presentationml/2006/main">
+  <p:cSld>
+    <p:spTree>
+      <p:nvGrpSpPr>
+        <p:cNvPr id="1" name=""/>
+        <p:cNvGrpSpPr/>
+        <p:nvPr/>
+      </p:nvGrpSpPr>
+      <p:grpSpPr>
+        <a:xfrm>
+          <a:off x="0" y="0"/>
+          <a:ext cx="0" cy="0"/>
+          <a:chOff x="0" y="0"/>
+          <a:chExt cx="0" cy="0"/>
+        </a:xfrm>
+      </p:grpSpPr>
+      <p:sp>
+        <p:nvSpPr>
+          <p:cNvPr id="2" name="Title 1">
+            <a:extLst>
+              <a:ext uri="{FF2B5EF4-FFF2-40B4-BE49-F238E27FC236}">
+                <a16:creationId xmlns:a16="http://schemas.microsoft.com/office/drawing/2014/main" id="{1303CCC2-BDB4-4B62-B1AB-F2886AAA807D}"/>
+              </a:ext>
+            </a:extLst>
+          </p:cNvPr>
+          <p:cNvSpPr>
+            <a:spLocks noGrp="1"/>
+          </p:cNvSpPr>
+          <p:nvPr>
+            <p:ph type="title"/>
+          </p:nvPr>
+        </p:nvSpPr>
+        <p:spPr/>
+        <p:txBody>
+          <a:bodyPr/>
+          <a:lstStyle/>
+          <a:p>
+            <a:r>
+              <a:rPr lang="en-US" dirty="0"/>
+              <a:t>CSS Selectors</a:t>
+            </a:r>
+          </a:p>
+        </p:txBody>
+      </p:sp>
+      <p:sp>
+        <p:nvSpPr>
+          <p:cNvPr id="3" name="Content Placeholder 2">
+            <a:extLst>
+              <a:ext uri="{FF2B5EF4-FFF2-40B4-BE49-F238E27FC236}">
+                <a16:creationId xmlns:a16="http://schemas.microsoft.com/office/drawing/2014/main" id="{C45EEF0E-543E-478F-8980-9561CAD50765}"/>
+              </a:ext>
+            </a:extLst>
+          </p:cNvPr>
+          <p:cNvSpPr>
+            <a:spLocks noGrp="1"/>
+          </p:cNvSpPr>
+          <p:nvPr>
+            <p:ph idx="1"/>
+          </p:nvPr>
+        </p:nvSpPr>
+        <p:spPr/>
+        <p:txBody>
+          <a:bodyPr>
+            <a:normAutofit fontScale="85000" lnSpcReduction="20000"/>
+          </a:bodyPr>
+          <a:lstStyle/>
+          <a:p>
+            <a:r>
+              <a:rPr lang="en-US" dirty="0"/>
+              <a:t>The element selector</a:t>
+            </a:r>
+          </a:p>
+          <a:p>
+            <a:pPr marL="0" indent="0">
+              <a:buNone/>
+            </a:pPr>
+            <a:r>
+              <a:rPr lang="en-US" dirty="0"/>
+              <a:t>p {</a:t>
+            </a:r>
+            <a:br>
+              <a:rPr lang="en-US" dirty="0"/>
+            </a:br>
+            <a:r>
+              <a:rPr lang="en-US" dirty="0"/>
+              <a:t>    text-align: center;</a:t>
+            </a:r>
+            <a:br>
+              <a:rPr lang="en-US" dirty="0"/>
+            </a:br>
+            <a:r>
+              <a:rPr lang="en-US" dirty="0"/>
+              <a:t>    color: red;</a:t>
+            </a:r>
+            <a:br>
+              <a:rPr lang="en-US" dirty="0"/>
+            </a:br>
+            <a:r>
+              <a:rPr lang="en-US" dirty="0"/>
+              <a:t>}</a:t>
+            </a:r>
+          </a:p>
+          <a:p>
+            <a:r>
+              <a:rPr lang="en-US" dirty="0"/>
+              <a:t>The id selector</a:t>
+            </a:r>
+          </a:p>
+          <a:p>
+            <a:pPr marL="0" indent="0">
+              <a:buNone/>
+            </a:pPr>
+            <a:r>
+              <a:rPr lang="es-ES" dirty="0"/>
+              <a:t>#para1 {</a:t>
+            </a:r>
+            <a:br>
+              <a:rPr lang="es-ES" dirty="0"/>
+            </a:br>
+            <a:r>
+              <a:rPr lang="es-ES" dirty="0"/>
+              <a:t>    </a:t>
+            </a:r>
+            <a:r>
+              <a:rPr lang="es-ES" dirty="0" err="1"/>
+              <a:t>text-align</a:t>
+            </a:r>
+            <a:r>
+              <a:rPr lang="es-ES" dirty="0"/>
+              <a:t>: center;</a:t>
+            </a:r>
+            <a:br>
+              <a:rPr lang="es-ES" dirty="0"/>
+            </a:br>
+            <a:r>
+              <a:rPr lang="es-ES" dirty="0"/>
+              <a:t>    color: red;</a:t>
+            </a:r>
+            <a:br>
+              <a:rPr lang="es-ES" dirty="0"/>
+            </a:br>
+            <a:r>
+              <a:rPr lang="es-ES" dirty="0"/>
+              <a:t>}</a:t>
+            </a:r>
+            <a:endParaRPr lang="en-US" dirty="0"/>
+          </a:p>
+          <a:p>
+            <a:r>
+              <a:rPr lang="en-US" dirty="0"/>
+              <a:t>The class selector</a:t>
+            </a:r>
+          </a:p>
+          <a:p>
+            <a:pPr marL="0" indent="0">
+              <a:buNone/>
+            </a:pPr>
+            <a:r>
+              <a:rPr lang="en-US" dirty="0"/>
+              <a:t>.center {</a:t>
+            </a:r>
+            <a:br>
+              <a:rPr lang="en-US" dirty="0"/>
+            </a:br>
+            <a:r>
+              <a:rPr lang="en-US" dirty="0"/>
+              <a:t>    text-align: center;</a:t>
+            </a:r>
+            <a:br>
+              <a:rPr lang="en-US" dirty="0"/>
+            </a:br>
+            <a:r>
+              <a:rPr lang="en-US" dirty="0"/>
+              <a:t>    color: red;</a:t>
+            </a:r>
+            <a:br>
+              <a:rPr lang="en-US" dirty="0"/>
+            </a:br>
+            <a:r>
+              <a:rPr lang="en-US" dirty="0"/>
+              <a:t>}</a:t>
+            </a:r>
+          </a:p>
+        </p:txBody>
+      </p:sp>
+    </p:spTree>
+    <p:extLst>
+      <p:ext uri="{BB962C8B-B14F-4D97-AF65-F5344CB8AC3E}">
+        <p14:creationId xmlns:p14="http://schemas.microsoft.com/office/powerpoint/2010/main" val="2813765935"/>
+      </p:ext>
+    </p:extLst>
+  </p:cSld>
+  <p:clrMapOvr>
+    <a:masterClrMapping/>
+  </p:clrMapOvr>
+</p:sld>
+</file>
+
+<file path=ppt/slides/slide7.xml><?xml version="1.0" encoding="utf-8"?>
+<p:sld xmlns:a="http://schemas.openxmlformats.org/drawingml/2006/main" xmlns:r="http://schemas.openxmlformats.org/officeDocument/2006/relationships" xmlns:p="http://schemas.openxmlformats.org/presentationml/2006/main">
+  <p:cSld>
+    <p:spTree>
+      <p:nvGrpSpPr>
+        <p:cNvPr id="1" name=""/>
+        <p:cNvGrpSpPr/>
+        <p:nvPr/>
+      </p:nvGrpSpPr>
+      <p:grpSpPr>
+        <a:xfrm>
+          <a:off x="0" y="0"/>
+          <a:ext cx="0" cy="0"/>
+          <a:chOff x="0" y="0"/>
+          <a:chExt cx="0" cy="0"/>
+        </a:xfrm>
+      </p:grpSpPr>
+      <p:sp>
+        <p:nvSpPr>
+          <p:cNvPr id="2" name="Title 1">
+            <a:extLst>
+              <a:ext uri="{FF2B5EF4-FFF2-40B4-BE49-F238E27FC236}">
+                <a16:creationId xmlns:a16="http://schemas.microsoft.com/office/drawing/2014/main" id="{D527ABC3-0A97-40BE-80A9-71CFFBCF5F81}"/>
+              </a:ext>
+            </a:extLst>
+          </p:cNvPr>
+          <p:cNvSpPr>
+            <a:spLocks noGrp="1"/>
+          </p:cNvSpPr>
+          <p:nvPr>
+            <p:ph type="title"/>
+          </p:nvPr>
+        </p:nvSpPr>
+        <p:spPr/>
+        <p:txBody>
+          <a:bodyPr/>
+          <a:lstStyle/>
+          <a:p>
+            <a:r>
+              <a:rPr lang="en-US" dirty="0"/>
+              <a:t>Grouping Selectors</a:t>
+            </a:r>
+          </a:p>
+        </p:txBody>
+      </p:sp>
+      <p:sp>
+        <p:nvSpPr>
+          <p:cNvPr id="3" name="Content Placeholder 2">
+            <a:extLst>
+              <a:ext uri="{FF2B5EF4-FFF2-40B4-BE49-F238E27FC236}">
+                <a16:creationId xmlns:a16="http://schemas.microsoft.com/office/drawing/2014/main" id="{F4B7A4FD-A23B-4D54-A62C-4C59F24CD1BC}"/>
+              </a:ext>
+            </a:extLst>
+          </p:cNvPr>
+          <p:cNvSpPr>
+            <a:spLocks noGrp="1"/>
+          </p:cNvSpPr>
+          <p:nvPr>
+            <p:ph idx="1"/>
+          </p:nvPr>
+        </p:nvSpPr>
+        <p:spPr/>
+        <p:txBody>
+          <a:bodyPr>
+            <a:normAutofit fontScale="70000" lnSpcReduction="20000"/>
+          </a:bodyPr>
+          <a:lstStyle/>
+          <a:p>
+            <a:r>
+              <a:rPr lang="en-US" dirty="0"/>
+              <a:t>If we have </a:t>
+            </a:r>
+          </a:p>
+          <a:p>
+            <a:pPr marL="0" indent="0">
+              <a:buNone/>
+            </a:pPr>
+            <a:r>
+              <a:rPr lang="en-US" dirty="0"/>
+              <a:t>h1 {</a:t>
+            </a:r>
+            <a:br>
+              <a:rPr lang="en-US" dirty="0"/>
+            </a:br>
+            <a:r>
+              <a:rPr lang="en-US" dirty="0"/>
+              <a:t>    text-align: center;</a:t>
+            </a:r>
+            <a:br>
+              <a:rPr lang="en-US" dirty="0"/>
+            </a:br>
+            <a:r>
+              <a:rPr lang="en-US" dirty="0"/>
+              <a:t>    color: red;</a:t>
+            </a:r>
+            <a:br>
+              <a:rPr lang="en-US" dirty="0"/>
+            </a:br>
+            <a:r>
+              <a:rPr lang="en-US" dirty="0"/>
+              <a:t>}</a:t>
+            </a:r>
+            <a:br>
+              <a:rPr lang="en-US" dirty="0"/>
+            </a:br>
+            <a:br>
+              <a:rPr lang="en-US" dirty="0"/>
+            </a:br>
+            <a:r>
+              <a:rPr lang="en-US" dirty="0"/>
+              <a:t>h2 {</a:t>
+            </a:r>
+            <a:br>
+              <a:rPr lang="en-US" dirty="0"/>
+            </a:br>
+            <a:r>
+              <a:rPr lang="en-US" dirty="0"/>
+              <a:t>    text-align: center;</a:t>
+            </a:r>
+            <a:br>
+              <a:rPr lang="en-US" dirty="0"/>
+            </a:br>
+            <a:r>
+              <a:rPr lang="en-US" dirty="0"/>
+              <a:t>    color: red;</a:t>
+            </a:r>
+            <a:br>
+              <a:rPr lang="en-US" dirty="0"/>
+            </a:br>
+            <a:r>
+              <a:rPr lang="en-US" dirty="0"/>
+              <a:t>}</a:t>
+            </a:r>
+            <a:br>
+              <a:rPr lang="en-US" dirty="0"/>
+            </a:br>
+            <a:br>
+              <a:rPr lang="en-US" dirty="0"/>
+            </a:br>
+            <a:r>
+              <a:rPr lang="en-US" dirty="0"/>
+              <a:t>p {</a:t>
+            </a:r>
+            <a:br>
+              <a:rPr lang="en-US" dirty="0"/>
+            </a:br>
+            <a:r>
+              <a:rPr lang="en-US" dirty="0"/>
+              <a:t>    text-align: center;</a:t>
+            </a:r>
+            <a:br>
+              <a:rPr lang="en-US" dirty="0"/>
+            </a:br>
+            <a:r>
+              <a:rPr lang="en-US" dirty="0"/>
+              <a:t>    color: red;</a:t>
+            </a:r>
+            <a:br>
+              <a:rPr lang="en-US" dirty="0"/>
+            </a:br>
+            <a:r>
+              <a:rPr lang="en-US" dirty="0"/>
+              <a:t>}</a:t>
+            </a:r>
+          </a:p>
+          <a:p>
+            <a:r>
+              <a:rPr lang="en-US" dirty="0"/>
+              <a:t>We can group like this</a:t>
+            </a:r>
+          </a:p>
+          <a:p>
+            <a:pPr marL="0" indent="0">
+              <a:buNone/>
+            </a:pPr>
+            <a:r>
+              <a:rPr lang="en-US" dirty="0"/>
+              <a:t>h1, h2, p {</a:t>
+            </a:r>
+            <a:br>
+              <a:rPr lang="en-US" dirty="0"/>
+            </a:br>
+            <a:r>
+              <a:rPr lang="en-US" dirty="0"/>
+              <a:t>    text-align: center;</a:t>
+            </a:r>
+            <a:br>
+              <a:rPr lang="en-US" dirty="0"/>
+            </a:br>
+            <a:r>
+              <a:rPr lang="en-US" dirty="0"/>
+              <a:t>    color: red;</a:t>
+            </a:r>
+            <a:br>
+              <a:rPr lang="en-US" dirty="0"/>
+            </a:br>
+            <a:r>
+              <a:rPr lang="en-US" dirty="0"/>
+              <a:t>}</a:t>
+            </a:r>
+          </a:p>
+        </p:txBody>
+      </p:sp>
+    </p:spTree>
+    <p:extLst>
+      <p:ext uri="{BB962C8B-B14F-4D97-AF65-F5344CB8AC3E}">
+        <p14:creationId xmlns:p14="http://schemas.microsoft.com/office/powerpoint/2010/main" val="589224146"/>
+      </p:ext>
+    </p:extLst>
+  </p:cSld>
+  <p:clrMapOvr>
+    <a:masterClrMapping/>
+  </p:clrMapOvr>
+</p:sld>
+</file>
+
+<file path=ppt/slides/slide8.xml><?xml version="1.0" encoding="utf-8"?>
+<p:sld xmlns:a="http://schemas.openxmlformats.org/drawingml/2006/main" xmlns:r="http://schemas.openxmlformats.org/officeDocument/2006/relationships" xmlns:p="http://schemas.openxmlformats.org/presentationml/2006/main">
+  <p:cSld>
+    <p:spTree>
+      <p:nvGrpSpPr>
+        <p:cNvPr id="1" name=""/>
+        <p:cNvGrpSpPr/>
+        <p:nvPr/>
+      </p:nvGrpSpPr>
+      <p:grpSpPr>
+        <a:xfrm>
+          <a:off x="0" y="0"/>
+          <a:ext cx="0" cy="0"/>
+          <a:chOff x="0" y="0"/>
+          <a:chExt cx="0" cy="0"/>
+        </a:xfrm>
+      </p:grpSpPr>
+      <p:sp>
+        <p:nvSpPr>
+          <p:cNvPr id="2" name="Title 1">
+            <a:extLst>
+              <a:ext uri="{FF2B5EF4-FFF2-40B4-BE49-F238E27FC236}">
+                <a16:creationId xmlns:a16="http://schemas.microsoft.com/office/drawing/2014/main" id="{F93ED71E-0AB0-4325-BEF6-299415D50613}"/>
+              </a:ext>
+            </a:extLst>
+          </p:cNvPr>
+          <p:cNvSpPr>
+            <a:spLocks noGrp="1"/>
+          </p:cNvSpPr>
+          <p:nvPr>
+            <p:ph type="title"/>
+          </p:nvPr>
+        </p:nvSpPr>
+        <p:spPr/>
+        <p:txBody>
+          <a:bodyPr/>
+          <a:lstStyle/>
+          <a:p>
+            <a:r>
+              <a:rPr lang="en-US" dirty="0"/>
+              <a:t>CSS Box Model</a:t>
+            </a:r>
+          </a:p>
+        </p:txBody>
+      </p:sp>
+      <p:pic>
+        <p:nvPicPr>
+          <p:cNvPr id="5" name="Content Placeholder 4">
+            <a:extLst>
+              <a:ext uri="{FF2B5EF4-FFF2-40B4-BE49-F238E27FC236}">
+                <a16:creationId xmlns:a16="http://schemas.microsoft.com/office/drawing/2014/main" id="{290937AD-EE8A-492C-B408-527F80F4DD66}"/>
+              </a:ext>
+            </a:extLst>
+          </p:cNvPr>
+          <p:cNvPicPr>
+            <a:picLocks noGrp="1" noChangeAspect="1"/>
+          </p:cNvPicPr>
+          <p:nvPr>
+            <p:ph idx="1"/>
+          </p:nvPr>
+        </p:nvPicPr>
+        <p:blipFill>
+          <a:blip r:embed="rId2">
+            <a:extLst>
+              <a:ext uri="{28A0092B-C50C-407E-A947-70E740481C1C}">
+                <a14:useLocalDpi xmlns:a14="http://schemas.microsoft.com/office/drawing/2010/main" val="0"/>
+              </a:ext>
+            </a:extLst>
+          </a:blip>
+          <a:stretch>
+            <a:fillRect/>
+          </a:stretch>
+        </p:blipFill>
+        <p:spPr>
+          <a:xfrm>
+            <a:off x="622851" y="1457739"/>
+            <a:ext cx="10880035" cy="5035136"/>
+          </a:xfrm>
+        </p:spPr>
+      </p:pic>
+    </p:spTree>
+    <p:extLst>
+      <p:ext uri="{BB962C8B-B14F-4D97-AF65-F5344CB8AC3E}">
+        <p14:creationId xmlns:p14="http://schemas.microsoft.com/office/powerpoint/2010/main" val="3125728133"/>
+      </p:ext>
+    </p:extLst>
+  </p:cSld>
+  <p:clrMapOvr>
+    <a:masterClrMapping/>
+  </p:clrMapOvr>
+</p:sld>
+</file>
+
+<file path=ppt/slides/slide9.xml><?xml version="1.0" encoding="utf-8"?>
+<p:sld xmlns:a="http://schemas.openxmlformats.org/drawingml/2006/main" xmlns:r="http://schemas.openxmlformats.org/officeDocument/2006/relationships" xmlns:p="http://schemas.openxmlformats.org/presentationml/2006/main">
+  <p:cSld>
+    <p:spTree>
+      <p:nvGrpSpPr>
+        <p:cNvPr id="1" name=""/>
+        <p:cNvGrpSpPr/>
+        <p:nvPr/>
+      </p:nvGrpSpPr>
+      <p:grpSpPr>
+        <a:xfrm>
+          <a:off x="0" y="0"/>
+          <a:ext cx="0" cy="0"/>
+          <a:chOff x="0" y="0"/>
+          <a:chExt cx="0" cy="0"/>
+        </a:xfrm>
+      </p:grpSpPr>
+      <p:sp>
+        <p:nvSpPr>
+          <p:cNvPr id="2" name="Title 1">
+            <a:extLst>
+              <a:ext uri="{FF2B5EF4-FFF2-40B4-BE49-F238E27FC236}">
+                <a16:creationId xmlns:a16="http://schemas.microsoft.com/office/drawing/2014/main" id="{B7B5372E-7F3E-4EDF-B097-A4C09FE0A0C4}"/>
+              </a:ext>
+            </a:extLst>
+          </p:cNvPr>
+          <p:cNvSpPr>
+            <a:spLocks noGrp="1"/>
+          </p:cNvSpPr>
+          <p:nvPr>
+            <p:ph type="title"/>
+          </p:nvPr>
+        </p:nvSpPr>
+        <p:spPr>
+          <a:xfrm>
+            <a:off x="838200" y="365126"/>
+            <a:ext cx="10515600" cy="893832"/>
+          </a:xfrm>
+        </p:spPr>
+        <p:txBody>
+          <a:bodyPr/>
+          <a:lstStyle/>
+          <a:p>
+            <a:pPr algn="ctr"/>
+            <a:r>
+              <a:rPr lang="en-US" dirty="0"/>
+              <a:t>CSS Margins</a:t>
+            </a:r>
+          </a:p>
+        </p:txBody>
+      </p:sp>
+      <p:sp>
+        <p:nvSpPr>
+          <p:cNvPr id="3" name="Content Placeholder 2">
+            <a:extLst>
+              <a:ext uri="{FF2B5EF4-FFF2-40B4-BE49-F238E27FC236}">
+                <a16:creationId xmlns:a16="http://schemas.microsoft.com/office/drawing/2014/main" id="{53830F26-292A-473E-8BD5-C1898D32C000}"/>
+              </a:ext>
+            </a:extLst>
+          </p:cNvPr>
+          <p:cNvSpPr>
+            <a:spLocks noGrp="1"/>
+          </p:cNvSpPr>
+          <p:nvPr>
+            <p:ph idx="1"/>
+          </p:nvPr>
+        </p:nvSpPr>
+        <p:spPr>
+          <a:xfrm>
+            <a:off x="838200" y="1258957"/>
+            <a:ext cx="10515600" cy="5406885"/>
+          </a:xfrm>
+        </p:spPr>
+        <p:txBody>
+          <a:bodyPr/>
+          <a:lstStyle/>
+          <a:p>
+            <a:r>
+              <a:rPr lang="en-US" dirty="0"/>
+              <a:t>CSS margin property is used to create space around elements, outside of any defined borders</a:t>
+            </a:r>
+          </a:p>
+          <a:p>
+            <a:r>
+              <a:rPr lang="en-US" dirty="0"/>
+              <a:t>CSS has properties for specifying the margin for each side of an element:</a:t>
+            </a:r>
+          </a:p>
+          <a:p>
+            <a:r>
+              <a:rPr lang="en-US" dirty="0"/>
+              <a:t>Margin-top, margin-right, margin-bottom, margin-left</a:t>
+            </a:r>
+          </a:p>
+          <a:p>
+            <a:r>
+              <a:rPr lang="en-US" dirty="0"/>
+              <a:t>All the margin properties can have the following values</a:t>
+            </a:r>
+          </a:p>
+          <a:p>
+            <a:r>
+              <a:rPr lang="en-US" dirty="0"/>
+              <a:t>Auto-the browser calculates the margins</a:t>
+            </a:r>
+          </a:p>
+          <a:p>
+            <a:r>
+              <a:rPr lang="en-US" i="1" dirty="0"/>
+              <a:t>length</a:t>
+            </a:r>
+            <a:r>
+              <a:rPr lang="en-US" dirty="0"/>
+              <a:t> - specifies a margin in </a:t>
+            </a:r>
+            <a:r>
+              <a:rPr lang="en-US" dirty="0" err="1"/>
+              <a:t>px</a:t>
+            </a:r>
+            <a:r>
+              <a:rPr lang="en-US" dirty="0"/>
+              <a:t>, </a:t>
+            </a:r>
+            <a:r>
+              <a:rPr lang="en-US" dirty="0" err="1"/>
+              <a:t>pt</a:t>
+            </a:r>
+            <a:r>
+              <a:rPr lang="en-US" dirty="0"/>
+              <a:t>, cm, etc.</a:t>
+            </a:r>
+          </a:p>
+          <a:p>
+            <a:r>
+              <a:rPr lang="en-US" i="1" dirty="0"/>
+              <a:t>%</a:t>
+            </a:r>
+            <a:r>
+              <a:rPr lang="en-US" dirty="0"/>
+              <a:t> - specifies a margin in % of the width of the containing element</a:t>
+            </a:r>
+          </a:p>
+          <a:p>
+            <a:r>
+              <a:rPr lang="en-US" dirty="0"/>
+              <a:t>inherit - specifies that the margin should be inherited from the parent element</a:t>
+            </a:r>
+          </a:p>
+          <a:p>
+            <a:endParaRPr lang="en-US" dirty="0"/>
+          </a:p>
+          <a:p>
+            <a:endParaRPr lang="en-US" dirty="0"/>
+          </a:p>
+        </p:txBody>
+      </p:sp>
+    </p:spTree>
+    <p:extLst>
+      <p:ext uri="{BB962C8B-B14F-4D97-AF65-F5344CB8AC3E}">
+        <p14:creationId xmlns:p14="http://schemas.microsoft.com/office/powerpoint/2010/main" val="2142047349"/>
+      </p:ext>
+    </p:extLst>
+  </p:cSld>
+  <p:clrMapOvr>
+    <a:masterClrMapping/>
+  </p:clrMapOvr>
+</p:sld>
+</file>
+
 <file path=ppt/theme/theme1.xml><?xml version="1.0" encoding="utf-8"?>
-<a:theme xmlns:a="http://schemas.openxmlformats.org/drawingml/2006/main" name="Office Theme">
+<a:theme xmlns:a="http://schemas.openxmlformats.org/drawingml/2006/main" name="Ion">
   <a:themeElements>
-    <a:clrScheme name="Office">
+    <a:clrScheme name="Grayscale">
       <a:dk1>
         <a:sysClr val="windowText" lastClr="000000"/>
       </a:dk1>
@@ -3653,44 +8194,44 @@
         <a:sysClr val="window" lastClr="FFFFFF"/>
       </a:lt1>
       <a:dk2>
-        <a:srgbClr val="44546A"/>
+        <a:srgbClr val="000000"/>
       </a:dk2>
       <a:lt2>
-        <a:srgbClr val="E7E6E6"/>
+        <a:srgbClr val="F8F8F8"/>
       </a:lt2>
       <a:accent1>
-        <a:srgbClr val="4472C4"/>
+        <a:srgbClr val="DDDDDD"/>
       </a:accent1>
       <a:accent2>
-        <a:srgbClr val="ED7D31"/>
+        <a:srgbClr val="B2B2B2"/>
       </a:accent2>
       <a:accent3>
-        <a:srgbClr val="A5A5A5"/>
+        <a:srgbClr val="969696"/>
       </a:accent3>
       <a:accent4>
-        <a:srgbClr val="FFC000"/>
+        <a:srgbClr val="808080"/>
       </a:accent4>
       <a:accent5>
-        <a:srgbClr val="5B9BD5"/>
+        <a:srgbClr val="5F5F5F"/>
       </a:accent5>
       <a:accent6>
-        <a:srgbClr val="70AD47"/>
+        <a:srgbClr val="4D4D4D"/>
       </a:accent6>
       <a:hlink>
-        <a:srgbClr val="0563C1"/>
+        <a:srgbClr val="5F5F5F"/>
       </a:hlink>
       <a:folHlink>
-        <a:srgbClr val="954F72"/>
+        <a:srgbClr val="919191"/>
       </a:folHlink>
     </a:clrScheme>
-    <a:fontScheme name="Office">
+    <a:fontScheme name="Ion">
       <a:majorFont>
-        <a:latin typeface="Calibri Light" panose="020F0302020204030204"/>
+        <a:latin typeface="Century Gothic" panose="020B0502020202020204"/>
         <a:ea typeface=""/>
         <a:cs typeface=""/>
-        <a:font script="Jpan" typeface="游ゴシック Light"/>
+        <a:font script="Jpan" typeface="メイリオ"/>
         <a:font script="Hang" typeface="맑은 고딕"/>
-        <a:font script="Hans" typeface="等线 Light"/>
+        <a:font script="Hans" typeface="宋体"/>
         <a:font script="Hant" typeface="新細明體"/>
         <a:font script="Arab" typeface="Times New Roman"/>
         <a:font script="Hebr" typeface="Times New Roman"/>
@@ -3718,31 +8259,14 @@
         <a:font script="Viet" typeface="Times New Roman"/>
         <a:font script="Uigh" typeface="Microsoft Uighur"/>
         <a:font script="Geor" typeface="Sylfaen"/>
-        <a:font script="Armn" typeface="Arial"/>
-        <a:font script="Bugi" typeface="Leelawadee UI"/>
-        <a:font script="Bopo" typeface="Microsoft JhengHei"/>
-        <a:font script="Java" typeface="Javanese Text"/>
-        <a:font script="Lisu" typeface="Segoe UI"/>
-        <a:font script="Mymr" typeface="Myanmar Text"/>
-        <a:font script="Nkoo" typeface="Ebrima"/>
-        <a:font script="Olck" typeface="Nirmala UI"/>
-        <a:font script="Osma" typeface="Ebrima"/>
-        <a:font script="Phag" typeface="Phagspa"/>
-        <a:font script="Syrn" typeface="Estrangelo Edessa"/>
-        <a:font script="Syrj" typeface="Estrangelo Edessa"/>
-        <a:font script="Syre" typeface="Estrangelo Edessa"/>
-        <a:font script="Sora" typeface="Nirmala UI"/>
-        <a:font script="Tale" typeface="Microsoft Tai Le"/>
-        <a:font script="Talu" typeface="Microsoft New Tai Lue"/>
-        <a:font script="Tfng" typeface="Ebrima"/>
       </a:majorFont>
       <a:minorFont>
-        <a:latin typeface="Calibri" panose="020F0502020204030204"/>
+        <a:latin typeface="Century Gothic" panose="020B0502020202020204"/>
         <a:ea typeface=""/>
         <a:cs typeface=""/>
-        <a:font script="Jpan" typeface="游ゴシック"/>
+        <a:font script="Jpan" typeface="メイリオ"/>
         <a:font script="Hang" typeface="맑은 고딕"/>
-        <a:font script="Hans" typeface="等线"/>
+        <a:font script="Hans" typeface="宋体"/>
         <a:font script="Hant" typeface="新細明體"/>
         <a:font script="Arab" typeface="Arial"/>
         <a:font script="Hebr" typeface="Arial"/>
@@ -3770,26 +8294,9 @@
         <a:font script="Viet" typeface="Arial"/>
         <a:font script="Uigh" typeface="Microsoft Uighur"/>
         <a:font script="Geor" typeface="Sylfaen"/>
-        <a:font script="Armn" typeface="Arial"/>
-        <a:font script="Bugi" typeface="Leelawadee UI"/>
-        <a:font script="Bopo" typeface="Microsoft JhengHei"/>
-        <a:font script="Java" typeface="Javanese Text"/>
-        <a:font script="Lisu" typeface="Segoe UI"/>
-        <a:font script="Mymr" typeface="Myanmar Text"/>
-        <a:font script="Nkoo" typeface="Ebrima"/>
-        <a:font script="Olck" typeface="Nirmala UI"/>
-        <a:font script="Osma" typeface="Ebrima"/>
-        <a:font script="Phag" typeface="Phagspa"/>
-        <a:font script="Syrn" typeface="Estrangelo Edessa"/>
-        <a:font script="Syrj" typeface="Estrangelo Edessa"/>
-        <a:font script="Syre" typeface="Estrangelo Edessa"/>
-        <a:font script="Sora" typeface="Nirmala UI"/>
-        <a:font script="Tale" typeface="Microsoft Tai Le"/>
-        <a:font script="Talu" typeface="Microsoft New Tai Lue"/>
-        <a:font script="Tfng" typeface="Ebrima"/>
       </a:minorFont>
     </a:fontScheme>
-    <a:fmtScheme name="Office">
+    <a:fmtScheme name="Ion">
       <a:fillStyleLst>
         <a:solidFill>
           <a:schemeClr val="phClr"/>
@@ -3798,23 +8305,15 @@
           <a:gsLst>
             <a:gs pos="0">
               <a:schemeClr val="phClr">
-                <a:lumMod val="110000"/>
-                <a:satMod val="105000"/>
-                <a:tint val="67000"/>
-              </a:schemeClr>
-            </a:gs>
-            <a:gs pos="50000">
-              <a:schemeClr val="phClr">
-                <a:lumMod val="105000"/>
-                <a:satMod val="103000"/>
-                <a:tint val="73000"/>
+                <a:tint val="64000"/>
+                <a:lumMod val="118000"/>
               </a:schemeClr>
             </a:gs>
             <a:gs pos="100000">
               <a:schemeClr val="phClr">
-                <a:lumMod val="105000"/>
-                <a:satMod val="109000"/>
-                <a:tint val="81000"/>
+                <a:tint val="92000"/>
+                <a:alpha val="100000"/>
+                <a:lumMod val="110000"/>
               </a:schemeClr>
             </a:gs>
           </a:gsLst>
@@ -3824,23 +8323,14 @@
           <a:gsLst>
             <a:gs pos="0">
               <a:schemeClr val="phClr">
-                <a:satMod val="103000"/>
-                <a:lumMod val="102000"/>
-                <a:tint val="94000"/>
-              </a:schemeClr>
-            </a:gs>
-            <a:gs pos="50000">
-              <a:schemeClr val="phClr">
-                <a:satMod val="110000"/>
-                <a:lumMod val="100000"/>
-                <a:shade val="100000"/>
+                <a:tint val="98000"/>
+                <a:lumMod val="114000"/>
               </a:schemeClr>
             </a:gs>
             <a:gs pos="100000">
               <a:schemeClr val="phClr">
-                <a:lumMod val="99000"/>
-                <a:satMod val="120000"/>
-                <a:shade val="78000"/>
+                <a:shade val="90000"/>
+                <a:lumMod val="84000"/>
               </a:schemeClr>
             </a:gs>
           </a:gsLst>
@@ -3848,26 +8338,23 @@
         </a:gradFill>
       </a:fillStyleLst>
       <a:lnStyleLst>
-        <a:ln w="6350" cap="flat" cmpd="sng" algn="ctr">
+        <a:ln w="9525" cap="rnd" cmpd="sng" algn="ctr">
           <a:solidFill>
             <a:schemeClr val="phClr"/>
           </a:solidFill>
           <a:prstDash val="solid"/>
-          <a:miter lim="800000"/>
         </a:ln>
-        <a:ln w="12700" cap="flat" cmpd="sng" algn="ctr">
+        <a:ln w="19050" cap="rnd" cmpd="sng" algn="ctr">
           <a:solidFill>
             <a:schemeClr val="phClr"/>
           </a:solidFill>
           <a:prstDash val="solid"/>
-          <a:miter lim="800000"/>
         </a:ln>
-        <a:ln w="19050" cap="flat" cmpd="sng" algn="ctr">
+        <a:ln w="28575" cap="rnd" cmpd="sng" algn="ctr">
           <a:solidFill>
             <a:schemeClr val="phClr"/>
           </a:solidFill>
           <a:prstDash val="solid"/>
-          <a:miter lim="800000"/>
         </a:ln>
       </a:lnStyleLst>
       <a:effectStyleLst>
@@ -3875,55 +8362,80 @@
           <a:effectLst/>
         </a:effectStyle>
         <a:effectStyle>
-          <a:effectLst/>
+          <a:effectLst>
+            <a:outerShdw blurRad="38100" dist="25400" dir="5400000" rotWithShape="0">
+              <a:srgbClr val="000000">
+                <a:alpha val="45000"/>
+              </a:srgbClr>
+            </a:outerShdw>
+          </a:effectLst>
         </a:effectStyle>
         <a:effectStyle>
           <a:effectLst>
-            <a:outerShdw blurRad="57150" dist="19050" dir="5400000" algn="ctr" rotWithShape="0">
+            <a:outerShdw blurRad="63500" dist="38100" dir="5400000" rotWithShape="0">
               <a:srgbClr val="000000">
-                <a:alpha val="63000"/>
+                <a:alpha val="60000"/>
               </a:srgbClr>
             </a:outerShdw>
           </a:effectLst>
+          <a:scene3d>
+            <a:camera prst="orthographicFront">
+              <a:rot lat="0" lon="0" rev="0"/>
+            </a:camera>
+            <a:lightRig rig="threePt" dir="tl"/>
+          </a:scene3d>
+          <a:sp3d prstMaterial="plastic">
+            <a:bevelT w="0" h="0"/>
+          </a:sp3d>
         </a:effectStyle>
       </a:effectStyleLst>
       <a:bgFillStyleLst>
         <a:solidFill>
           <a:schemeClr val="phClr"/>
         </a:solidFill>
-        <a:solidFill>
-          <a:schemeClr val="phClr">
-            <a:tint val="95000"/>
-            <a:satMod val="170000"/>
-          </a:schemeClr>
-        </a:solidFill>
         <a:gradFill rotWithShape="1">
           <a:gsLst>
             <a:gs pos="0">
               <a:schemeClr val="phClr">
-                <a:tint val="93000"/>
-                <a:satMod val="150000"/>
-                <a:shade val="98000"/>
-                <a:lumMod val="102000"/>
-              </a:schemeClr>
-            </a:gs>
-            <a:gs pos="50000">
-              <a:schemeClr val="phClr">
-                <a:tint val="98000"/>
+                <a:tint val="97000"/>
+                <a:hueMod val="88000"/>
                 <a:satMod val="130000"/>
-                <a:shade val="90000"/>
-                <a:lumMod val="103000"/>
+                <a:lumMod val="124000"/>
               </a:schemeClr>
             </a:gs>
             <a:gs pos="100000">
               <a:schemeClr val="phClr">
-                <a:shade val="63000"/>
-                <a:satMod val="120000"/>
+                <a:tint val="96000"/>
+                <a:shade val="88000"/>
+                <a:hueMod val="108000"/>
+                <a:satMod val="164000"/>
+                <a:lumMod val="76000"/>
               </a:schemeClr>
             </a:gs>
           </a:gsLst>
-          <a:lin ang="5400000" scaled="0"/>
+          <a:path path="circle">
+            <a:fillToRect l="45000" t="65000" r="125000" b="100000"/>
+          </a:path>
         </a:gradFill>
+        <a:blipFill rotWithShape="1">
+          <a:blip xmlns:r="http://schemas.openxmlformats.org/officeDocument/2006/relationships" r:embed="rId1">
+            <a:duotone>
+              <a:schemeClr val="phClr">
+                <a:shade val="69000"/>
+                <a:hueMod val="108000"/>
+                <a:satMod val="164000"/>
+                <a:lumMod val="74000"/>
+              </a:schemeClr>
+              <a:schemeClr val="phClr">
+                <a:tint val="96000"/>
+                <a:hueMod val="88000"/>
+                <a:satMod val="140000"/>
+                <a:lumMod val="132000"/>
+              </a:schemeClr>
+            </a:duotone>
+          </a:blip>
+          <a:stretch/>
+        </a:blipFill>
       </a:bgFillStyleLst>
     </a:fmtScheme>
   </a:themeElements>
@@ -3931,7 +8443,7 @@
   <a:extraClrSchemeLst/>
   <a:extLst>
     <a:ext uri="{05A4C25C-085E-4340-85A3-A5531E510DB2}">
-      <thm15:themeFamily xmlns:thm15="http://schemas.microsoft.com/office/thememl/2012/main" name="Office Theme" id="{62F939B6-93AF-4DB8-9C6B-D6C7DFDC589F}" vid="{4A3C46E8-61CC-4603-A589-7422A47A8E4A}"/>
+      <thm15:themeFamily xmlns:thm15="http://schemas.microsoft.com/office/thememl/2012/main" name="Ion" id="{B8441ADB-2E43-4AF7-B97A-BD870242C6A8}" vid="{292E63A9-BB86-4E3D-B92A-7223C6510D2E}"/>
     </a:ext>
   </a:extLst>
 </a:theme>
